--- a/Slides/Chapter05.pptx
+++ b/Slides/Chapter05.pptx
@@ -176,6 +176,11 @@
       </a:defRPr>
     </a:lvl9pPr>
   </p:defaultTextStyle>
+  <p:extLst>
+    <p:ext uri="{EFAFB233-063F-42B5-8137-9DF3F51BA10A}">
+      <p15:sldGuideLst xmlns:p15="http://schemas.microsoft.com/office/powerpoint/2012/main"/>
+    </p:ext>
+  </p:extLst>
 </p:presentation>
 </file>
 
@@ -261,7 +266,7 @@
           <a:p>
             <a:fld id="{1014AD53-B32D-C140-B1EF-3AA5C844E3CC}" type="datetimeFigureOut">
               <a:rPr lang="en-US" smtClean="0"/>
-              <a:t>10/22/25</a:t>
+              <a:t>10/23/25</a:t>
             </a:fld>
             <a:endParaRPr lang="en-US"/>
           </a:p>
@@ -899,7 +904,7 @@
           <a:p>
             <a:fld id="{0D99093C-E824-EC48-B77A-280F17DA5D37}" type="datetimeFigureOut">
               <a:rPr lang="en-US" smtClean="0"/>
-              <a:t>10/22/25</a:t>
+              <a:t>10/23/25</a:t>
             </a:fld>
             <a:endParaRPr lang="en-US"/>
           </a:p>
@@ -1080,7 +1085,7 @@
           <a:p>
             <a:fld id="{0D99093C-E824-EC48-B77A-280F17DA5D37}" type="datetimeFigureOut">
               <a:rPr lang="en-US" smtClean="0"/>
-              <a:t>10/22/25</a:t>
+              <a:t>10/23/25</a:t>
             </a:fld>
             <a:endParaRPr lang="en-US"/>
           </a:p>
@@ -1250,7 +1255,7 @@
           <a:p>
             <a:fld id="{0D99093C-E824-EC48-B77A-280F17DA5D37}" type="datetimeFigureOut">
               <a:rPr lang="en-US" smtClean="0"/>
-              <a:t>10/22/25</a:t>
+              <a:t>10/23/25</a:t>
             </a:fld>
             <a:endParaRPr lang="en-US"/>
           </a:p>
@@ -1593,7 +1598,7 @@
           <a:p>
             <a:fld id="{0D99093C-E824-EC48-B77A-280F17DA5D37}" type="datetimeFigureOut">
               <a:rPr lang="en-US" smtClean="0"/>
-              <a:t>10/22/25</a:t>
+              <a:t>10/23/25</a:t>
             </a:fld>
             <a:endParaRPr lang="en-US"/>
           </a:p>
@@ -1730,7 +1735,7 @@
           <a:p>
             <a:fld id="{0D99093C-E824-EC48-B77A-280F17DA5D37}" type="datetimeFigureOut">
               <a:rPr lang="en-US" smtClean="0"/>
-              <a:t>10/22/25</a:t>
+              <a:t>10/23/25</a:t>
             </a:fld>
             <a:endParaRPr lang="en-US"/>
           </a:p>
@@ -1845,7 +1850,7 @@
           <a:p>
             <a:fld id="{0D99093C-E824-EC48-B77A-280F17DA5D37}" type="datetimeFigureOut">
               <a:rPr lang="en-US" smtClean="0"/>
-              <a:t>10/22/25</a:t>
+              <a:t>10/23/25</a:t>
             </a:fld>
             <a:endParaRPr lang="en-US"/>
           </a:p>
@@ -1924,7 +1929,7 @@
     <p:bg>
       <p:bgPr>
         <a:blipFill dpi="0" rotWithShape="1">
-          <a:blip r:embed="rId9">
+          <a:blip>
             <a:lum/>
           </a:blip>
           <a:srcRect/>
@@ -12487,6 +12492,9 @@
             </a:r>
           </a:p>
           <a:p>
+            <a:pPr marL="0" indent="0">
+              <a:buNone/>
+            </a:pPr>
             <a:r>
               <a:rPr lang="en-US" dirty="0" err="1">
                 <a:latin typeface="Courier New" panose="02070309020205020404" pitchFamily="49" charset="0"/>
@@ -12527,6 +12535,18 @@
   <p:clrMapOvr>
     <a:masterClrMapping/>
   </p:clrMapOvr>
+  <mc:AlternateContent xmlns:mc="http://schemas.openxmlformats.org/markup-compatibility/2006" xmlns:p14="http://schemas.microsoft.com/office/powerpoint/2010/main">
+    <mc:Choice Requires="p14">
+      <p:transition spd="slow" p14:dur="1200">
+        <p14:prism/>
+      </p:transition>
+    </mc:Choice>
+    <mc:Fallback xmlns="">
+      <p:transition xmlns:p14="http://schemas.microsoft.com/office/powerpoint/2010/main" spd="slow">
+        <p:fade/>
+      </p:transition>
+    </mc:Fallback>
+  </mc:AlternateContent>
 </p:sld>
 </file>
 
@@ -12798,19 +12818,8 @@
                 <a:latin typeface="Courier New" panose="02070309020205020404" pitchFamily="49" charset="0"/>
                 <a:cs typeface="Courier New" panose="02070309020205020404" pitchFamily="49" charset="0"/>
               </a:rPr>
-              <a:t> </a:t>
-            </a:r>
-            <a:r>
-              <a:rPr lang="en-US" dirty="0" err="1">
-                <a:latin typeface="Courier New" panose="02070309020205020404" pitchFamily="49" charset="0"/>
-                <a:cs typeface="Courier New" panose="02070309020205020404" pitchFamily="49" charset="0"/>
-              </a:rPr>
-              <a:t>heroku-postgresql:mini</a:t>
-            </a:r>
-            <a:endParaRPr lang="en-US" dirty="0">
-              <a:latin typeface="Courier New" panose="02070309020205020404" pitchFamily="49" charset="0"/>
-              <a:cs typeface="Courier New" panose="02070309020205020404" pitchFamily="49" charset="0"/>
-            </a:endParaRPr>
+              <a:t> heroku-postgresql:essential-0</a:t>
+            </a:r>
           </a:p>
           <a:p>
             <a:r>

--- a/Slides/Chapter05.pptx
+++ b/Slides/Chapter05.pptx
@@ -2,7 +2,7 @@
 <file path=ppt/presentation.xml><?xml version="1.0" encoding="utf-8"?>
 <p:presentation xmlns:a="http://schemas.openxmlformats.org/drawingml/2006/main" xmlns:r="http://schemas.openxmlformats.org/officeDocument/2006/relationships" xmlns:p="http://schemas.openxmlformats.org/presentationml/2006/main" saveSubsetFonts="1" autoCompressPictures="0">
   <p:sldMasterIdLst>
-    <p:sldMasterId id="2147483660" r:id="rId1"/>
+    <p:sldMasterId id="2147483668" r:id="rId1"/>
   </p:sldMasterIdLst>
   <p:notesMasterIdLst>
     <p:notesMasterId r:id="rId72"/>
@@ -266,7 +266,7 @@
           <a:p>
             <a:fld id="{1014AD53-B32D-C140-B1EF-3AA5C844E3CC}" type="datetimeFigureOut">
               <a:rPr lang="en-US" smtClean="0"/>
-              <a:t>10/23/25</a:t>
+              <a:t>10/27/25</a:t>
             </a:fld>
             <a:endParaRPr lang="en-US"/>
           </a:p>
@@ -762,7 +762,7 @@
     </p:spTree>
     <p:extLst>
       <p:ext uri="{BB962C8B-B14F-4D97-AF65-F5344CB8AC3E}">
-        <p14:creationId xmlns:p14="http://schemas.microsoft.com/office/powerpoint/2010/main" val="3410786149"/>
+        <p14:creationId xmlns:p14="http://schemas.microsoft.com/office/powerpoint/2010/main" val="1746631109"/>
       </p:ext>
     </p:extLst>
   </p:cSld>
@@ -902,9 +902,9 @@
           <a:bodyPr/>
           <a:lstStyle/>
           <a:p>
-            <a:fld id="{0D99093C-E824-EC48-B77A-280F17DA5D37}" type="datetimeFigureOut">
+            <a:fld id="{BD6E15D8-D685-1144-AD8A-ADBAA9D63DF8}" type="datetime1">
               <a:rPr lang="en-US" smtClean="0"/>
-              <a:t>10/23/25</a:t>
+              <a:t>10/27/25</a:t>
             </a:fld>
             <a:endParaRPr lang="en-US"/>
           </a:p>
@@ -955,7 +955,7 @@
     </p:spTree>
     <p:extLst>
       <p:ext uri="{BB962C8B-B14F-4D97-AF65-F5344CB8AC3E}">
-        <p14:creationId xmlns:p14="http://schemas.microsoft.com/office/powerpoint/2010/main" val="3776455051"/>
+        <p14:creationId xmlns:p14="http://schemas.microsoft.com/office/powerpoint/2010/main" val="1068914041"/>
       </p:ext>
     </p:extLst>
   </p:cSld>
@@ -1083,9 +1083,9 @@
           <a:bodyPr/>
           <a:lstStyle/>
           <a:p>
-            <a:fld id="{0D99093C-E824-EC48-B77A-280F17DA5D37}" type="datetimeFigureOut">
+            <a:fld id="{D14690C4-8DBE-C744-9F73-39F8C56C05AA}" type="datetime1">
               <a:rPr lang="en-US" smtClean="0"/>
-              <a:t>10/23/25</a:t>
+              <a:t>10/27/25</a:t>
             </a:fld>
             <a:endParaRPr lang="en-US"/>
           </a:p>
@@ -1136,7 +1136,7 @@
     </p:spTree>
     <p:extLst>
       <p:ext uri="{BB962C8B-B14F-4D97-AF65-F5344CB8AC3E}">
-        <p14:creationId xmlns:p14="http://schemas.microsoft.com/office/powerpoint/2010/main" val="2577880188"/>
+        <p14:creationId xmlns:p14="http://schemas.microsoft.com/office/powerpoint/2010/main" val="601771503"/>
       </p:ext>
     </p:extLst>
   </p:cSld>
@@ -1253,9 +1253,9 @@
           <a:bodyPr/>
           <a:lstStyle/>
           <a:p>
-            <a:fld id="{0D99093C-E824-EC48-B77A-280F17DA5D37}" type="datetimeFigureOut">
+            <a:fld id="{DCBD7BB8-3C64-944A-871D-EEFF8C4987C2}" type="datetime1">
               <a:rPr lang="en-US" smtClean="0"/>
-              <a:t>10/23/25</a:t>
+              <a:t>10/27/25</a:t>
             </a:fld>
             <a:endParaRPr lang="en-US"/>
           </a:p>
@@ -1356,7 +1356,7 @@
     </p:spTree>
     <p:extLst>
       <p:ext uri="{BB962C8B-B14F-4D97-AF65-F5344CB8AC3E}">
-        <p14:creationId xmlns:p14="http://schemas.microsoft.com/office/powerpoint/2010/main" val="1673116157"/>
+        <p14:creationId xmlns:p14="http://schemas.microsoft.com/office/powerpoint/2010/main" val="3573244763"/>
       </p:ext>
     </p:extLst>
   </p:cSld>
@@ -1596,9 +1596,9 @@
           <a:bodyPr/>
           <a:lstStyle/>
           <a:p>
-            <a:fld id="{0D99093C-E824-EC48-B77A-280F17DA5D37}" type="datetimeFigureOut">
+            <a:fld id="{BB15186C-C400-F34C-B36B-E1F3395EE67C}" type="datetime1">
               <a:rPr lang="en-US" smtClean="0"/>
-              <a:t>10/23/25</a:t>
+              <a:t>10/27/25</a:t>
             </a:fld>
             <a:endParaRPr lang="en-US"/>
           </a:p>
@@ -1649,7 +1649,7 @@
     </p:spTree>
     <p:extLst>
       <p:ext uri="{BB962C8B-B14F-4D97-AF65-F5344CB8AC3E}">
-        <p14:creationId xmlns:p14="http://schemas.microsoft.com/office/powerpoint/2010/main" val="1357322360"/>
+        <p14:creationId xmlns:p14="http://schemas.microsoft.com/office/powerpoint/2010/main" val="2824154125"/>
       </p:ext>
     </p:extLst>
   </p:cSld>
@@ -1733,9 +1733,9 @@
           <a:bodyPr/>
           <a:lstStyle/>
           <a:p>
-            <a:fld id="{0D99093C-E824-EC48-B77A-280F17DA5D37}" type="datetimeFigureOut">
+            <a:fld id="{58058098-C04E-CB4D-B0EA-03E8D230EE4A}" type="datetime1">
               <a:rPr lang="en-US" smtClean="0"/>
-              <a:t>10/23/25</a:t>
+              <a:t>10/27/25</a:t>
             </a:fld>
             <a:endParaRPr lang="en-US"/>
           </a:p>
@@ -1786,7 +1786,7 @@
     </p:spTree>
     <p:extLst>
       <p:ext uri="{BB962C8B-B14F-4D97-AF65-F5344CB8AC3E}">
-        <p14:creationId xmlns:p14="http://schemas.microsoft.com/office/powerpoint/2010/main" val="326125369"/>
+        <p14:creationId xmlns:p14="http://schemas.microsoft.com/office/powerpoint/2010/main" val="2056972119"/>
       </p:ext>
     </p:extLst>
   </p:cSld>
@@ -1827,56 +1827,30 @@
       </p:grpSpPr>
       <p:sp>
         <p:nvSpPr>
-          <p:cNvPr id="3" name="Date Placeholder 2"/>
-          <p:cNvSpPr>
-            <a:spLocks noGrp="1"/>
-          </p:cNvSpPr>
-          <p:nvPr>
-            <p:ph type="dt" sz="half" idx="10"/>
+          <p:cNvPr id="4" name="Footer Placeholder 3"/>
+          <p:cNvSpPr>
+            <a:spLocks noGrp="1"/>
+          </p:cNvSpPr>
+          <p:nvPr>
+            <p:ph type="ftr" sz="quarter" idx="11"/>
           </p:nvPr>
         </p:nvSpPr>
         <p:spPr>
           <a:xfrm>
-            <a:off x="4406051" y="6308727"/>
-            <a:ext cx="1169155" cy="485424"/>
+            <a:off x="1973208" y="6327488"/>
+            <a:ext cx="8605793" cy="487680"/>
           </a:xfrm>
-          <a:prstGeom prst="rect">
-            <a:avLst/>
-          </a:prstGeom>
         </p:spPr>
         <p:txBody>
           <a:bodyPr/>
           <a:lstStyle/>
           <a:p>
-            <a:fld id="{0D99093C-E824-EC48-B77A-280F17DA5D37}" type="datetimeFigureOut">
-              <a:rPr lang="en-US" smtClean="0"/>
-              <a:t>10/23/25</a:t>
-            </a:fld>
             <a:endParaRPr lang="en-US"/>
           </a:p>
         </p:txBody>
       </p:sp>
       <p:sp>
         <p:nvSpPr>
-          <p:cNvPr id="4" name="Footer Placeholder 3"/>
-          <p:cNvSpPr>
-            <a:spLocks noGrp="1"/>
-          </p:cNvSpPr>
-          <p:nvPr>
-            <p:ph type="ftr" sz="quarter" idx="11"/>
-          </p:nvPr>
-        </p:nvSpPr>
-        <p:spPr/>
-        <p:txBody>
-          <a:bodyPr/>
-          <a:lstStyle/>
-          <a:p>
-            <a:endParaRPr lang="en-US"/>
-          </a:p>
-        </p:txBody>
-      </p:sp>
-      <p:sp>
-        <p:nvSpPr>
           <p:cNvPr id="5" name="Slide Number Placeholder 4"/>
           <p:cNvSpPr>
             <a:spLocks noGrp="1"/>
@@ -1885,7 +1859,12 @@
             <p:ph type="sldNum" sz="quarter" idx="12"/>
           </p:nvPr>
         </p:nvSpPr>
-        <p:spPr/>
+        <p:spPr>
+          <a:xfrm>
+            <a:off x="10745942" y="6308726"/>
+            <a:ext cx="879777" cy="487680"/>
+          </a:xfrm>
+        </p:spPr>
         <p:txBody>
           <a:bodyPr/>
           <a:lstStyle/>
@@ -1901,7 +1880,7 @@
     </p:spTree>
     <p:extLst>
       <p:ext uri="{BB962C8B-B14F-4D97-AF65-F5344CB8AC3E}">
-        <p14:creationId xmlns:p14="http://schemas.microsoft.com/office/powerpoint/2010/main" val="2961490640"/>
+        <p14:creationId xmlns:p14="http://schemas.microsoft.com/office/powerpoint/2010/main" val="3752876753"/>
       </p:ext>
     </p:extLst>
   </p:cSld>
@@ -1923,13 +1902,165 @@
 </p:sldLayout>
 </file>
 
+<file path=ppt/slideLayouts/slideLayout8.xml><?xml version="1.0" encoding="utf-8"?>
+<p:sldLayout xmlns:a="http://schemas.openxmlformats.org/drawingml/2006/main" xmlns:r="http://schemas.openxmlformats.org/officeDocument/2006/relationships" xmlns:p="http://schemas.openxmlformats.org/presentationml/2006/main">
+  <p:cSld name="Section">
+    <p:spTree>
+      <p:nvGrpSpPr>
+        <p:cNvPr id="1" name=""/>
+        <p:cNvGrpSpPr/>
+        <p:nvPr/>
+      </p:nvGrpSpPr>
+      <p:grpSpPr>
+        <a:xfrm>
+          <a:off x="0" y="0"/>
+          <a:ext cx="0" cy="0"/>
+          <a:chOff x="0" y="0"/>
+          <a:chExt cx="0" cy="0"/>
+        </a:xfrm>
+      </p:grpSpPr>
+      <p:sp>
+        <p:nvSpPr>
+          <p:cNvPr id="2" name="Title 1">
+            <a:extLst>
+              <a:ext uri="{FF2B5EF4-FFF2-40B4-BE49-F238E27FC236}">
+                <a16:creationId xmlns:a16="http://schemas.microsoft.com/office/drawing/2014/main" id="{4E0B955B-3757-0FEC-8150-652A2829B605}"/>
+              </a:ext>
+            </a:extLst>
+          </p:cNvPr>
+          <p:cNvSpPr>
+            <a:spLocks noGrp="1"/>
+          </p:cNvSpPr>
+          <p:nvPr>
+            <p:ph type="ctrTitle" hasCustomPrompt="1"/>
+          </p:nvPr>
+        </p:nvSpPr>
+        <p:spPr>
+          <a:xfrm>
+            <a:off x="1524000" y="2921168"/>
+            <a:ext cx="9144000" cy="1015663"/>
+          </a:xfrm>
+        </p:spPr>
+        <p:txBody>
+          <a:bodyPr anchor="ctr" anchorCtr="0">
+            <a:spAutoFit/>
+          </a:bodyPr>
+          <a:lstStyle>
+            <a:lvl1pPr algn="ctr">
+              <a:defRPr sz="6000"/>
+            </a:lvl1pPr>
+          </a:lstStyle>
+          <a:p>
+            <a:r>
+              <a:rPr lang="en-US" dirty="0"/>
+              <a:t>Click to edit Section</a:t>
+            </a:r>
+          </a:p>
+        </p:txBody>
+      </p:sp>
+      <p:sp>
+        <p:nvSpPr>
+          <p:cNvPr id="4" name="Date Placeholder 3">
+            <a:extLst>
+              <a:ext uri="{FF2B5EF4-FFF2-40B4-BE49-F238E27FC236}">
+                <a16:creationId xmlns:a16="http://schemas.microsoft.com/office/drawing/2014/main" id="{E6323134-95A2-6423-76C0-9D75A168C984}"/>
+              </a:ext>
+            </a:extLst>
+          </p:cNvPr>
+          <p:cNvSpPr>
+            <a:spLocks noGrp="1"/>
+          </p:cNvSpPr>
+          <p:nvPr>
+            <p:ph type="dt" sz="half" idx="10"/>
+          </p:nvPr>
+        </p:nvSpPr>
+        <p:spPr/>
+        <p:txBody>
+          <a:bodyPr/>
+          <a:lstStyle/>
+          <a:p>
+            <a:fld id="{3EE6C063-FD43-C948-AAEF-3DF3DF19080E}" type="datetime1">
+              <a:rPr lang="en-US" smtClean="0"/>
+              <a:t>10/27/25</a:t>
+            </a:fld>
+            <a:endParaRPr lang="en-US"/>
+          </a:p>
+        </p:txBody>
+      </p:sp>
+      <p:sp>
+        <p:nvSpPr>
+          <p:cNvPr id="5" name="Footer Placeholder 4">
+            <a:extLst>
+              <a:ext uri="{FF2B5EF4-FFF2-40B4-BE49-F238E27FC236}">
+                <a16:creationId xmlns:a16="http://schemas.microsoft.com/office/drawing/2014/main" id="{2419F5F4-E2F3-BFD8-53AA-6A6F195FC68B}"/>
+              </a:ext>
+            </a:extLst>
+          </p:cNvPr>
+          <p:cNvSpPr>
+            <a:spLocks noGrp="1"/>
+          </p:cNvSpPr>
+          <p:nvPr>
+            <p:ph type="ftr" sz="quarter" idx="11"/>
+          </p:nvPr>
+        </p:nvSpPr>
+        <p:spPr/>
+        <p:txBody>
+          <a:bodyPr/>
+          <a:lstStyle/>
+          <a:p>
+            <a:endParaRPr lang="en-US"/>
+          </a:p>
+        </p:txBody>
+      </p:sp>
+      <p:sp>
+        <p:nvSpPr>
+          <p:cNvPr id="6" name="Slide Number Placeholder 5">
+            <a:extLst>
+              <a:ext uri="{FF2B5EF4-FFF2-40B4-BE49-F238E27FC236}">
+                <a16:creationId xmlns:a16="http://schemas.microsoft.com/office/drawing/2014/main" id="{17B90BEB-A9D1-FF29-0E8C-A755B6F9863F}"/>
+              </a:ext>
+            </a:extLst>
+          </p:cNvPr>
+          <p:cNvSpPr>
+            <a:spLocks noGrp="1"/>
+          </p:cNvSpPr>
+          <p:nvPr>
+            <p:ph type="sldNum" sz="quarter" idx="12"/>
+          </p:nvPr>
+        </p:nvSpPr>
+        <p:spPr/>
+        <p:txBody>
+          <a:bodyPr/>
+          <a:lstStyle/>
+          <a:p>
+            <a:fld id="{62CBAC88-EF5B-3148-888C-824478CD1B05}" type="slidenum">
+              <a:rPr lang="en-US" smtClean="0"/>
+              <a:t>‹#›</a:t>
+            </a:fld>
+            <a:endParaRPr lang="en-US"/>
+          </a:p>
+        </p:txBody>
+      </p:sp>
+    </p:spTree>
+    <p:extLst>
+      <p:ext uri="{BB962C8B-B14F-4D97-AF65-F5344CB8AC3E}">
+        <p14:creationId xmlns:p14="http://schemas.microsoft.com/office/powerpoint/2010/main" val="1718599021"/>
+      </p:ext>
+    </p:extLst>
+  </p:cSld>
+  <p:clrMapOvr>
+    <a:masterClrMapping/>
+  </p:clrMapOvr>
+</p:sldLayout>
+</file>
+
 <file path=ppt/slideMasters/slideMaster1.xml><?xml version="1.0" encoding="utf-8"?>
 <p:sldMaster xmlns:a="http://schemas.openxmlformats.org/drawingml/2006/main" xmlns:r="http://schemas.openxmlformats.org/officeDocument/2006/relationships" xmlns:p="http://schemas.openxmlformats.org/presentationml/2006/main">
   <p:cSld>
     <p:bg>
       <p:bgPr>
         <a:blipFill dpi="0" rotWithShape="1">
-          <a:blip>
+          <a:blip r:embed="rId10">
             <a:lum/>
           </a:blip>
           <a:srcRect/>
@@ -2091,8 +2222,8 @@
         </p:nvSpPr>
         <p:spPr>
           <a:xfrm>
-            <a:off x="1596887" y="6309418"/>
-            <a:ext cx="8998226" cy="487680"/>
+            <a:off x="1881808" y="6308726"/>
+            <a:ext cx="8605793" cy="487680"/>
           </a:xfrm>
           <a:prstGeom prst="rect">
             <a:avLst/>
@@ -2132,7 +2263,7 @@
         </p:nvSpPr>
         <p:spPr>
           <a:xfrm>
-            <a:off x="10702624" y="6308727"/>
+            <a:off x="10595113" y="6308726"/>
             <a:ext cx="879777" cy="487680"/>
           </a:xfrm>
           <a:prstGeom prst="rect">
@@ -2148,7 +2279,7 @@
         <p:txBody>
           <a:bodyPr vert="horz" lIns="91440" tIns="45720" rIns="91440" bIns="45720" rtlCol="0" anchor="ctr"/>
           <a:lstStyle>
-            <a:lvl1pPr algn="r">
+            <a:lvl1pPr algn="ctr">
               <a:defRPr sz="1600">
                 <a:solidFill>
                   <a:schemeClr val="tx1">
@@ -2167,22 +2298,70 @@
           </a:p>
         </p:txBody>
       </p:sp>
+      <p:sp>
+        <p:nvSpPr>
+          <p:cNvPr id="4" name="Date Placeholder 2">
+            <a:extLst>
+              <a:ext uri="{FF2B5EF4-FFF2-40B4-BE49-F238E27FC236}">
+                <a16:creationId xmlns:a16="http://schemas.microsoft.com/office/drawing/2014/main" id="{B6740CB2-DC30-5DDB-24B8-219C9C3F5967}"/>
+              </a:ext>
+            </a:extLst>
+          </p:cNvPr>
+          <p:cNvSpPr>
+            <a:spLocks noGrp="1"/>
+          </p:cNvSpPr>
+          <p:nvPr>
+            <p:ph type="dt" sz="half" idx="2"/>
+          </p:nvPr>
+        </p:nvSpPr>
+        <p:spPr>
+          <a:xfrm>
+            <a:off x="605141" y="6308726"/>
+            <a:ext cx="1169155" cy="487680"/>
+          </a:xfrm>
+          <a:prstGeom prst="rect">
+            <a:avLst/>
+          </a:prstGeom>
+          <a:solidFill>
+            <a:schemeClr val="bg1"/>
+          </a:solidFill>
+          <a:effectLst>
+            <a:softEdge rad="63500"/>
+          </a:effectLst>
+        </p:spPr>
+        <p:txBody>
+          <a:bodyPr anchor="ctr" anchorCtr="0"/>
+          <a:lstStyle>
+            <a:lvl1pPr algn="ctr">
+              <a:defRPr sz="1600"/>
+            </a:lvl1pPr>
+          </a:lstStyle>
+          <a:p>
+            <a:fld id="{EDC92DA9-570C-7E44-B877-650D1E024D90}" type="datetime1">
+              <a:rPr lang="en-US" smtClean="0"/>
+              <a:t>10/27/25</a:t>
+            </a:fld>
+            <a:endParaRPr lang="en-US" dirty="0"/>
+          </a:p>
+        </p:txBody>
+      </p:sp>
     </p:spTree>
     <p:extLst>
       <p:ext uri="{BB962C8B-B14F-4D97-AF65-F5344CB8AC3E}">
-        <p14:creationId xmlns:p14="http://schemas.microsoft.com/office/powerpoint/2010/main" val="1366538305"/>
+        <p14:creationId xmlns:p14="http://schemas.microsoft.com/office/powerpoint/2010/main" val="2133950341"/>
       </p:ext>
     </p:extLst>
   </p:cSld>
   <p:clrMap bg1="lt1" tx1="dk1" bg2="lt2" tx2="dk2" accent1="accent1" accent2="accent2" accent3="accent3" accent4="accent4" accent5="accent5" accent6="accent6" hlink="hlink" folHlink="folHlink"/>
   <p:sldLayoutIdLst>
-    <p:sldLayoutId id="2147483661" r:id="rId1"/>
-    <p:sldLayoutId id="2147483662" r:id="rId2"/>
-    <p:sldLayoutId id="2147483663" r:id="rId3"/>
-    <p:sldLayoutId id="2147483664" r:id="rId4"/>
-    <p:sldLayoutId id="2147483665" r:id="rId5"/>
-    <p:sldLayoutId id="2147483666" r:id="rId6"/>
-    <p:sldLayoutId id="2147483667" r:id="rId7"/>
+    <p:sldLayoutId id="2147483669" r:id="rId1"/>
+    <p:sldLayoutId id="2147483670" r:id="rId2"/>
+    <p:sldLayoutId id="2147483671" r:id="rId3"/>
+    <p:sldLayoutId id="2147483672" r:id="rId4"/>
+    <p:sldLayoutId id="2147483673" r:id="rId5"/>
+    <p:sldLayoutId id="2147483674" r:id="rId6"/>
+    <p:sldLayoutId id="2147483675" r:id="rId7"/>
+    <p:sldLayoutId id="2147483676" r:id="rId8"/>
   </p:sldLayoutIdLst>
   <mc:AlternateContent xmlns:mc="http://schemas.openxmlformats.org/markup-compatibility/2006" xmlns:p14="http://schemas.microsoft.com/office/powerpoint/2010/main">
     <mc:Choice Requires="p14">
@@ -2196,6 +2375,7 @@
       </p:transition>
     </mc:Fallback>
   </mc:AlternateContent>
+  <p:hf hdr="0" dt="0"/>
   <p:txStyles>
     <p:titleStyle>
       <a:lvl1pPr algn="ctr" defTabSz="609570" rtl="0" eaLnBrk="1" latinLnBrk="0" hangingPunct="1">
@@ -2674,6 +2854,60 @@
           </a:p>
         </p:txBody>
       </p:sp>
+      <p:sp>
+        <p:nvSpPr>
+          <p:cNvPr id="2" name="Footer Placeholder 1">
+            <a:extLst>
+              <a:ext uri="{FF2B5EF4-FFF2-40B4-BE49-F238E27FC236}">
+                <a16:creationId xmlns:a16="http://schemas.microsoft.com/office/drawing/2014/main" id="{BAE2EDA4-13C8-1C53-3FFB-F42DC701A91D}"/>
+              </a:ext>
+            </a:extLst>
+          </p:cNvPr>
+          <p:cNvSpPr>
+            <a:spLocks noGrp="1"/>
+          </p:cNvSpPr>
+          <p:nvPr>
+            <p:ph type="ftr" sz="quarter" idx="11"/>
+          </p:nvPr>
+        </p:nvSpPr>
+        <p:spPr/>
+        <p:txBody>
+          <a:bodyPr/>
+          <a:lstStyle/>
+          <a:p>
+            <a:endParaRPr lang="en-US"/>
+          </a:p>
+        </p:txBody>
+      </p:sp>
+      <p:sp>
+        <p:nvSpPr>
+          <p:cNvPr id="3" name="Slide Number Placeholder 2">
+            <a:extLst>
+              <a:ext uri="{FF2B5EF4-FFF2-40B4-BE49-F238E27FC236}">
+                <a16:creationId xmlns:a16="http://schemas.microsoft.com/office/drawing/2014/main" id="{7F912FEF-F02F-1A27-4783-2F35173FC5F0}"/>
+              </a:ext>
+            </a:extLst>
+          </p:cNvPr>
+          <p:cNvSpPr>
+            <a:spLocks noGrp="1"/>
+          </p:cNvSpPr>
+          <p:nvPr>
+            <p:ph type="sldNum" sz="quarter" idx="12"/>
+          </p:nvPr>
+        </p:nvSpPr>
+        <p:spPr/>
+        <p:txBody>
+          <a:bodyPr/>
+          <a:lstStyle/>
+          <a:p>
+            <a:fld id="{62CBAC88-EF5B-3148-888C-824478CD1B05}" type="slidenum">
+              <a:rPr lang="en-US" smtClean="0"/>
+              <a:t>10</a:t>
+            </a:fld>
+            <a:endParaRPr lang="en-US"/>
+          </a:p>
+        </p:txBody>
+      </p:sp>
     </p:spTree>
     <p:extLst>
       <p:ext uri="{BB962C8B-B14F-4D97-AF65-F5344CB8AC3E}">
@@ -2816,6 +3050,60 @@
           </a:p>
         </p:txBody>
       </p:sp>
+      <p:sp>
+        <p:nvSpPr>
+          <p:cNvPr id="4" name="Footer Placeholder 3">
+            <a:extLst>
+              <a:ext uri="{FF2B5EF4-FFF2-40B4-BE49-F238E27FC236}">
+                <a16:creationId xmlns:a16="http://schemas.microsoft.com/office/drawing/2014/main" id="{2E1B3122-2BE3-076A-DEBA-635634874C6F}"/>
+              </a:ext>
+            </a:extLst>
+          </p:cNvPr>
+          <p:cNvSpPr>
+            <a:spLocks noGrp="1"/>
+          </p:cNvSpPr>
+          <p:nvPr>
+            <p:ph type="ftr" sz="quarter" idx="11"/>
+          </p:nvPr>
+        </p:nvSpPr>
+        <p:spPr/>
+        <p:txBody>
+          <a:bodyPr/>
+          <a:lstStyle/>
+          <a:p>
+            <a:endParaRPr lang="en-US"/>
+          </a:p>
+        </p:txBody>
+      </p:sp>
+      <p:sp>
+        <p:nvSpPr>
+          <p:cNvPr id="5" name="Slide Number Placeholder 4">
+            <a:extLst>
+              <a:ext uri="{FF2B5EF4-FFF2-40B4-BE49-F238E27FC236}">
+                <a16:creationId xmlns:a16="http://schemas.microsoft.com/office/drawing/2014/main" id="{65AD984F-A2B9-DFB1-5B8F-01C396441B86}"/>
+              </a:ext>
+            </a:extLst>
+          </p:cNvPr>
+          <p:cNvSpPr>
+            <a:spLocks noGrp="1"/>
+          </p:cNvSpPr>
+          <p:nvPr>
+            <p:ph type="sldNum" sz="quarter" idx="12"/>
+          </p:nvPr>
+        </p:nvSpPr>
+        <p:spPr/>
+        <p:txBody>
+          <a:bodyPr/>
+          <a:lstStyle/>
+          <a:p>
+            <a:fld id="{62CBAC88-EF5B-3148-888C-824478CD1B05}" type="slidenum">
+              <a:rPr lang="en-US" smtClean="0"/>
+              <a:t>11</a:t>
+            </a:fld>
+            <a:endParaRPr lang="en-US"/>
+          </a:p>
+        </p:txBody>
+      </p:sp>
     </p:spTree>
     <p:extLst>
       <p:ext uri="{BB962C8B-B14F-4D97-AF65-F5344CB8AC3E}">
@@ -2991,6 +3279,60 @@
           </a:p>
         </p:txBody>
       </p:sp>
+      <p:sp>
+        <p:nvSpPr>
+          <p:cNvPr id="4" name="Footer Placeholder 3">
+            <a:extLst>
+              <a:ext uri="{FF2B5EF4-FFF2-40B4-BE49-F238E27FC236}">
+                <a16:creationId xmlns:a16="http://schemas.microsoft.com/office/drawing/2014/main" id="{4DE4B210-1AB6-EA23-E8BB-B5267F6F17E1}"/>
+              </a:ext>
+            </a:extLst>
+          </p:cNvPr>
+          <p:cNvSpPr>
+            <a:spLocks noGrp="1"/>
+          </p:cNvSpPr>
+          <p:nvPr>
+            <p:ph type="ftr" sz="quarter" idx="11"/>
+          </p:nvPr>
+        </p:nvSpPr>
+        <p:spPr/>
+        <p:txBody>
+          <a:bodyPr/>
+          <a:lstStyle/>
+          <a:p>
+            <a:endParaRPr lang="en-US"/>
+          </a:p>
+        </p:txBody>
+      </p:sp>
+      <p:sp>
+        <p:nvSpPr>
+          <p:cNvPr id="5" name="Slide Number Placeholder 4">
+            <a:extLst>
+              <a:ext uri="{FF2B5EF4-FFF2-40B4-BE49-F238E27FC236}">
+                <a16:creationId xmlns:a16="http://schemas.microsoft.com/office/drawing/2014/main" id="{695823B2-FAA6-F26A-CE80-C456F9F7ECA4}"/>
+              </a:ext>
+            </a:extLst>
+          </p:cNvPr>
+          <p:cNvSpPr>
+            <a:spLocks noGrp="1"/>
+          </p:cNvSpPr>
+          <p:nvPr>
+            <p:ph type="sldNum" sz="quarter" idx="12"/>
+          </p:nvPr>
+        </p:nvSpPr>
+        <p:spPr/>
+        <p:txBody>
+          <a:bodyPr/>
+          <a:lstStyle/>
+          <a:p>
+            <a:fld id="{62CBAC88-EF5B-3148-888C-824478CD1B05}" type="slidenum">
+              <a:rPr lang="en-US" smtClean="0"/>
+              <a:t>12</a:t>
+            </a:fld>
+            <a:endParaRPr lang="en-US"/>
+          </a:p>
+        </p:txBody>
+      </p:sp>
     </p:spTree>
     <p:extLst>
       <p:ext uri="{BB962C8B-B14F-4D97-AF65-F5344CB8AC3E}">
@@ -3121,6 +3463,60 @@
           </a:p>
         </p:txBody>
       </p:sp>
+      <p:sp>
+        <p:nvSpPr>
+          <p:cNvPr id="4" name="Footer Placeholder 3">
+            <a:extLst>
+              <a:ext uri="{FF2B5EF4-FFF2-40B4-BE49-F238E27FC236}">
+                <a16:creationId xmlns:a16="http://schemas.microsoft.com/office/drawing/2014/main" id="{1D37FF65-703F-9DB7-B886-0EB432921604}"/>
+              </a:ext>
+            </a:extLst>
+          </p:cNvPr>
+          <p:cNvSpPr>
+            <a:spLocks noGrp="1"/>
+          </p:cNvSpPr>
+          <p:nvPr>
+            <p:ph type="ftr" sz="quarter" idx="11"/>
+          </p:nvPr>
+        </p:nvSpPr>
+        <p:spPr/>
+        <p:txBody>
+          <a:bodyPr/>
+          <a:lstStyle/>
+          <a:p>
+            <a:endParaRPr lang="en-US"/>
+          </a:p>
+        </p:txBody>
+      </p:sp>
+      <p:sp>
+        <p:nvSpPr>
+          <p:cNvPr id="5" name="Slide Number Placeholder 4">
+            <a:extLst>
+              <a:ext uri="{FF2B5EF4-FFF2-40B4-BE49-F238E27FC236}">
+                <a16:creationId xmlns:a16="http://schemas.microsoft.com/office/drawing/2014/main" id="{6B19EDB4-90C1-23DC-744A-6D6666A96E88}"/>
+              </a:ext>
+            </a:extLst>
+          </p:cNvPr>
+          <p:cNvSpPr>
+            <a:spLocks noGrp="1"/>
+          </p:cNvSpPr>
+          <p:nvPr>
+            <p:ph type="sldNum" sz="quarter" idx="12"/>
+          </p:nvPr>
+        </p:nvSpPr>
+        <p:spPr/>
+        <p:txBody>
+          <a:bodyPr/>
+          <a:lstStyle/>
+          <a:p>
+            <a:fld id="{62CBAC88-EF5B-3148-888C-824478CD1B05}" type="slidenum">
+              <a:rPr lang="en-US" smtClean="0"/>
+              <a:t>13</a:t>
+            </a:fld>
+            <a:endParaRPr lang="en-US"/>
+          </a:p>
+        </p:txBody>
+      </p:sp>
     </p:spTree>
     <p:extLst>
       <p:ext uri="{BB962C8B-B14F-4D97-AF65-F5344CB8AC3E}">
@@ -3300,6 +3696,60 @@
           </a:p>
         </p:txBody>
       </p:sp>
+      <p:sp>
+        <p:nvSpPr>
+          <p:cNvPr id="4" name="Footer Placeholder 3">
+            <a:extLst>
+              <a:ext uri="{FF2B5EF4-FFF2-40B4-BE49-F238E27FC236}">
+                <a16:creationId xmlns:a16="http://schemas.microsoft.com/office/drawing/2014/main" id="{8EC78637-8A69-C509-2346-31E734FB9172}"/>
+              </a:ext>
+            </a:extLst>
+          </p:cNvPr>
+          <p:cNvSpPr>
+            <a:spLocks noGrp="1"/>
+          </p:cNvSpPr>
+          <p:nvPr>
+            <p:ph type="ftr" sz="quarter" idx="11"/>
+          </p:nvPr>
+        </p:nvSpPr>
+        <p:spPr/>
+        <p:txBody>
+          <a:bodyPr/>
+          <a:lstStyle/>
+          <a:p>
+            <a:endParaRPr lang="en-US"/>
+          </a:p>
+        </p:txBody>
+      </p:sp>
+      <p:sp>
+        <p:nvSpPr>
+          <p:cNvPr id="5" name="Slide Number Placeholder 4">
+            <a:extLst>
+              <a:ext uri="{FF2B5EF4-FFF2-40B4-BE49-F238E27FC236}">
+                <a16:creationId xmlns:a16="http://schemas.microsoft.com/office/drawing/2014/main" id="{706B16D4-6EAD-FD8D-E007-A31A418F4078}"/>
+              </a:ext>
+            </a:extLst>
+          </p:cNvPr>
+          <p:cNvSpPr>
+            <a:spLocks noGrp="1"/>
+          </p:cNvSpPr>
+          <p:nvPr>
+            <p:ph type="sldNum" sz="quarter" idx="12"/>
+          </p:nvPr>
+        </p:nvSpPr>
+        <p:spPr/>
+        <p:txBody>
+          <a:bodyPr/>
+          <a:lstStyle/>
+          <a:p>
+            <a:fld id="{62CBAC88-EF5B-3148-888C-824478CD1B05}" type="slidenum">
+              <a:rPr lang="en-US" smtClean="0"/>
+              <a:t>14</a:t>
+            </a:fld>
+            <a:endParaRPr lang="en-US"/>
+          </a:p>
+        </p:txBody>
+      </p:sp>
     </p:spTree>
     <p:extLst>
       <p:ext uri="{BB962C8B-B14F-4D97-AF65-F5344CB8AC3E}">
@@ -3443,6 +3893,60 @@
           </a:p>
         </p:txBody>
       </p:sp>
+      <p:sp>
+        <p:nvSpPr>
+          <p:cNvPr id="4" name="Footer Placeholder 3">
+            <a:extLst>
+              <a:ext uri="{FF2B5EF4-FFF2-40B4-BE49-F238E27FC236}">
+                <a16:creationId xmlns:a16="http://schemas.microsoft.com/office/drawing/2014/main" id="{6D81252D-71B2-CDD5-1C61-55D6B65FA4CA}"/>
+              </a:ext>
+            </a:extLst>
+          </p:cNvPr>
+          <p:cNvSpPr>
+            <a:spLocks noGrp="1"/>
+          </p:cNvSpPr>
+          <p:nvPr>
+            <p:ph type="ftr" sz="quarter" idx="11"/>
+          </p:nvPr>
+        </p:nvSpPr>
+        <p:spPr/>
+        <p:txBody>
+          <a:bodyPr/>
+          <a:lstStyle/>
+          <a:p>
+            <a:endParaRPr lang="en-US"/>
+          </a:p>
+        </p:txBody>
+      </p:sp>
+      <p:sp>
+        <p:nvSpPr>
+          <p:cNvPr id="5" name="Slide Number Placeholder 4">
+            <a:extLst>
+              <a:ext uri="{FF2B5EF4-FFF2-40B4-BE49-F238E27FC236}">
+                <a16:creationId xmlns:a16="http://schemas.microsoft.com/office/drawing/2014/main" id="{18A615C3-25F8-C220-128E-D9EDFEB2DB7D}"/>
+              </a:ext>
+            </a:extLst>
+          </p:cNvPr>
+          <p:cNvSpPr>
+            <a:spLocks noGrp="1"/>
+          </p:cNvSpPr>
+          <p:nvPr>
+            <p:ph type="sldNum" sz="quarter" idx="12"/>
+          </p:nvPr>
+        </p:nvSpPr>
+        <p:spPr/>
+        <p:txBody>
+          <a:bodyPr/>
+          <a:lstStyle/>
+          <a:p>
+            <a:fld id="{62CBAC88-EF5B-3148-888C-824478CD1B05}" type="slidenum">
+              <a:rPr lang="en-US" smtClean="0"/>
+              <a:t>15</a:t>
+            </a:fld>
+            <a:endParaRPr lang="en-US"/>
+          </a:p>
+        </p:txBody>
+      </p:sp>
     </p:spTree>
     <p:extLst>
       <p:ext uri="{BB962C8B-B14F-4D97-AF65-F5344CB8AC3E}">
@@ -3584,6 +4088,60 @@
           </a:p>
         </p:txBody>
       </p:sp>
+      <p:sp>
+        <p:nvSpPr>
+          <p:cNvPr id="4" name="Footer Placeholder 3">
+            <a:extLst>
+              <a:ext uri="{FF2B5EF4-FFF2-40B4-BE49-F238E27FC236}">
+                <a16:creationId xmlns:a16="http://schemas.microsoft.com/office/drawing/2014/main" id="{3F3B9BEB-8BCC-DE81-6323-48FE6B4428DB}"/>
+              </a:ext>
+            </a:extLst>
+          </p:cNvPr>
+          <p:cNvSpPr>
+            <a:spLocks noGrp="1"/>
+          </p:cNvSpPr>
+          <p:nvPr>
+            <p:ph type="ftr" sz="quarter" idx="11"/>
+          </p:nvPr>
+        </p:nvSpPr>
+        <p:spPr/>
+        <p:txBody>
+          <a:bodyPr/>
+          <a:lstStyle/>
+          <a:p>
+            <a:endParaRPr lang="en-US"/>
+          </a:p>
+        </p:txBody>
+      </p:sp>
+      <p:sp>
+        <p:nvSpPr>
+          <p:cNvPr id="5" name="Slide Number Placeholder 4">
+            <a:extLst>
+              <a:ext uri="{FF2B5EF4-FFF2-40B4-BE49-F238E27FC236}">
+                <a16:creationId xmlns:a16="http://schemas.microsoft.com/office/drawing/2014/main" id="{946AD722-555A-1516-4D7F-09C5244BC60E}"/>
+              </a:ext>
+            </a:extLst>
+          </p:cNvPr>
+          <p:cNvSpPr>
+            <a:spLocks noGrp="1"/>
+          </p:cNvSpPr>
+          <p:nvPr>
+            <p:ph type="sldNum" sz="quarter" idx="12"/>
+          </p:nvPr>
+        </p:nvSpPr>
+        <p:spPr/>
+        <p:txBody>
+          <a:bodyPr/>
+          <a:lstStyle/>
+          <a:p>
+            <a:fld id="{62CBAC88-EF5B-3148-888C-824478CD1B05}" type="slidenum">
+              <a:rPr lang="en-US" smtClean="0"/>
+              <a:t>16</a:t>
+            </a:fld>
+            <a:endParaRPr lang="en-US"/>
+          </a:p>
+        </p:txBody>
+      </p:sp>
     </p:spTree>
     <p:extLst>
       <p:ext uri="{BB962C8B-B14F-4D97-AF65-F5344CB8AC3E}">
@@ -3742,6 +4300,60 @@
           </a:p>
         </p:txBody>
       </p:sp>
+      <p:sp>
+        <p:nvSpPr>
+          <p:cNvPr id="4" name="Footer Placeholder 3">
+            <a:extLst>
+              <a:ext uri="{FF2B5EF4-FFF2-40B4-BE49-F238E27FC236}">
+                <a16:creationId xmlns:a16="http://schemas.microsoft.com/office/drawing/2014/main" id="{025939F2-138B-45BD-EC79-7182ABD06F39}"/>
+              </a:ext>
+            </a:extLst>
+          </p:cNvPr>
+          <p:cNvSpPr>
+            <a:spLocks noGrp="1"/>
+          </p:cNvSpPr>
+          <p:nvPr>
+            <p:ph type="ftr" sz="quarter" idx="11"/>
+          </p:nvPr>
+        </p:nvSpPr>
+        <p:spPr/>
+        <p:txBody>
+          <a:bodyPr/>
+          <a:lstStyle/>
+          <a:p>
+            <a:endParaRPr lang="en-US"/>
+          </a:p>
+        </p:txBody>
+      </p:sp>
+      <p:sp>
+        <p:nvSpPr>
+          <p:cNvPr id="5" name="Slide Number Placeholder 4">
+            <a:extLst>
+              <a:ext uri="{FF2B5EF4-FFF2-40B4-BE49-F238E27FC236}">
+                <a16:creationId xmlns:a16="http://schemas.microsoft.com/office/drawing/2014/main" id="{869955AB-1CD3-44E8-CC10-EFB2D222D087}"/>
+              </a:ext>
+            </a:extLst>
+          </p:cNvPr>
+          <p:cNvSpPr>
+            <a:spLocks noGrp="1"/>
+          </p:cNvSpPr>
+          <p:nvPr>
+            <p:ph type="sldNum" sz="quarter" idx="12"/>
+          </p:nvPr>
+        </p:nvSpPr>
+        <p:spPr/>
+        <p:txBody>
+          <a:bodyPr/>
+          <a:lstStyle/>
+          <a:p>
+            <a:fld id="{62CBAC88-EF5B-3148-888C-824478CD1B05}" type="slidenum">
+              <a:rPr lang="en-US" smtClean="0"/>
+              <a:t>17</a:t>
+            </a:fld>
+            <a:endParaRPr lang="en-US"/>
+          </a:p>
+        </p:txBody>
+      </p:sp>
     </p:spTree>
     <p:extLst>
       <p:ext uri="{BB962C8B-B14F-4D97-AF65-F5344CB8AC3E}">
@@ -3871,6 +4483,60 @@
           </a:p>
         </p:txBody>
       </p:sp>
+      <p:sp>
+        <p:nvSpPr>
+          <p:cNvPr id="2" name="Footer Placeholder 1">
+            <a:extLst>
+              <a:ext uri="{FF2B5EF4-FFF2-40B4-BE49-F238E27FC236}">
+                <a16:creationId xmlns:a16="http://schemas.microsoft.com/office/drawing/2014/main" id="{B54642EB-EB67-6C91-81B3-F009661B01AD}"/>
+              </a:ext>
+            </a:extLst>
+          </p:cNvPr>
+          <p:cNvSpPr>
+            <a:spLocks noGrp="1"/>
+          </p:cNvSpPr>
+          <p:nvPr>
+            <p:ph type="ftr" sz="quarter" idx="11"/>
+          </p:nvPr>
+        </p:nvSpPr>
+        <p:spPr/>
+        <p:txBody>
+          <a:bodyPr/>
+          <a:lstStyle/>
+          <a:p>
+            <a:endParaRPr lang="en-US"/>
+          </a:p>
+        </p:txBody>
+      </p:sp>
+      <p:sp>
+        <p:nvSpPr>
+          <p:cNvPr id="5" name="Slide Number Placeholder 4">
+            <a:extLst>
+              <a:ext uri="{FF2B5EF4-FFF2-40B4-BE49-F238E27FC236}">
+                <a16:creationId xmlns:a16="http://schemas.microsoft.com/office/drawing/2014/main" id="{D8186AA4-6BCD-C8FC-0AF8-8817DF5C82E8}"/>
+              </a:ext>
+            </a:extLst>
+          </p:cNvPr>
+          <p:cNvSpPr>
+            <a:spLocks noGrp="1"/>
+          </p:cNvSpPr>
+          <p:nvPr>
+            <p:ph type="sldNum" sz="quarter" idx="12"/>
+          </p:nvPr>
+        </p:nvSpPr>
+        <p:spPr/>
+        <p:txBody>
+          <a:bodyPr/>
+          <a:lstStyle/>
+          <a:p>
+            <a:fld id="{62CBAC88-EF5B-3148-888C-824478CD1B05}" type="slidenum">
+              <a:rPr lang="en-US" smtClean="0"/>
+              <a:t>18</a:t>
+            </a:fld>
+            <a:endParaRPr lang="en-US"/>
+          </a:p>
+        </p:txBody>
+      </p:sp>
     </p:spTree>
     <p:extLst>
       <p:ext uri="{BB962C8B-B14F-4D97-AF65-F5344CB8AC3E}">
@@ -3987,6 +4653,60 @@
           </a:p>
         </p:txBody>
       </p:sp>
+      <p:sp>
+        <p:nvSpPr>
+          <p:cNvPr id="2" name="Footer Placeholder 1">
+            <a:extLst>
+              <a:ext uri="{FF2B5EF4-FFF2-40B4-BE49-F238E27FC236}">
+                <a16:creationId xmlns:a16="http://schemas.microsoft.com/office/drawing/2014/main" id="{BF3B5F0F-E1A4-494E-F5CB-4F75ABC07C37}"/>
+              </a:ext>
+            </a:extLst>
+          </p:cNvPr>
+          <p:cNvSpPr>
+            <a:spLocks noGrp="1"/>
+          </p:cNvSpPr>
+          <p:nvPr>
+            <p:ph type="ftr" sz="quarter" idx="11"/>
+          </p:nvPr>
+        </p:nvSpPr>
+        <p:spPr/>
+        <p:txBody>
+          <a:bodyPr/>
+          <a:lstStyle/>
+          <a:p>
+            <a:endParaRPr lang="en-US"/>
+          </a:p>
+        </p:txBody>
+      </p:sp>
+      <p:sp>
+        <p:nvSpPr>
+          <p:cNvPr id="5" name="Slide Number Placeholder 4">
+            <a:extLst>
+              <a:ext uri="{FF2B5EF4-FFF2-40B4-BE49-F238E27FC236}">
+                <a16:creationId xmlns:a16="http://schemas.microsoft.com/office/drawing/2014/main" id="{9569854A-FFC6-23F9-9CC5-D9670BB66B97}"/>
+              </a:ext>
+            </a:extLst>
+          </p:cNvPr>
+          <p:cNvSpPr>
+            <a:spLocks noGrp="1"/>
+          </p:cNvSpPr>
+          <p:nvPr>
+            <p:ph type="sldNum" sz="quarter" idx="12"/>
+          </p:nvPr>
+        </p:nvSpPr>
+        <p:spPr/>
+        <p:txBody>
+          <a:bodyPr/>
+          <a:lstStyle/>
+          <a:p>
+            <a:fld id="{62CBAC88-EF5B-3148-888C-824478CD1B05}" type="slidenum">
+              <a:rPr lang="en-US" smtClean="0"/>
+              <a:t>19</a:t>
+            </a:fld>
+            <a:endParaRPr lang="en-US"/>
+          </a:p>
+        </p:txBody>
+      </p:sp>
     </p:spTree>
     <p:extLst>
       <p:ext uri="{BB962C8B-B14F-4D97-AF65-F5344CB8AC3E}">
@@ -4085,6 +4805,60 @@
           </a:p>
         </p:txBody>
       </p:sp>
+      <p:sp>
+        <p:nvSpPr>
+          <p:cNvPr id="4" name="Footer Placeholder 3">
+            <a:extLst>
+              <a:ext uri="{FF2B5EF4-FFF2-40B4-BE49-F238E27FC236}">
+                <a16:creationId xmlns:a16="http://schemas.microsoft.com/office/drawing/2014/main" id="{54DCD0AD-D003-55AA-A765-638E851BA07C}"/>
+              </a:ext>
+            </a:extLst>
+          </p:cNvPr>
+          <p:cNvSpPr>
+            <a:spLocks noGrp="1"/>
+          </p:cNvSpPr>
+          <p:nvPr>
+            <p:ph type="ftr" sz="quarter" idx="11"/>
+          </p:nvPr>
+        </p:nvSpPr>
+        <p:spPr/>
+        <p:txBody>
+          <a:bodyPr/>
+          <a:lstStyle/>
+          <a:p>
+            <a:endParaRPr lang="en-US"/>
+          </a:p>
+        </p:txBody>
+      </p:sp>
+      <p:sp>
+        <p:nvSpPr>
+          <p:cNvPr id="5" name="Slide Number Placeholder 4">
+            <a:extLst>
+              <a:ext uri="{FF2B5EF4-FFF2-40B4-BE49-F238E27FC236}">
+                <a16:creationId xmlns:a16="http://schemas.microsoft.com/office/drawing/2014/main" id="{3AA58EA0-EBB5-DDBC-5FD8-C76E8EBDAA80}"/>
+              </a:ext>
+            </a:extLst>
+          </p:cNvPr>
+          <p:cNvSpPr>
+            <a:spLocks noGrp="1"/>
+          </p:cNvSpPr>
+          <p:nvPr>
+            <p:ph type="sldNum" sz="quarter" idx="12"/>
+          </p:nvPr>
+        </p:nvSpPr>
+        <p:spPr/>
+        <p:txBody>
+          <a:bodyPr/>
+          <a:lstStyle/>
+          <a:p>
+            <a:fld id="{62CBAC88-EF5B-3148-888C-824478CD1B05}" type="slidenum">
+              <a:rPr lang="en-US" smtClean="0"/>
+              <a:t>2</a:t>
+            </a:fld>
+            <a:endParaRPr lang="en-US"/>
+          </a:p>
+        </p:txBody>
+      </p:sp>
     </p:spTree>
     <p:extLst>
       <p:ext uri="{BB962C8B-B14F-4D97-AF65-F5344CB8AC3E}">
@@ -4301,6 +5075,60 @@
           </a:p>
         </p:txBody>
       </p:sp>
+      <p:sp>
+        <p:nvSpPr>
+          <p:cNvPr id="4" name="Footer Placeholder 3">
+            <a:extLst>
+              <a:ext uri="{FF2B5EF4-FFF2-40B4-BE49-F238E27FC236}">
+                <a16:creationId xmlns:a16="http://schemas.microsoft.com/office/drawing/2014/main" id="{D0C53DCD-91C5-79B1-4D99-26F98600E954}"/>
+              </a:ext>
+            </a:extLst>
+          </p:cNvPr>
+          <p:cNvSpPr>
+            <a:spLocks noGrp="1"/>
+          </p:cNvSpPr>
+          <p:nvPr>
+            <p:ph type="ftr" sz="quarter" idx="11"/>
+          </p:nvPr>
+        </p:nvSpPr>
+        <p:spPr/>
+        <p:txBody>
+          <a:bodyPr/>
+          <a:lstStyle/>
+          <a:p>
+            <a:endParaRPr lang="en-US"/>
+          </a:p>
+        </p:txBody>
+      </p:sp>
+      <p:sp>
+        <p:nvSpPr>
+          <p:cNvPr id="5" name="Slide Number Placeholder 4">
+            <a:extLst>
+              <a:ext uri="{FF2B5EF4-FFF2-40B4-BE49-F238E27FC236}">
+                <a16:creationId xmlns:a16="http://schemas.microsoft.com/office/drawing/2014/main" id="{53CCA931-2599-3391-996D-5BB68535025B}"/>
+              </a:ext>
+            </a:extLst>
+          </p:cNvPr>
+          <p:cNvSpPr>
+            <a:spLocks noGrp="1"/>
+          </p:cNvSpPr>
+          <p:nvPr>
+            <p:ph type="sldNum" sz="quarter" idx="12"/>
+          </p:nvPr>
+        </p:nvSpPr>
+        <p:spPr/>
+        <p:txBody>
+          <a:bodyPr/>
+          <a:lstStyle/>
+          <a:p>
+            <a:fld id="{62CBAC88-EF5B-3148-888C-824478CD1B05}" type="slidenum">
+              <a:rPr lang="en-US" smtClean="0"/>
+              <a:t>20</a:t>
+            </a:fld>
+            <a:endParaRPr lang="en-US"/>
+          </a:p>
+        </p:txBody>
+      </p:sp>
     </p:spTree>
     <p:extLst>
       <p:ext uri="{BB962C8B-B14F-4D97-AF65-F5344CB8AC3E}">
@@ -4464,6 +5292,60 @@
           </a:p>
         </p:txBody>
       </p:sp>
+      <p:sp>
+        <p:nvSpPr>
+          <p:cNvPr id="4" name="Footer Placeholder 3">
+            <a:extLst>
+              <a:ext uri="{FF2B5EF4-FFF2-40B4-BE49-F238E27FC236}">
+                <a16:creationId xmlns:a16="http://schemas.microsoft.com/office/drawing/2014/main" id="{7BE3B76E-3282-64EA-4FF6-842F70AE14A4}"/>
+              </a:ext>
+            </a:extLst>
+          </p:cNvPr>
+          <p:cNvSpPr>
+            <a:spLocks noGrp="1"/>
+          </p:cNvSpPr>
+          <p:nvPr>
+            <p:ph type="ftr" sz="quarter" idx="11"/>
+          </p:nvPr>
+        </p:nvSpPr>
+        <p:spPr/>
+        <p:txBody>
+          <a:bodyPr/>
+          <a:lstStyle/>
+          <a:p>
+            <a:endParaRPr lang="en-US"/>
+          </a:p>
+        </p:txBody>
+      </p:sp>
+      <p:sp>
+        <p:nvSpPr>
+          <p:cNvPr id="5" name="Slide Number Placeholder 4">
+            <a:extLst>
+              <a:ext uri="{FF2B5EF4-FFF2-40B4-BE49-F238E27FC236}">
+                <a16:creationId xmlns:a16="http://schemas.microsoft.com/office/drawing/2014/main" id="{2932B237-606C-1367-6E10-95AB3BD6892A}"/>
+              </a:ext>
+            </a:extLst>
+          </p:cNvPr>
+          <p:cNvSpPr>
+            <a:spLocks noGrp="1"/>
+          </p:cNvSpPr>
+          <p:nvPr>
+            <p:ph type="sldNum" sz="quarter" idx="12"/>
+          </p:nvPr>
+        </p:nvSpPr>
+        <p:spPr/>
+        <p:txBody>
+          <a:bodyPr/>
+          <a:lstStyle/>
+          <a:p>
+            <a:fld id="{62CBAC88-EF5B-3148-888C-824478CD1B05}" type="slidenum">
+              <a:rPr lang="en-US" smtClean="0"/>
+              <a:t>21</a:t>
+            </a:fld>
+            <a:endParaRPr lang="en-US"/>
+          </a:p>
+        </p:txBody>
+      </p:sp>
     </p:spTree>
     <p:extLst>
       <p:ext uri="{BB962C8B-B14F-4D97-AF65-F5344CB8AC3E}">
@@ -4655,6 +5537,60 @@
           </a:p>
         </p:txBody>
       </p:sp>
+      <p:sp>
+        <p:nvSpPr>
+          <p:cNvPr id="4" name="Footer Placeholder 3">
+            <a:extLst>
+              <a:ext uri="{FF2B5EF4-FFF2-40B4-BE49-F238E27FC236}">
+                <a16:creationId xmlns:a16="http://schemas.microsoft.com/office/drawing/2014/main" id="{5F85CA17-693C-80EF-FCFD-365762639B19}"/>
+              </a:ext>
+            </a:extLst>
+          </p:cNvPr>
+          <p:cNvSpPr>
+            <a:spLocks noGrp="1"/>
+          </p:cNvSpPr>
+          <p:nvPr>
+            <p:ph type="ftr" sz="quarter" idx="11"/>
+          </p:nvPr>
+        </p:nvSpPr>
+        <p:spPr/>
+        <p:txBody>
+          <a:bodyPr/>
+          <a:lstStyle/>
+          <a:p>
+            <a:endParaRPr lang="en-US"/>
+          </a:p>
+        </p:txBody>
+      </p:sp>
+      <p:sp>
+        <p:nvSpPr>
+          <p:cNvPr id="5" name="Slide Number Placeholder 4">
+            <a:extLst>
+              <a:ext uri="{FF2B5EF4-FFF2-40B4-BE49-F238E27FC236}">
+                <a16:creationId xmlns:a16="http://schemas.microsoft.com/office/drawing/2014/main" id="{79B6D990-6135-BB69-1815-6FB5EA5B4B68}"/>
+              </a:ext>
+            </a:extLst>
+          </p:cNvPr>
+          <p:cNvSpPr>
+            <a:spLocks noGrp="1"/>
+          </p:cNvSpPr>
+          <p:nvPr>
+            <p:ph type="sldNum" sz="quarter" idx="12"/>
+          </p:nvPr>
+        </p:nvSpPr>
+        <p:spPr/>
+        <p:txBody>
+          <a:bodyPr/>
+          <a:lstStyle/>
+          <a:p>
+            <a:fld id="{62CBAC88-EF5B-3148-888C-824478CD1B05}" type="slidenum">
+              <a:rPr lang="en-US" smtClean="0"/>
+              <a:t>22</a:t>
+            </a:fld>
+            <a:endParaRPr lang="en-US"/>
+          </a:p>
+        </p:txBody>
+      </p:sp>
     </p:spTree>
     <p:extLst>
       <p:ext uri="{BB962C8B-B14F-4D97-AF65-F5344CB8AC3E}">
@@ -4954,6 +5890,60 @@
           </a:p>
         </p:txBody>
       </p:sp>
+      <p:sp>
+        <p:nvSpPr>
+          <p:cNvPr id="4" name="Footer Placeholder 3">
+            <a:extLst>
+              <a:ext uri="{FF2B5EF4-FFF2-40B4-BE49-F238E27FC236}">
+                <a16:creationId xmlns:a16="http://schemas.microsoft.com/office/drawing/2014/main" id="{31A00E45-5FDB-765B-DFF9-45FCA806BB1C}"/>
+              </a:ext>
+            </a:extLst>
+          </p:cNvPr>
+          <p:cNvSpPr>
+            <a:spLocks noGrp="1"/>
+          </p:cNvSpPr>
+          <p:nvPr>
+            <p:ph type="ftr" sz="quarter" idx="11"/>
+          </p:nvPr>
+        </p:nvSpPr>
+        <p:spPr/>
+        <p:txBody>
+          <a:bodyPr/>
+          <a:lstStyle/>
+          <a:p>
+            <a:endParaRPr lang="en-US"/>
+          </a:p>
+        </p:txBody>
+      </p:sp>
+      <p:sp>
+        <p:nvSpPr>
+          <p:cNvPr id="5" name="Slide Number Placeholder 4">
+            <a:extLst>
+              <a:ext uri="{FF2B5EF4-FFF2-40B4-BE49-F238E27FC236}">
+                <a16:creationId xmlns:a16="http://schemas.microsoft.com/office/drawing/2014/main" id="{E9872A28-ED66-E875-44EE-2F21B72AE1EA}"/>
+              </a:ext>
+            </a:extLst>
+          </p:cNvPr>
+          <p:cNvSpPr>
+            <a:spLocks noGrp="1"/>
+          </p:cNvSpPr>
+          <p:nvPr>
+            <p:ph type="sldNum" sz="quarter" idx="12"/>
+          </p:nvPr>
+        </p:nvSpPr>
+        <p:spPr/>
+        <p:txBody>
+          <a:bodyPr/>
+          <a:lstStyle/>
+          <a:p>
+            <a:fld id="{62CBAC88-EF5B-3148-888C-824478CD1B05}" type="slidenum">
+              <a:rPr lang="en-US" smtClean="0"/>
+              <a:t>23</a:t>
+            </a:fld>
+            <a:endParaRPr lang="en-US"/>
+          </a:p>
+        </p:txBody>
+      </p:sp>
     </p:spTree>
     <p:extLst>
       <p:ext uri="{BB962C8B-B14F-4D97-AF65-F5344CB8AC3E}">
@@ -5100,6 +6090,60 @@
           </a:p>
           <a:p>
             <a:endParaRPr lang="en-US" dirty="0"/>
+          </a:p>
+        </p:txBody>
+      </p:sp>
+      <p:sp>
+        <p:nvSpPr>
+          <p:cNvPr id="4" name="Footer Placeholder 3">
+            <a:extLst>
+              <a:ext uri="{FF2B5EF4-FFF2-40B4-BE49-F238E27FC236}">
+                <a16:creationId xmlns:a16="http://schemas.microsoft.com/office/drawing/2014/main" id="{31609282-3569-5D2E-C51F-1A2583D37110}"/>
+              </a:ext>
+            </a:extLst>
+          </p:cNvPr>
+          <p:cNvSpPr>
+            <a:spLocks noGrp="1"/>
+          </p:cNvSpPr>
+          <p:nvPr>
+            <p:ph type="ftr" sz="quarter" idx="11"/>
+          </p:nvPr>
+        </p:nvSpPr>
+        <p:spPr/>
+        <p:txBody>
+          <a:bodyPr/>
+          <a:lstStyle/>
+          <a:p>
+            <a:endParaRPr lang="en-US"/>
+          </a:p>
+        </p:txBody>
+      </p:sp>
+      <p:sp>
+        <p:nvSpPr>
+          <p:cNvPr id="5" name="Slide Number Placeholder 4">
+            <a:extLst>
+              <a:ext uri="{FF2B5EF4-FFF2-40B4-BE49-F238E27FC236}">
+                <a16:creationId xmlns:a16="http://schemas.microsoft.com/office/drawing/2014/main" id="{2329C2E4-1D5F-0D0E-B3C9-1A88FD31AEB4}"/>
+              </a:ext>
+            </a:extLst>
+          </p:cNvPr>
+          <p:cNvSpPr>
+            <a:spLocks noGrp="1"/>
+          </p:cNvSpPr>
+          <p:nvPr>
+            <p:ph type="sldNum" sz="quarter" idx="12"/>
+          </p:nvPr>
+        </p:nvSpPr>
+        <p:spPr/>
+        <p:txBody>
+          <a:bodyPr/>
+          <a:lstStyle/>
+          <a:p>
+            <a:fld id="{62CBAC88-EF5B-3148-888C-824478CD1B05}" type="slidenum">
+              <a:rPr lang="en-US" smtClean="0"/>
+              <a:t>24</a:t>
+            </a:fld>
+            <a:endParaRPr lang="en-US"/>
           </a:p>
         </p:txBody>
       </p:sp>
@@ -5267,6 +6311,60 @@
           </a:p>
         </p:txBody>
       </p:sp>
+      <p:sp>
+        <p:nvSpPr>
+          <p:cNvPr id="4" name="Footer Placeholder 3">
+            <a:extLst>
+              <a:ext uri="{FF2B5EF4-FFF2-40B4-BE49-F238E27FC236}">
+                <a16:creationId xmlns:a16="http://schemas.microsoft.com/office/drawing/2014/main" id="{51CC993D-FCD0-FA62-1E72-3E330C69ECE2}"/>
+              </a:ext>
+            </a:extLst>
+          </p:cNvPr>
+          <p:cNvSpPr>
+            <a:spLocks noGrp="1"/>
+          </p:cNvSpPr>
+          <p:nvPr>
+            <p:ph type="ftr" sz="quarter" idx="11"/>
+          </p:nvPr>
+        </p:nvSpPr>
+        <p:spPr/>
+        <p:txBody>
+          <a:bodyPr/>
+          <a:lstStyle/>
+          <a:p>
+            <a:endParaRPr lang="en-US"/>
+          </a:p>
+        </p:txBody>
+      </p:sp>
+      <p:sp>
+        <p:nvSpPr>
+          <p:cNvPr id="5" name="Slide Number Placeholder 4">
+            <a:extLst>
+              <a:ext uri="{FF2B5EF4-FFF2-40B4-BE49-F238E27FC236}">
+                <a16:creationId xmlns:a16="http://schemas.microsoft.com/office/drawing/2014/main" id="{C98DB94D-DD1A-5A91-6C6E-8DD5FE2A3008}"/>
+              </a:ext>
+            </a:extLst>
+          </p:cNvPr>
+          <p:cNvSpPr>
+            <a:spLocks noGrp="1"/>
+          </p:cNvSpPr>
+          <p:nvPr>
+            <p:ph type="sldNum" sz="quarter" idx="12"/>
+          </p:nvPr>
+        </p:nvSpPr>
+        <p:spPr/>
+        <p:txBody>
+          <a:bodyPr/>
+          <a:lstStyle/>
+          <a:p>
+            <a:fld id="{62CBAC88-EF5B-3148-888C-824478CD1B05}" type="slidenum">
+              <a:rPr lang="en-US" smtClean="0"/>
+              <a:t>25</a:t>
+            </a:fld>
+            <a:endParaRPr lang="en-US"/>
+          </a:p>
+        </p:txBody>
+      </p:sp>
     </p:spTree>
     <p:extLst>
       <p:ext uri="{BB962C8B-B14F-4D97-AF65-F5344CB8AC3E}">
@@ -5419,6 +6517,60 @@
           </a:p>
         </p:txBody>
       </p:sp>
+      <p:sp>
+        <p:nvSpPr>
+          <p:cNvPr id="4" name="Footer Placeholder 3">
+            <a:extLst>
+              <a:ext uri="{FF2B5EF4-FFF2-40B4-BE49-F238E27FC236}">
+                <a16:creationId xmlns:a16="http://schemas.microsoft.com/office/drawing/2014/main" id="{1E40343D-B93F-59EE-6C65-B699585BA96E}"/>
+              </a:ext>
+            </a:extLst>
+          </p:cNvPr>
+          <p:cNvSpPr>
+            <a:spLocks noGrp="1"/>
+          </p:cNvSpPr>
+          <p:nvPr>
+            <p:ph type="ftr" sz="quarter" idx="11"/>
+          </p:nvPr>
+        </p:nvSpPr>
+        <p:spPr/>
+        <p:txBody>
+          <a:bodyPr/>
+          <a:lstStyle/>
+          <a:p>
+            <a:endParaRPr lang="en-US"/>
+          </a:p>
+        </p:txBody>
+      </p:sp>
+      <p:sp>
+        <p:nvSpPr>
+          <p:cNvPr id="5" name="Slide Number Placeholder 4">
+            <a:extLst>
+              <a:ext uri="{FF2B5EF4-FFF2-40B4-BE49-F238E27FC236}">
+                <a16:creationId xmlns:a16="http://schemas.microsoft.com/office/drawing/2014/main" id="{D378C706-BB0D-4EF9-F3A0-A77EAA5AB31C}"/>
+              </a:ext>
+            </a:extLst>
+          </p:cNvPr>
+          <p:cNvSpPr>
+            <a:spLocks noGrp="1"/>
+          </p:cNvSpPr>
+          <p:nvPr>
+            <p:ph type="sldNum" sz="quarter" idx="12"/>
+          </p:nvPr>
+        </p:nvSpPr>
+        <p:spPr/>
+        <p:txBody>
+          <a:bodyPr/>
+          <a:lstStyle/>
+          <a:p>
+            <a:fld id="{62CBAC88-EF5B-3148-888C-824478CD1B05}" type="slidenum">
+              <a:rPr lang="en-US" smtClean="0"/>
+              <a:t>26</a:t>
+            </a:fld>
+            <a:endParaRPr lang="en-US"/>
+          </a:p>
+        </p:txBody>
+      </p:sp>
     </p:spTree>
     <p:extLst>
       <p:ext uri="{BB962C8B-B14F-4D97-AF65-F5344CB8AC3E}">
@@ -5463,6 +6615,36 @@
       </p:grpSpPr>
       <p:sp>
         <p:nvSpPr>
+          <p:cNvPr id="2" name="Title 1">
+            <a:extLst>
+              <a:ext uri="{FF2B5EF4-FFF2-40B4-BE49-F238E27FC236}">
+                <a16:creationId xmlns:a16="http://schemas.microsoft.com/office/drawing/2014/main" id="{CBD24C9B-57FA-90C9-F9DD-E68FDBAFDAC2}"/>
+              </a:ext>
+            </a:extLst>
+          </p:cNvPr>
+          <p:cNvSpPr>
+            <a:spLocks noGrp="1"/>
+          </p:cNvSpPr>
+          <p:nvPr>
+            <p:ph type="title"/>
+          </p:nvPr>
+        </p:nvSpPr>
+        <p:spPr/>
+        <p:txBody>
+          <a:bodyPr>
+            <a:normAutofit/>
+          </a:bodyPr>
+          <a:lstStyle/>
+          <a:p>
+            <a:r>
+              <a:rPr lang="en-US" dirty="0"/>
+              <a:t>Edit and Update</a:t>
+            </a:r>
+          </a:p>
+        </p:txBody>
+      </p:sp>
+      <p:sp>
+        <p:nvSpPr>
           <p:cNvPr id="3" name="Content Placeholder 2">
             <a:extLst>
               <a:ext uri="{FF2B5EF4-FFF2-40B4-BE49-F238E27FC236}">
@@ -5659,31 +6841,55 @@
       </p:sp>
       <p:sp>
         <p:nvSpPr>
-          <p:cNvPr id="2" name="Title 1">
-            <a:extLst>
-              <a:ext uri="{FF2B5EF4-FFF2-40B4-BE49-F238E27FC236}">
-                <a16:creationId xmlns:a16="http://schemas.microsoft.com/office/drawing/2014/main" id="{CBD24C9B-57FA-90C9-F9DD-E68FDBAFDAC2}"/>
-              </a:ext>
-            </a:extLst>
-          </p:cNvPr>
-          <p:cNvSpPr>
-            <a:spLocks noGrp="1"/>
-          </p:cNvSpPr>
-          <p:nvPr>
-            <p:ph type="title"/>
-          </p:nvPr>
-        </p:nvSpPr>
-        <p:spPr/>
-        <p:txBody>
-          <a:bodyPr>
-            <a:normAutofit/>
-          </a:bodyPr>
-          <a:lstStyle/>
-          <a:p>
-            <a:r>
-              <a:rPr lang="en-US" dirty="0"/>
-              <a:t>Edit and Update</a:t>
-            </a:r>
+          <p:cNvPr id="4" name="Footer Placeholder 3">
+            <a:extLst>
+              <a:ext uri="{FF2B5EF4-FFF2-40B4-BE49-F238E27FC236}">
+                <a16:creationId xmlns:a16="http://schemas.microsoft.com/office/drawing/2014/main" id="{FAE41998-4652-530B-5B2D-C0655CC5875F}"/>
+              </a:ext>
+            </a:extLst>
+          </p:cNvPr>
+          <p:cNvSpPr>
+            <a:spLocks noGrp="1"/>
+          </p:cNvSpPr>
+          <p:nvPr>
+            <p:ph type="ftr" sz="quarter" idx="11"/>
+          </p:nvPr>
+        </p:nvSpPr>
+        <p:spPr/>
+        <p:txBody>
+          <a:bodyPr/>
+          <a:lstStyle/>
+          <a:p>
+            <a:endParaRPr lang="en-US"/>
+          </a:p>
+        </p:txBody>
+      </p:sp>
+      <p:sp>
+        <p:nvSpPr>
+          <p:cNvPr id="5" name="Slide Number Placeholder 4">
+            <a:extLst>
+              <a:ext uri="{FF2B5EF4-FFF2-40B4-BE49-F238E27FC236}">
+                <a16:creationId xmlns:a16="http://schemas.microsoft.com/office/drawing/2014/main" id="{84306F90-B4B8-B279-43AD-BA0091FD36FA}"/>
+              </a:ext>
+            </a:extLst>
+          </p:cNvPr>
+          <p:cNvSpPr>
+            <a:spLocks noGrp="1"/>
+          </p:cNvSpPr>
+          <p:nvPr>
+            <p:ph type="sldNum" sz="quarter" idx="12"/>
+          </p:nvPr>
+        </p:nvSpPr>
+        <p:spPr/>
+        <p:txBody>
+          <a:bodyPr/>
+          <a:lstStyle/>
+          <a:p>
+            <a:fld id="{62CBAC88-EF5B-3148-888C-824478CD1B05}" type="slidenum">
+              <a:rPr lang="en-US" smtClean="0"/>
+              <a:t>27</a:t>
+            </a:fld>
+            <a:endParaRPr lang="en-US"/>
           </a:p>
         </p:txBody>
       </p:sp>
@@ -5887,6 +7093,60 @@
           </a:p>
         </p:txBody>
       </p:sp>
+      <p:sp>
+        <p:nvSpPr>
+          <p:cNvPr id="4" name="Footer Placeholder 3">
+            <a:extLst>
+              <a:ext uri="{FF2B5EF4-FFF2-40B4-BE49-F238E27FC236}">
+                <a16:creationId xmlns:a16="http://schemas.microsoft.com/office/drawing/2014/main" id="{5386C3C8-83C3-36F5-695C-B982671627D4}"/>
+              </a:ext>
+            </a:extLst>
+          </p:cNvPr>
+          <p:cNvSpPr>
+            <a:spLocks noGrp="1"/>
+          </p:cNvSpPr>
+          <p:nvPr>
+            <p:ph type="ftr" sz="quarter" idx="11"/>
+          </p:nvPr>
+        </p:nvSpPr>
+        <p:spPr/>
+        <p:txBody>
+          <a:bodyPr/>
+          <a:lstStyle/>
+          <a:p>
+            <a:endParaRPr lang="en-US"/>
+          </a:p>
+        </p:txBody>
+      </p:sp>
+      <p:sp>
+        <p:nvSpPr>
+          <p:cNvPr id="5" name="Slide Number Placeholder 4">
+            <a:extLst>
+              <a:ext uri="{FF2B5EF4-FFF2-40B4-BE49-F238E27FC236}">
+                <a16:creationId xmlns:a16="http://schemas.microsoft.com/office/drawing/2014/main" id="{B592F44B-91EC-32B0-3A41-501863759A20}"/>
+              </a:ext>
+            </a:extLst>
+          </p:cNvPr>
+          <p:cNvSpPr>
+            <a:spLocks noGrp="1"/>
+          </p:cNvSpPr>
+          <p:nvPr>
+            <p:ph type="sldNum" sz="quarter" idx="12"/>
+          </p:nvPr>
+        </p:nvSpPr>
+        <p:spPr/>
+        <p:txBody>
+          <a:bodyPr/>
+          <a:lstStyle/>
+          <a:p>
+            <a:fld id="{62CBAC88-EF5B-3148-888C-824478CD1B05}" type="slidenum">
+              <a:rPr lang="en-US" smtClean="0"/>
+              <a:t>28</a:t>
+            </a:fld>
+            <a:endParaRPr lang="en-US"/>
+          </a:p>
+        </p:txBody>
+      </p:sp>
     </p:spTree>
     <p:extLst>
       <p:ext uri="{BB962C8B-B14F-4D97-AF65-F5344CB8AC3E}">
@@ -6030,6 +7290,60 @@
           </a:p>
         </p:txBody>
       </p:sp>
+      <p:sp>
+        <p:nvSpPr>
+          <p:cNvPr id="2" name="Footer Placeholder 1">
+            <a:extLst>
+              <a:ext uri="{FF2B5EF4-FFF2-40B4-BE49-F238E27FC236}">
+                <a16:creationId xmlns:a16="http://schemas.microsoft.com/office/drawing/2014/main" id="{7C374433-891E-FEE5-55B8-8C92B13D2EBC}"/>
+              </a:ext>
+            </a:extLst>
+          </p:cNvPr>
+          <p:cNvSpPr>
+            <a:spLocks noGrp="1"/>
+          </p:cNvSpPr>
+          <p:nvPr>
+            <p:ph type="ftr" sz="quarter" idx="11"/>
+          </p:nvPr>
+        </p:nvSpPr>
+        <p:spPr/>
+        <p:txBody>
+          <a:bodyPr/>
+          <a:lstStyle/>
+          <a:p>
+            <a:endParaRPr lang="en-US"/>
+          </a:p>
+        </p:txBody>
+      </p:sp>
+      <p:sp>
+        <p:nvSpPr>
+          <p:cNvPr id="3" name="Slide Number Placeholder 2">
+            <a:extLst>
+              <a:ext uri="{FF2B5EF4-FFF2-40B4-BE49-F238E27FC236}">
+                <a16:creationId xmlns:a16="http://schemas.microsoft.com/office/drawing/2014/main" id="{D8DC87AB-5DB9-0368-2E6A-1C4D9CAD2881}"/>
+              </a:ext>
+            </a:extLst>
+          </p:cNvPr>
+          <p:cNvSpPr>
+            <a:spLocks noGrp="1"/>
+          </p:cNvSpPr>
+          <p:nvPr>
+            <p:ph type="sldNum" sz="quarter" idx="12"/>
+          </p:nvPr>
+        </p:nvSpPr>
+        <p:spPr/>
+        <p:txBody>
+          <a:bodyPr/>
+          <a:lstStyle/>
+          <a:p>
+            <a:fld id="{62CBAC88-EF5B-3148-888C-824478CD1B05}" type="slidenum">
+              <a:rPr lang="en-US" smtClean="0"/>
+              <a:t>29</a:t>
+            </a:fld>
+            <a:endParaRPr lang="en-US"/>
+          </a:p>
+        </p:txBody>
+      </p:sp>
     </p:spTree>
     <p:extLst>
       <p:ext uri="{BB962C8B-B14F-4D97-AF65-F5344CB8AC3E}">
@@ -6074,6 +7388,34 @@
       </p:grpSpPr>
       <p:sp>
         <p:nvSpPr>
+          <p:cNvPr id="2" name="Title 1">
+            <a:extLst>
+              <a:ext uri="{FF2B5EF4-FFF2-40B4-BE49-F238E27FC236}">
+                <a16:creationId xmlns:a16="http://schemas.microsoft.com/office/drawing/2014/main" id="{6CFD6A54-236B-6830-1358-48501E4EC030}"/>
+              </a:ext>
+            </a:extLst>
+          </p:cNvPr>
+          <p:cNvSpPr>
+            <a:spLocks noGrp="1"/>
+          </p:cNvSpPr>
+          <p:nvPr>
+            <p:ph type="title"/>
+          </p:nvPr>
+        </p:nvSpPr>
+        <p:spPr/>
+        <p:txBody>
+          <a:bodyPr/>
+          <a:lstStyle/>
+          <a:p>
+            <a:r>
+              <a:rPr lang="en-US" dirty="0"/>
+              <a:t>Introduction</a:t>
+            </a:r>
+          </a:p>
+        </p:txBody>
+      </p:sp>
+      <p:sp>
+        <p:nvSpPr>
           <p:cNvPr id="3" name="Content Placeholder 2">
             <a:extLst>
               <a:ext uri="{FF2B5EF4-FFF2-40B4-BE49-F238E27FC236}">
@@ -6149,29 +7491,55 @@
       </p:sp>
       <p:sp>
         <p:nvSpPr>
-          <p:cNvPr id="2" name="Title 1">
-            <a:extLst>
-              <a:ext uri="{FF2B5EF4-FFF2-40B4-BE49-F238E27FC236}">
-                <a16:creationId xmlns:a16="http://schemas.microsoft.com/office/drawing/2014/main" id="{6CFD6A54-236B-6830-1358-48501E4EC030}"/>
-              </a:ext>
-            </a:extLst>
-          </p:cNvPr>
-          <p:cNvSpPr>
-            <a:spLocks noGrp="1"/>
-          </p:cNvSpPr>
-          <p:nvPr>
-            <p:ph type="title"/>
-          </p:nvPr>
-        </p:nvSpPr>
-        <p:spPr/>
-        <p:txBody>
-          <a:bodyPr/>
-          <a:lstStyle/>
-          <a:p>
-            <a:r>
-              <a:rPr lang="en-US" dirty="0"/>
-              <a:t>Introduction</a:t>
-            </a:r>
+          <p:cNvPr id="4" name="Footer Placeholder 3">
+            <a:extLst>
+              <a:ext uri="{FF2B5EF4-FFF2-40B4-BE49-F238E27FC236}">
+                <a16:creationId xmlns:a16="http://schemas.microsoft.com/office/drawing/2014/main" id="{F09FEB8E-8E4B-80C0-01F2-D81BD7E3A60D}"/>
+              </a:ext>
+            </a:extLst>
+          </p:cNvPr>
+          <p:cNvSpPr>
+            <a:spLocks noGrp="1"/>
+          </p:cNvSpPr>
+          <p:nvPr>
+            <p:ph type="ftr" sz="quarter" idx="11"/>
+          </p:nvPr>
+        </p:nvSpPr>
+        <p:spPr/>
+        <p:txBody>
+          <a:bodyPr/>
+          <a:lstStyle/>
+          <a:p>
+            <a:endParaRPr lang="en-US"/>
+          </a:p>
+        </p:txBody>
+      </p:sp>
+      <p:sp>
+        <p:nvSpPr>
+          <p:cNvPr id="5" name="Slide Number Placeholder 4">
+            <a:extLst>
+              <a:ext uri="{FF2B5EF4-FFF2-40B4-BE49-F238E27FC236}">
+                <a16:creationId xmlns:a16="http://schemas.microsoft.com/office/drawing/2014/main" id="{58F8964E-9EE3-B7BE-FE79-C69783737ED8}"/>
+              </a:ext>
+            </a:extLst>
+          </p:cNvPr>
+          <p:cNvSpPr>
+            <a:spLocks noGrp="1"/>
+          </p:cNvSpPr>
+          <p:nvPr>
+            <p:ph type="sldNum" sz="quarter" idx="12"/>
+          </p:nvPr>
+        </p:nvSpPr>
+        <p:spPr/>
+        <p:txBody>
+          <a:bodyPr/>
+          <a:lstStyle/>
+          <a:p>
+            <a:fld id="{62CBAC88-EF5B-3148-888C-824478CD1B05}" type="slidenum">
+              <a:rPr lang="en-US" smtClean="0"/>
+              <a:t>3</a:t>
+            </a:fld>
+            <a:endParaRPr lang="en-US"/>
           </a:p>
         </p:txBody>
       </p:sp>
@@ -6263,12 +7631,7 @@
             <p:ph idx="1"/>
           </p:nvPr>
         </p:nvSpPr>
-        <p:spPr>
-          <a:xfrm>
-            <a:off x="609600" y="1600201"/>
-            <a:ext cx="10972800" cy="4525963"/>
-          </a:xfrm>
-        </p:spPr>
+        <p:spPr/>
         <p:txBody>
           <a:bodyPr>
             <a:normAutofit/>
@@ -6310,6 +7673,60 @@
               <a:rPr lang="en-US" dirty="0"/>
               <a:t>Provides flexibility for custom responses</a:t>
             </a:r>
+          </a:p>
+        </p:txBody>
+      </p:sp>
+      <p:sp>
+        <p:nvSpPr>
+          <p:cNvPr id="4" name="Footer Placeholder 3">
+            <a:extLst>
+              <a:ext uri="{FF2B5EF4-FFF2-40B4-BE49-F238E27FC236}">
+                <a16:creationId xmlns:a16="http://schemas.microsoft.com/office/drawing/2014/main" id="{A6FB144E-7112-E548-8C8A-7DF5CE3073B5}"/>
+              </a:ext>
+            </a:extLst>
+          </p:cNvPr>
+          <p:cNvSpPr>
+            <a:spLocks noGrp="1"/>
+          </p:cNvSpPr>
+          <p:nvPr>
+            <p:ph type="ftr" sz="quarter" idx="11"/>
+          </p:nvPr>
+        </p:nvSpPr>
+        <p:spPr/>
+        <p:txBody>
+          <a:bodyPr/>
+          <a:lstStyle/>
+          <a:p>
+            <a:endParaRPr lang="en-US"/>
+          </a:p>
+        </p:txBody>
+      </p:sp>
+      <p:sp>
+        <p:nvSpPr>
+          <p:cNvPr id="5" name="Slide Number Placeholder 4">
+            <a:extLst>
+              <a:ext uri="{FF2B5EF4-FFF2-40B4-BE49-F238E27FC236}">
+                <a16:creationId xmlns:a16="http://schemas.microsoft.com/office/drawing/2014/main" id="{E9F0D6BD-FCD8-A090-AE01-174C785723E1}"/>
+              </a:ext>
+            </a:extLst>
+          </p:cNvPr>
+          <p:cNvSpPr>
+            <a:spLocks noGrp="1"/>
+          </p:cNvSpPr>
+          <p:nvPr>
+            <p:ph type="sldNum" sz="quarter" idx="12"/>
+          </p:nvPr>
+        </p:nvSpPr>
+        <p:spPr/>
+        <p:txBody>
+          <a:bodyPr/>
+          <a:lstStyle/>
+          <a:p>
+            <a:fld id="{62CBAC88-EF5B-3148-888C-824478CD1B05}" type="slidenum">
+              <a:rPr lang="en-US" smtClean="0"/>
+              <a:t>30</a:t>
+            </a:fld>
+            <a:endParaRPr lang="en-US"/>
           </a:p>
         </p:txBody>
       </p:sp>
@@ -6509,6 +7926,60 @@
           </a:p>
         </p:txBody>
       </p:sp>
+      <p:sp>
+        <p:nvSpPr>
+          <p:cNvPr id="4" name="Footer Placeholder 3">
+            <a:extLst>
+              <a:ext uri="{FF2B5EF4-FFF2-40B4-BE49-F238E27FC236}">
+                <a16:creationId xmlns:a16="http://schemas.microsoft.com/office/drawing/2014/main" id="{642C58F4-9DE9-AFD8-67A4-9CE1641D4D05}"/>
+              </a:ext>
+            </a:extLst>
+          </p:cNvPr>
+          <p:cNvSpPr>
+            <a:spLocks noGrp="1"/>
+          </p:cNvSpPr>
+          <p:nvPr>
+            <p:ph type="ftr" sz="quarter" idx="11"/>
+          </p:nvPr>
+        </p:nvSpPr>
+        <p:spPr/>
+        <p:txBody>
+          <a:bodyPr/>
+          <a:lstStyle/>
+          <a:p>
+            <a:endParaRPr lang="en-US"/>
+          </a:p>
+        </p:txBody>
+      </p:sp>
+      <p:sp>
+        <p:nvSpPr>
+          <p:cNvPr id="5" name="Slide Number Placeholder 4">
+            <a:extLst>
+              <a:ext uri="{FF2B5EF4-FFF2-40B4-BE49-F238E27FC236}">
+                <a16:creationId xmlns:a16="http://schemas.microsoft.com/office/drawing/2014/main" id="{DCB2CEF8-97B9-D948-77D1-61077AF8B02D}"/>
+              </a:ext>
+            </a:extLst>
+          </p:cNvPr>
+          <p:cNvSpPr>
+            <a:spLocks noGrp="1"/>
+          </p:cNvSpPr>
+          <p:nvPr>
+            <p:ph type="sldNum" sz="quarter" idx="12"/>
+          </p:nvPr>
+        </p:nvSpPr>
+        <p:spPr/>
+        <p:txBody>
+          <a:bodyPr/>
+          <a:lstStyle/>
+          <a:p>
+            <a:fld id="{62CBAC88-EF5B-3148-888C-824478CD1B05}" type="slidenum">
+              <a:rPr lang="en-US" smtClean="0"/>
+              <a:t>31</a:t>
+            </a:fld>
+            <a:endParaRPr lang="en-US"/>
+          </a:p>
+        </p:txBody>
+      </p:sp>
     </p:spTree>
     <p:extLst>
       <p:ext uri="{BB962C8B-B14F-4D97-AF65-F5344CB8AC3E}">
@@ -6693,6 +8164,60 @@
           </a:p>
         </p:txBody>
       </p:sp>
+      <p:sp>
+        <p:nvSpPr>
+          <p:cNvPr id="4" name="Footer Placeholder 3">
+            <a:extLst>
+              <a:ext uri="{FF2B5EF4-FFF2-40B4-BE49-F238E27FC236}">
+                <a16:creationId xmlns:a16="http://schemas.microsoft.com/office/drawing/2014/main" id="{AF6F4A12-7391-AAF0-7905-0C3D60FD4041}"/>
+              </a:ext>
+            </a:extLst>
+          </p:cNvPr>
+          <p:cNvSpPr>
+            <a:spLocks noGrp="1"/>
+          </p:cNvSpPr>
+          <p:nvPr>
+            <p:ph type="ftr" sz="quarter" idx="11"/>
+          </p:nvPr>
+        </p:nvSpPr>
+        <p:spPr/>
+        <p:txBody>
+          <a:bodyPr/>
+          <a:lstStyle/>
+          <a:p>
+            <a:endParaRPr lang="en-US"/>
+          </a:p>
+        </p:txBody>
+      </p:sp>
+      <p:sp>
+        <p:nvSpPr>
+          <p:cNvPr id="5" name="Slide Number Placeholder 4">
+            <a:extLst>
+              <a:ext uri="{FF2B5EF4-FFF2-40B4-BE49-F238E27FC236}">
+                <a16:creationId xmlns:a16="http://schemas.microsoft.com/office/drawing/2014/main" id="{6FA58149-04E5-4A2E-8BE2-62DEFD54B2FE}"/>
+              </a:ext>
+            </a:extLst>
+          </p:cNvPr>
+          <p:cNvSpPr>
+            <a:spLocks noGrp="1"/>
+          </p:cNvSpPr>
+          <p:nvPr>
+            <p:ph type="sldNum" sz="quarter" idx="12"/>
+          </p:nvPr>
+        </p:nvSpPr>
+        <p:spPr/>
+        <p:txBody>
+          <a:bodyPr/>
+          <a:lstStyle/>
+          <a:p>
+            <a:fld id="{62CBAC88-EF5B-3148-888C-824478CD1B05}" type="slidenum">
+              <a:rPr lang="en-US" smtClean="0"/>
+              <a:t>32</a:t>
+            </a:fld>
+            <a:endParaRPr lang="en-US"/>
+          </a:p>
+        </p:txBody>
+      </p:sp>
     </p:spTree>
     <p:extLst>
       <p:ext uri="{BB962C8B-B14F-4D97-AF65-F5344CB8AC3E}">
@@ -6870,6 +8395,60 @@
           </a:p>
         </p:txBody>
       </p:sp>
+      <p:sp>
+        <p:nvSpPr>
+          <p:cNvPr id="4" name="Footer Placeholder 3">
+            <a:extLst>
+              <a:ext uri="{FF2B5EF4-FFF2-40B4-BE49-F238E27FC236}">
+                <a16:creationId xmlns:a16="http://schemas.microsoft.com/office/drawing/2014/main" id="{87AE1D42-FC66-DB4D-4246-2A5729AD5C62}"/>
+              </a:ext>
+            </a:extLst>
+          </p:cNvPr>
+          <p:cNvSpPr>
+            <a:spLocks noGrp="1"/>
+          </p:cNvSpPr>
+          <p:nvPr>
+            <p:ph type="ftr" sz="quarter" idx="11"/>
+          </p:nvPr>
+        </p:nvSpPr>
+        <p:spPr/>
+        <p:txBody>
+          <a:bodyPr/>
+          <a:lstStyle/>
+          <a:p>
+            <a:endParaRPr lang="en-US"/>
+          </a:p>
+        </p:txBody>
+      </p:sp>
+      <p:sp>
+        <p:nvSpPr>
+          <p:cNvPr id="5" name="Slide Number Placeholder 4">
+            <a:extLst>
+              <a:ext uri="{FF2B5EF4-FFF2-40B4-BE49-F238E27FC236}">
+                <a16:creationId xmlns:a16="http://schemas.microsoft.com/office/drawing/2014/main" id="{C7221E05-9C4D-72FD-4F0E-C89C49CD0F9B}"/>
+              </a:ext>
+            </a:extLst>
+          </p:cNvPr>
+          <p:cNvSpPr>
+            <a:spLocks noGrp="1"/>
+          </p:cNvSpPr>
+          <p:nvPr>
+            <p:ph type="sldNum" sz="quarter" idx="12"/>
+          </p:nvPr>
+        </p:nvSpPr>
+        <p:spPr/>
+        <p:txBody>
+          <a:bodyPr/>
+          <a:lstStyle/>
+          <a:p>
+            <a:fld id="{62CBAC88-EF5B-3148-888C-824478CD1B05}" type="slidenum">
+              <a:rPr lang="en-US" smtClean="0"/>
+              <a:t>33</a:t>
+            </a:fld>
+            <a:endParaRPr lang="en-US"/>
+          </a:p>
+        </p:txBody>
+      </p:sp>
     </p:spTree>
     <p:extLst>
       <p:ext uri="{BB962C8B-B14F-4D97-AF65-F5344CB8AC3E}">
@@ -7081,6 +8660,60 @@
           </a:p>
         </p:txBody>
       </p:sp>
+      <p:sp>
+        <p:nvSpPr>
+          <p:cNvPr id="4" name="Footer Placeholder 3">
+            <a:extLst>
+              <a:ext uri="{FF2B5EF4-FFF2-40B4-BE49-F238E27FC236}">
+                <a16:creationId xmlns:a16="http://schemas.microsoft.com/office/drawing/2014/main" id="{D4421C7D-59D8-65FC-A051-7D58FD8417EB}"/>
+              </a:ext>
+            </a:extLst>
+          </p:cNvPr>
+          <p:cNvSpPr>
+            <a:spLocks noGrp="1"/>
+          </p:cNvSpPr>
+          <p:nvPr>
+            <p:ph type="ftr" sz="quarter" idx="11"/>
+          </p:nvPr>
+        </p:nvSpPr>
+        <p:spPr/>
+        <p:txBody>
+          <a:bodyPr/>
+          <a:lstStyle/>
+          <a:p>
+            <a:endParaRPr lang="en-US"/>
+          </a:p>
+        </p:txBody>
+      </p:sp>
+      <p:sp>
+        <p:nvSpPr>
+          <p:cNvPr id="5" name="Slide Number Placeholder 4">
+            <a:extLst>
+              <a:ext uri="{FF2B5EF4-FFF2-40B4-BE49-F238E27FC236}">
+                <a16:creationId xmlns:a16="http://schemas.microsoft.com/office/drawing/2014/main" id="{A4548191-F46E-D343-405A-4E9532C71C7A}"/>
+              </a:ext>
+            </a:extLst>
+          </p:cNvPr>
+          <p:cNvSpPr>
+            <a:spLocks noGrp="1"/>
+          </p:cNvSpPr>
+          <p:nvPr>
+            <p:ph type="sldNum" sz="quarter" idx="12"/>
+          </p:nvPr>
+        </p:nvSpPr>
+        <p:spPr/>
+        <p:txBody>
+          <a:bodyPr/>
+          <a:lstStyle/>
+          <a:p>
+            <a:fld id="{62CBAC88-EF5B-3148-888C-824478CD1B05}" type="slidenum">
+              <a:rPr lang="en-US" smtClean="0"/>
+              <a:t>34</a:t>
+            </a:fld>
+            <a:endParaRPr lang="en-US"/>
+          </a:p>
+        </p:txBody>
+      </p:sp>
     </p:spTree>
     <p:extLst>
       <p:ext uri="{BB962C8B-B14F-4D97-AF65-F5344CB8AC3E}">
@@ -7374,6 +9007,60 @@
           </a:p>
         </p:txBody>
       </p:sp>
+      <p:sp>
+        <p:nvSpPr>
+          <p:cNvPr id="4" name="Footer Placeholder 3">
+            <a:extLst>
+              <a:ext uri="{FF2B5EF4-FFF2-40B4-BE49-F238E27FC236}">
+                <a16:creationId xmlns:a16="http://schemas.microsoft.com/office/drawing/2014/main" id="{EB129E55-9C0D-9F40-3D06-F8465BEDB6C8}"/>
+              </a:ext>
+            </a:extLst>
+          </p:cNvPr>
+          <p:cNvSpPr>
+            <a:spLocks noGrp="1"/>
+          </p:cNvSpPr>
+          <p:nvPr>
+            <p:ph type="ftr" sz="quarter" idx="11"/>
+          </p:nvPr>
+        </p:nvSpPr>
+        <p:spPr/>
+        <p:txBody>
+          <a:bodyPr/>
+          <a:lstStyle/>
+          <a:p>
+            <a:endParaRPr lang="en-US"/>
+          </a:p>
+        </p:txBody>
+      </p:sp>
+      <p:sp>
+        <p:nvSpPr>
+          <p:cNvPr id="5" name="Slide Number Placeholder 4">
+            <a:extLst>
+              <a:ext uri="{FF2B5EF4-FFF2-40B4-BE49-F238E27FC236}">
+                <a16:creationId xmlns:a16="http://schemas.microsoft.com/office/drawing/2014/main" id="{ED61A9B8-8319-0C19-8A08-FAA7BE0D6B76}"/>
+              </a:ext>
+            </a:extLst>
+          </p:cNvPr>
+          <p:cNvSpPr>
+            <a:spLocks noGrp="1"/>
+          </p:cNvSpPr>
+          <p:nvPr>
+            <p:ph type="sldNum" sz="quarter" idx="12"/>
+          </p:nvPr>
+        </p:nvSpPr>
+        <p:spPr/>
+        <p:txBody>
+          <a:bodyPr/>
+          <a:lstStyle/>
+          <a:p>
+            <a:fld id="{62CBAC88-EF5B-3148-888C-824478CD1B05}" type="slidenum">
+              <a:rPr lang="en-US" smtClean="0"/>
+              <a:t>35</a:t>
+            </a:fld>
+            <a:endParaRPr lang="en-US"/>
+          </a:p>
+        </p:txBody>
+      </p:sp>
     </p:spTree>
     <p:extLst>
       <p:ext uri="{BB962C8B-B14F-4D97-AF65-F5344CB8AC3E}">
@@ -7644,6 +9331,60 @@
           </a:p>
         </p:txBody>
       </p:sp>
+      <p:sp>
+        <p:nvSpPr>
+          <p:cNvPr id="4" name="Footer Placeholder 3">
+            <a:extLst>
+              <a:ext uri="{FF2B5EF4-FFF2-40B4-BE49-F238E27FC236}">
+                <a16:creationId xmlns:a16="http://schemas.microsoft.com/office/drawing/2014/main" id="{7F3679A4-2BD5-6979-0509-2C19DD25FB75}"/>
+              </a:ext>
+            </a:extLst>
+          </p:cNvPr>
+          <p:cNvSpPr>
+            <a:spLocks noGrp="1"/>
+          </p:cNvSpPr>
+          <p:nvPr>
+            <p:ph type="ftr" sz="quarter" idx="11"/>
+          </p:nvPr>
+        </p:nvSpPr>
+        <p:spPr/>
+        <p:txBody>
+          <a:bodyPr/>
+          <a:lstStyle/>
+          <a:p>
+            <a:endParaRPr lang="en-US"/>
+          </a:p>
+        </p:txBody>
+      </p:sp>
+      <p:sp>
+        <p:nvSpPr>
+          <p:cNvPr id="5" name="Slide Number Placeholder 4">
+            <a:extLst>
+              <a:ext uri="{FF2B5EF4-FFF2-40B4-BE49-F238E27FC236}">
+                <a16:creationId xmlns:a16="http://schemas.microsoft.com/office/drawing/2014/main" id="{3201B80F-CC00-91E1-B9D4-5ABECD331256}"/>
+              </a:ext>
+            </a:extLst>
+          </p:cNvPr>
+          <p:cNvSpPr>
+            <a:spLocks noGrp="1"/>
+          </p:cNvSpPr>
+          <p:nvPr>
+            <p:ph type="sldNum" sz="quarter" idx="12"/>
+          </p:nvPr>
+        </p:nvSpPr>
+        <p:spPr/>
+        <p:txBody>
+          <a:bodyPr/>
+          <a:lstStyle/>
+          <a:p>
+            <a:fld id="{62CBAC88-EF5B-3148-888C-824478CD1B05}" type="slidenum">
+              <a:rPr lang="en-US" smtClean="0"/>
+              <a:t>36</a:t>
+            </a:fld>
+            <a:endParaRPr lang="en-US"/>
+          </a:p>
+        </p:txBody>
+      </p:sp>
     </p:spTree>
     <p:extLst>
       <p:ext uri="{BB962C8B-B14F-4D97-AF65-F5344CB8AC3E}">
@@ -7831,6 +9572,60 @@
           </a:p>
         </p:txBody>
       </p:sp>
+      <p:sp>
+        <p:nvSpPr>
+          <p:cNvPr id="4" name="Footer Placeholder 3">
+            <a:extLst>
+              <a:ext uri="{FF2B5EF4-FFF2-40B4-BE49-F238E27FC236}">
+                <a16:creationId xmlns:a16="http://schemas.microsoft.com/office/drawing/2014/main" id="{9EFBBE12-3005-871A-15B4-D0AD15AD4E39}"/>
+              </a:ext>
+            </a:extLst>
+          </p:cNvPr>
+          <p:cNvSpPr>
+            <a:spLocks noGrp="1"/>
+          </p:cNvSpPr>
+          <p:nvPr>
+            <p:ph type="ftr" sz="quarter" idx="11"/>
+          </p:nvPr>
+        </p:nvSpPr>
+        <p:spPr/>
+        <p:txBody>
+          <a:bodyPr/>
+          <a:lstStyle/>
+          <a:p>
+            <a:endParaRPr lang="en-US"/>
+          </a:p>
+        </p:txBody>
+      </p:sp>
+      <p:sp>
+        <p:nvSpPr>
+          <p:cNvPr id="5" name="Slide Number Placeholder 4">
+            <a:extLst>
+              <a:ext uri="{FF2B5EF4-FFF2-40B4-BE49-F238E27FC236}">
+                <a16:creationId xmlns:a16="http://schemas.microsoft.com/office/drawing/2014/main" id="{50245E59-A59D-0072-D29B-A452DD0C1C22}"/>
+              </a:ext>
+            </a:extLst>
+          </p:cNvPr>
+          <p:cNvSpPr>
+            <a:spLocks noGrp="1"/>
+          </p:cNvSpPr>
+          <p:nvPr>
+            <p:ph type="sldNum" sz="quarter" idx="12"/>
+          </p:nvPr>
+        </p:nvSpPr>
+        <p:spPr/>
+        <p:txBody>
+          <a:bodyPr/>
+          <a:lstStyle/>
+          <a:p>
+            <a:fld id="{62CBAC88-EF5B-3148-888C-824478CD1B05}" type="slidenum">
+              <a:rPr lang="en-US" smtClean="0"/>
+              <a:t>37</a:t>
+            </a:fld>
+            <a:endParaRPr lang="en-US"/>
+          </a:p>
+        </p:txBody>
+      </p:sp>
     </p:spTree>
     <p:extLst>
       <p:ext uri="{BB962C8B-B14F-4D97-AF65-F5344CB8AC3E}">
@@ -7959,6 +9754,60 @@
               <a:rPr lang="en-US" dirty="0"/>
               <a:t>Note: If data changes frequently, caching may not be appropriate</a:t>
             </a:r>
+          </a:p>
+        </p:txBody>
+      </p:sp>
+      <p:sp>
+        <p:nvSpPr>
+          <p:cNvPr id="2" name="Footer Placeholder 1">
+            <a:extLst>
+              <a:ext uri="{FF2B5EF4-FFF2-40B4-BE49-F238E27FC236}">
+                <a16:creationId xmlns:a16="http://schemas.microsoft.com/office/drawing/2014/main" id="{8F51B20B-9884-9640-ED3C-8D2CF5CE38CB}"/>
+              </a:ext>
+            </a:extLst>
+          </p:cNvPr>
+          <p:cNvSpPr>
+            <a:spLocks noGrp="1"/>
+          </p:cNvSpPr>
+          <p:nvPr>
+            <p:ph type="ftr" sz="quarter" idx="11"/>
+          </p:nvPr>
+        </p:nvSpPr>
+        <p:spPr/>
+        <p:txBody>
+          <a:bodyPr/>
+          <a:lstStyle/>
+          <a:p>
+            <a:endParaRPr lang="en-US"/>
+          </a:p>
+        </p:txBody>
+      </p:sp>
+      <p:sp>
+        <p:nvSpPr>
+          <p:cNvPr id="3" name="Slide Number Placeholder 2">
+            <a:extLst>
+              <a:ext uri="{FF2B5EF4-FFF2-40B4-BE49-F238E27FC236}">
+                <a16:creationId xmlns:a16="http://schemas.microsoft.com/office/drawing/2014/main" id="{6720C9BE-1EFA-FF2A-F0F3-FD9BFFC8A3D3}"/>
+              </a:ext>
+            </a:extLst>
+          </p:cNvPr>
+          <p:cNvSpPr>
+            <a:spLocks noGrp="1"/>
+          </p:cNvSpPr>
+          <p:nvPr>
+            <p:ph type="sldNum" sz="quarter" idx="12"/>
+          </p:nvPr>
+        </p:nvSpPr>
+        <p:spPr/>
+        <p:txBody>
+          <a:bodyPr/>
+          <a:lstStyle/>
+          <a:p>
+            <a:fld id="{62CBAC88-EF5B-3148-888C-824478CD1B05}" type="slidenum">
+              <a:rPr lang="en-US" smtClean="0"/>
+              <a:t>38</a:t>
+            </a:fld>
+            <a:endParaRPr lang="en-US"/>
           </a:p>
         </p:txBody>
       </p:sp>
@@ -8272,6 +10121,60 @@
           </a:p>
         </p:txBody>
       </p:sp>
+      <p:sp>
+        <p:nvSpPr>
+          <p:cNvPr id="4" name="Footer Placeholder 3">
+            <a:extLst>
+              <a:ext uri="{FF2B5EF4-FFF2-40B4-BE49-F238E27FC236}">
+                <a16:creationId xmlns:a16="http://schemas.microsoft.com/office/drawing/2014/main" id="{788BA3C5-A5F9-E14D-E442-399110A8A88C}"/>
+              </a:ext>
+            </a:extLst>
+          </p:cNvPr>
+          <p:cNvSpPr>
+            <a:spLocks noGrp="1"/>
+          </p:cNvSpPr>
+          <p:nvPr>
+            <p:ph type="ftr" sz="quarter" idx="11"/>
+          </p:nvPr>
+        </p:nvSpPr>
+        <p:spPr/>
+        <p:txBody>
+          <a:bodyPr/>
+          <a:lstStyle/>
+          <a:p>
+            <a:endParaRPr lang="en-US"/>
+          </a:p>
+        </p:txBody>
+      </p:sp>
+      <p:sp>
+        <p:nvSpPr>
+          <p:cNvPr id="5" name="Slide Number Placeholder 4">
+            <a:extLst>
+              <a:ext uri="{FF2B5EF4-FFF2-40B4-BE49-F238E27FC236}">
+                <a16:creationId xmlns:a16="http://schemas.microsoft.com/office/drawing/2014/main" id="{165F127A-C011-D22F-7BEA-F07783BDE4D4}"/>
+              </a:ext>
+            </a:extLst>
+          </p:cNvPr>
+          <p:cNvSpPr>
+            <a:spLocks noGrp="1"/>
+          </p:cNvSpPr>
+          <p:nvPr>
+            <p:ph type="sldNum" sz="quarter" idx="12"/>
+          </p:nvPr>
+        </p:nvSpPr>
+        <p:spPr/>
+        <p:txBody>
+          <a:bodyPr/>
+          <a:lstStyle/>
+          <a:p>
+            <a:fld id="{62CBAC88-EF5B-3148-888C-824478CD1B05}" type="slidenum">
+              <a:rPr lang="en-US" smtClean="0"/>
+              <a:t>39</a:t>
+            </a:fld>
+            <a:endParaRPr lang="en-US"/>
+          </a:p>
+        </p:txBody>
+      </p:sp>
     </p:spTree>
     <p:extLst>
       <p:ext uri="{BB962C8B-B14F-4D97-AF65-F5344CB8AC3E}">
@@ -8430,6 +10333,63 @@
           </a:p>
         </p:txBody>
       </p:sp>
+      <p:sp>
+        <p:nvSpPr>
+          <p:cNvPr id="4" name="Footer Placeholder 3">
+            <a:extLst>
+              <a:ext uri="{FF2B5EF4-FFF2-40B4-BE49-F238E27FC236}">
+                <a16:creationId xmlns:a16="http://schemas.microsoft.com/office/drawing/2014/main" id="{C4190007-BE00-1420-A4CF-317F766E176D}"/>
+              </a:ext>
+            </a:extLst>
+          </p:cNvPr>
+          <p:cNvSpPr>
+            <a:spLocks noGrp="1"/>
+          </p:cNvSpPr>
+          <p:nvPr>
+            <p:ph type="ftr" sz="quarter" idx="11"/>
+          </p:nvPr>
+        </p:nvSpPr>
+        <p:spPr/>
+        <p:txBody>
+          <a:bodyPr/>
+          <a:lstStyle/>
+          <a:p>
+            <a:r>
+              <a:rPr lang="en-US" dirty="0"/>
+              <a:t>© Steve Beaty and others as cited</a:t>
+            </a:r>
+          </a:p>
+        </p:txBody>
+      </p:sp>
+      <p:sp>
+        <p:nvSpPr>
+          <p:cNvPr id="5" name="Slide Number Placeholder 4">
+            <a:extLst>
+              <a:ext uri="{FF2B5EF4-FFF2-40B4-BE49-F238E27FC236}">
+                <a16:creationId xmlns:a16="http://schemas.microsoft.com/office/drawing/2014/main" id="{F5363098-D876-AC79-6ADA-DC4C6F8AFC4A}"/>
+              </a:ext>
+            </a:extLst>
+          </p:cNvPr>
+          <p:cNvSpPr>
+            <a:spLocks noGrp="1"/>
+          </p:cNvSpPr>
+          <p:nvPr>
+            <p:ph type="sldNum" sz="quarter" idx="12"/>
+          </p:nvPr>
+        </p:nvSpPr>
+        <p:spPr/>
+        <p:txBody>
+          <a:bodyPr/>
+          <a:lstStyle/>
+          <a:p>
+            <a:fld id="{62CBAC88-EF5B-3148-888C-824478CD1B05}" type="slidenum">
+              <a:rPr lang="en-US" smtClean="0"/>
+              <a:t>4</a:t>
+            </a:fld>
+            <a:endParaRPr lang="en-US"/>
+          </a:p>
+        </p:txBody>
+      </p:sp>
     </p:spTree>
     <p:extLst>
       <p:ext uri="{BB962C8B-B14F-4D97-AF65-F5344CB8AC3E}">
@@ -8704,6 +10664,60 @@
           </a:p>
         </p:txBody>
       </p:sp>
+      <p:sp>
+        <p:nvSpPr>
+          <p:cNvPr id="4" name="Footer Placeholder 3">
+            <a:extLst>
+              <a:ext uri="{FF2B5EF4-FFF2-40B4-BE49-F238E27FC236}">
+                <a16:creationId xmlns:a16="http://schemas.microsoft.com/office/drawing/2014/main" id="{DA45BBA0-A150-A4C4-4321-82FB779619D6}"/>
+              </a:ext>
+            </a:extLst>
+          </p:cNvPr>
+          <p:cNvSpPr>
+            <a:spLocks noGrp="1"/>
+          </p:cNvSpPr>
+          <p:nvPr>
+            <p:ph type="ftr" sz="quarter" idx="11"/>
+          </p:nvPr>
+        </p:nvSpPr>
+        <p:spPr/>
+        <p:txBody>
+          <a:bodyPr/>
+          <a:lstStyle/>
+          <a:p>
+            <a:endParaRPr lang="en-US"/>
+          </a:p>
+        </p:txBody>
+      </p:sp>
+      <p:sp>
+        <p:nvSpPr>
+          <p:cNvPr id="5" name="Slide Number Placeholder 4">
+            <a:extLst>
+              <a:ext uri="{FF2B5EF4-FFF2-40B4-BE49-F238E27FC236}">
+                <a16:creationId xmlns:a16="http://schemas.microsoft.com/office/drawing/2014/main" id="{5BEB7E12-180D-BEB0-81E3-67B602E4E3AA}"/>
+              </a:ext>
+            </a:extLst>
+          </p:cNvPr>
+          <p:cNvSpPr>
+            <a:spLocks noGrp="1"/>
+          </p:cNvSpPr>
+          <p:nvPr>
+            <p:ph type="sldNum" sz="quarter" idx="12"/>
+          </p:nvPr>
+        </p:nvSpPr>
+        <p:spPr/>
+        <p:txBody>
+          <a:bodyPr/>
+          <a:lstStyle/>
+          <a:p>
+            <a:fld id="{62CBAC88-EF5B-3148-888C-824478CD1B05}" type="slidenum">
+              <a:rPr lang="en-US" smtClean="0"/>
+              <a:t>40</a:t>
+            </a:fld>
+            <a:endParaRPr lang="en-US"/>
+          </a:p>
+        </p:txBody>
+      </p:sp>
     </p:spTree>
     <p:extLst>
       <p:ext uri="{BB962C8B-B14F-4D97-AF65-F5344CB8AC3E}">
@@ -8841,6 +10855,60 @@
           </a:p>
         </p:txBody>
       </p:sp>
+      <p:sp>
+        <p:nvSpPr>
+          <p:cNvPr id="4" name="Footer Placeholder 3">
+            <a:extLst>
+              <a:ext uri="{FF2B5EF4-FFF2-40B4-BE49-F238E27FC236}">
+                <a16:creationId xmlns:a16="http://schemas.microsoft.com/office/drawing/2014/main" id="{784DF91B-776A-67C6-AD05-23CCFE15C244}"/>
+              </a:ext>
+            </a:extLst>
+          </p:cNvPr>
+          <p:cNvSpPr>
+            <a:spLocks noGrp="1"/>
+          </p:cNvSpPr>
+          <p:nvPr>
+            <p:ph type="ftr" sz="quarter" idx="11"/>
+          </p:nvPr>
+        </p:nvSpPr>
+        <p:spPr/>
+        <p:txBody>
+          <a:bodyPr/>
+          <a:lstStyle/>
+          <a:p>
+            <a:endParaRPr lang="en-US"/>
+          </a:p>
+        </p:txBody>
+      </p:sp>
+      <p:sp>
+        <p:nvSpPr>
+          <p:cNvPr id="5" name="Slide Number Placeholder 4">
+            <a:extLst>
+              <a:ext uri="{FF2B5EF4-FFF2-40B4-BE49-F238E27FC236}">
+                <a16:creationId xmlns:a16="http://schemas.microsoft.com/office/drawing/2014/main" id="{C555B635-98A4-EFDE-B3A4-0EAF14377861}"/>
+              </a:ext>
+            </a:extLst>
+          </p:cNvPr>
+          <p:cNvSpPr>
+            <a:spLocks noGrp="1"/>
+          </p:cNvSpPr>
+          <p:nvPr>
+            <p:ph type="sldNum" sz="quarter" idx="12"/>
+          </p:nvPr>
+        </p:nvSpPr>
+        <p:spPr/>
+        <p:txBody>
+          <a:bodyPr/>
+          <a:lstStyle/>
+          <a:p>
+            <a:fld id="{62CBAC88-EF5B-3148-888C-824478CD1B05}" type="slidenum">
+              <a:rPr lang="en-US" smtClean="0"/>
+              <a:t>41</a:t>
+            </a:fld>
+            <a:endParaRPr lang="en-US"/>
+          </a:p>
+        </p:txBody>
+      </p:sp>
     </p:spTree>
     <p:extLst>
       <p:ext uri="{BB962C8B-B14F-4D97-AF65-F5344CB8AC3E}">
@@ -8986,6 +11054,60 @@
           </a:p>
         </p:txBody>
       </p:sp>
+      <p:sp>
+        <p:nvSpPr>
+          <p:cNvPr id="4" name="Footer Placeholder 3">
+            <a:extLst>
+              <a:ext uri="{FF2B5EF4-FFF2-40B4-BE49-F238E27FC236}">
+                <a16:creationId xmlns:a16="http://schemas.microsoft.com/office/drawing/2014/main" id="{AD15E149-FA05-0271-FCF8-6BFF3431E944}"/>
+              </a:ext>
+            </a:extLst>
+          </p:cNvPr>
+          <p:cNvSpPr>
+            <a:spLocks noGrp="1"/>
+          </p:cNvSpPr>
+          <p:nvPr>
+            <p:ph type="ftr" sz="quarter" idx="11"/>
+          </p:nvPr>
+        </p:nvSpPr>
+        <p:spPr/>
+        <p:txBody>
+          <a:bodyPr/>
+          <a:lstStyle/>
+          <a:p>
+            <a:endParaRPr lang="en-US"/>
+          </a:p>
+        </p:txBody>
+      </p:sp>
+      <p:sp>
+        <p:nvSpPr>
+          <p:cNvPr id="5" name="Slide Number Placeholder 4">
+            <a:extLst>
+              <a:ext uri="{FF2B5EF4-FFF2-40B4-BE49-F238E27FC236}">
+                <a16:creationId xmlns:a16="http://schemas.microsoft.com/office/drawing/2014/main" id="{3A8198EE-72EA-A401-4047-877387FFC0B9}"/>
+              </a:ext>
+            </a:extLst>
+          </p:cNvPr>
+          <p:cNvSpPr>
+            <a:spLocks noGrp="1"/>
+          </p:cNvSpPr>
+          <p:nvPr>
+            <p:ph type="sldNum" sz="quarter" idx="12"/>
+          </p:nvPr>
+        </p:nvSpPr>
+        <p:spPr/>
+        <p:txBody>
+          <a:bodyPr/>
+          <a:lstStyle/>
+          <a:p>
+            <a:fld id="{62CBAC88-EF5B-3148-888C-824478CD1B05}" type="slidenum">
+              <a:rPr lang="en-US" smtClean="0"/>
+              <a:t>42</a:t>
+            </a:fld>
+            <a:endParaRPr lang="en-US"/>
+          </a:p>
+        </p:txBody>
+      </p:sp>
     </p:spTree>
     <p:extLst>
       <p:ext uri="{BB962C8B-B14F-4D97-AF65-F5344CB8AC3E}">
@@ -9120,6 +11242,60 @@
           </a:p>
         </p:txBody>
       </p:sp>
+      <p:sp>
+        <p:nvSpPr>
+          <p:cNvPr id="4" name="Footer Placeholder 3">
+            <a:extLst>
+              <a:ext uri="{FF2B5EF4-FFF2-40B4-BE49-F238E27FC236}">
+                <a16:creationId xmlns:a16="http://schemas.microsoft.com/office/drawing/2014/main" id="{8BA81AF8-5BD9-9D83-8BFE-A0B0EE468A3C}"/>
+              </a:ext>
+            </a:extLst>
+          </p:cNvPr>
+          <p:cNvSpPr>
+            <a:spLocks noGrp="1"/>
+          </p:cNvSpPr>
+          <p:nvPr>
+            <p:ph type="ftr" sz="quarter" idx="11"/>
+          </p:nvPr>
+        </p:nvSpPr>
+        <p:spPr/>
+        <p:txBody>
+          <a:bodyPr/>
+          <a:lstStyle/>
+          <a:p>
+            <a:endParaRPr lang="en-US"/>
+          </a:p>
+        </p:txBody>
+      </p:sp>
+      <p:sp>
+        <p:nvSpPr>
+          <p:cNvPr id="5" name="Slide Number Placeholder 4">
+            <a:extLst>
+              <a:ext uri="{FF2B5EF4-FFF2-40B4-BE49-F238E27FC236}">
+                <a16:creationId xmlns:a16="http://schemas.microsoft.com/office/drawing/2014/main" id="{58900DBB-0915-36BB-A25C-395121806BEF}"/>
+              </a:ext>
+            </a:extLst>
+          </p:cNvPr>
+          <p:cNvSpPr>
+            <a:spLocks noGrp="1"/>
+          </p:cNvSpPr>
+          <p:nvPr>
+            <p:ph type="sldNum" sz="quarter" idx="12"/>
+          </p:nvPr>
+        </p:nvSpPr>
+        <p:spPr/>
+        <p:txBody>
+          <a:bodyPr/>
+          <a:lstStyle/>
+          <a:p>
+            <a:fld id="{62CBAC88-EF5B-3148-888C-824478CD1B05}" type="slidenum">
+              <a:rPr lang="en-US" smtClean="0"/>
+              <a:t>43</a:t>
+            </a:fld>
+            <a:endParaRPr lang="en-US"/>
+          </a:p>
+        </p:txBody>
+      </p:sp>
     </p:spTree>
     <p:extLst>
       <p:ext uri="{BB962C8B-B14F-4D97-AF65-F5344CB8AC3E}">
@@ -9267,6 +11443,60 @@
           </a:p>
         </p:txBody>
       </p:sp>
+      <p:sp>
+        <p:nvSpPr>
+          <p:cNvPr id="4" name="Footer Placeholder 3">
+            <a:extLst>
+              <a:ext uri="{FF2B5EF4-FFF2-40B4-BE49-F238E27FC236}">
+                <a16:creationId xmlns:a16="http://schemas.microsoft.com/office/drawing/2014/main" id="{7039B092-A838-8475-E663-CD203C91C134}"/>
+              </a:ext>
+            </a:extLst>
+          </p:cNvPr>
+          <p:cNvSpPr>
+            <a:spLocks noGrp="1"/>
+          </p:cNvSpPr>
+          <p:nvPr>
+            <p:ph type="ftr" sz="quarter" idx="11"/>
+          </p:nvPr>
+        </p:nvSpPr>
+        <p:spPr/>
+        <p:txBody>
+          <a:bodyPr/>
+          <a:lstStyle/>
+          <a:p>
+            <a:endParaRPr lang="en-US"/>
+          </a:p>
+        </p:txBody>
+      </p:sp>
+      <p:sp>
+        <p:nvSpPr>
+          <p:cNvPr id="5" name="Slide Number Placeholder 4">
+            <a:extLst>
+              <a:ext uri="{FF2B5EF4-FFF2-40B4-BE49-F238E27FC236}">
+                <a16:creationId xmlns:a16="http://schemas.microsoft.com/office/drawing/2014/main" id="{10F1E6F3-BBF9-39AC-831A-9C3DA6CCAAA3}"/>
+              </a:ext>
+            </a:extLst>
+          </p:cNvPr>
+          <p:cNvSpPr>
+            <a:spLocks noGrp="1"/>
+          </p:cNvSpPr>
+          <p:nvPr>
+            <p:ph type="sldNum" sz="quarter" idx="12"/>
+          </p:nvPr>
+        </p:nvSpPr>
+        <p:spPr/>
+        <p:txBody>
+          <a:bodyPr/>
+          <a:lstStyle/>
+          <a:p>
+            <a:fld id="{62CBAC88-EF5B-3148-888C-824478CD1B05}" type="slidenum">
+              <a:rPr lang="en-US" smtClean="0"/>
+              <a:t>44</a:t>
+            </a:fld>
+            <a:endParaRPr lang="en-US"/>
+          </a:p>
+        </p:txBody>
+      </p:sp>
     </p:spTree>
     <p:extLst>
       <p:ext uri="{BB962C8B-B14F-4D97-AF65-F5344CB8AC3E}">
@@ -9423,6 +11653,60 @@
           </a:p>
         </p:txBody>
       </p:sp>
+      <p:sp>
+        <p:nvSpPr>
+          <p:cNvPr id="4" name="Footer Placeholder 3">
+            <a:extLst>
+              <a:ext uri="{FF2B5EF4-FFF2-40B4-BE49-F238E27FC236}">
+                <a16:creationId xmlns:a16="http://schemas.microsoft.com/office/drawing/2014/main" id="{EEB0673F-D8BE-F759-C7BF-4C9E0094E3ED}"/>
+              </a:ext>
+            </a:extLst>
+          </p:cNvPr>
+          <p:cNvSpPr>
+            <a:spLocks noGrp="1"/>
+          </p:cNvSpPr>
+          <p:nvPr>
+            <p:ph type="ftr" sz="quarter" idx="11"/>
+          </p:nvPr>
+        </p:nvSpPr>
+        <p:spPr/>
+        <p:txBody>
+          <a:bodyPr/>
+          <a:lstStyle/>
+          <a:p>
+            <a:endParaRPr lang="en-US"/>
+          </a:p>
+        </p:txBody>
+      </p:sp>
+      <p:sp>
+        <p:nvSpPr>
+          <p:cNvPr id="5" name="Slide Number Placeholder 4">
+            <a:extLst>
+              <a:ext uri="{FF2B5EF4-FFF2-40B4-BE49-F238E27FC236}">
+                <a16:creationId xmlns:a16="http://schemas.microsoft.com/office/drawing/2014/main" id="{4DF2B884-2B11-4054-F40C-F01C2CEFDD82}"/>
+              </a:ext>
+            </a:extLst>
+          </p:cNvPr>
+          <p:cNvSpPr>
+            <a:spLocks noGrp="1"/>
+          </p:cNvSpPr>
+          <p:nvPr>
+            <p:ph type="sldNum" sz="quarter" idx="12"/>
+          </p:nvPr>
+        </p:nvSpPr>
+        <p:spPr/>
+        <p:txBody>
+          <a:bodyPr/>
+          <a:lstStyle/>
+          <a:p>
+            <a:fld id="{62CBAC88-EF5B-3148-888C-824478CD1B05}" type="slidenum">
+              <a:rPr lang="en-US" smtClean="0"/>
+              <a:t>45</a:t>
+            </a:fld>
+            <a:endParaRPr lang="en-US"/>
+          </a:p>
+        </p:txBody>
+      </p:sp>
     </p:spTree>
     <p:extLst>
       <p:ext uri="{BB962C8B-B14F-4D97-AF65-F5344CB8AC3E}">
@@ -9624,6 +11908,60 @@
           </a:p>
         </p:txBody>
       </p:sp>
+      <p:sp>
+        <p:nvSpPr>
+          <p:cNvPr id="4" name="Footer Placeholder 3">
+            <a:extLst>
+              <a:ext uri="{FF2B5EF4-FFF2-40B4-BE49-F238E27FC236}">
+                <a16:creationId xmlns:a16="http://schemas.microsoft.com/office/drawing/2014/main" id="{84A5C5FE-1E0D-AB4E-D5F3-ACAD1420C918}"/>
+              </a:ext>
+            </a:extLst>
+          </p:cNvPr>
+          <p:cNvSpPr>
+            <a:spLocks noGrp="1"/>
+          </p:cNvSpPr>
+          <p:nvPr>
+            <p:ph type="ftr" sz="quarter" idx="11"/>
+          </p:nvPr>
+        </p:nvSpPr>
+        <p:spPr/>
+        <p:txBody>
+          <a:bodyPr/>
+          <a:lstStyle/>
+          <a:p>
+            <a:endParaRPr lang="en-US"/>
+          </a:p>
+        </p:txBody>
+      </p:sp>
+      <p:sp>
+        <p:nvSpPr>
+          <p:cNvPr id="5" name="Slide Number Placeholder 4">
+            <a:extLst>
+              <a:ext uri="{FF2B5EF4-FFF2-40B4-BE49-F238E27FC236}">
+                <a16:creationId xmlns:a16="http://schemas.microsoft.com/office/drawing/2014/main" id="{7DF8AB82-24C9-CA5F-CC11-38DD892BE77B}"/>
+              </a:ext>
+            </a:extLst>
+          </p:cNvPr>
+          <p:cNvSpPr>
+            <a:spLocks noGrp="1"/>
+          </p:cNvSpPr>
+          <p:nvPr>
+            <p:ph type="sldNum" sz="quarter" idx="12"/>
+          </p:nvPr>
+        </p:nvSpPr>
+        <p:spPr/>
+        <p:txBody>
+          <a:bodyPr/>
+          <a:lstStyle/>
+          <a:p>
+            <a:fld id="{62CBAC88-EF5B-3148-888C-824478CD1B05}" type="slidenum">
+              <a:rPr lang="en-US" smtClean="0"/>
+              <a:t>46</a:t>
+            </a:fld>
+            <a:endParaRPr lang="en-US"/>
+          </a:p>
+        </p:txBody>
+      </p:sp>
     </p:spTree>
     <p:extLst>
       <p:ext uri="{BB962C8B-B14F-4D97-AF65-F5344CB8AC3E}">
@@ -9712,12 +12050,7 @@
             <p:ph idx="1"/>
           </p:nvPr>
         </p:nvSpPr>
-        <p:spPr>
-          <a:xfrm>
-            <a:off x="609600" y="1600201"/>
-            <a:ext cx="10972800" cy="4525963"/>
-          </a:xfrm>
-        </p:spPr>
+        <p:spPr/>
         <p:txBody>
           <a:bodyPr>
             <a:normAutofit/>
@@ -9756,6 +12089,60 @@
               <a:rPr lang="en-US" dirty="0"/>
               <a:t>Two defaults: notice and alert</a:t>
             </a:r>
+          </a:p>
+        </p:txBody>
+      </p:sp>
+      <p:sp>
+        <p:nvSpPr>
+          <p:cNvPr id="2" name="Footer Placeholder 1">
+            <a:extLst>
+              <a:ext uri="{FF2B5EF4-FFF2-40B4-BE49-F238E27FC236}">
+                <a16:creationId xmlns:a16="http://schemas.microsoft.com/office/drawing/2014/main" id="{B581C33F-FD2D-CC75-3B65-2AEF8962D85D}"/>
+              </a:ext>
+            </a:extLst>
+          </p:cNvPr>
+          <p:cNvSpPr>
+            <a:spLocks noGrp="1"/>
+          </p:cNvSpPr>
+          <p:nvPr>
+            <p:ph type="ftr" sz="quarter" idx="11"/>
+          </p:nvPr>
+        </p:nvSpPr>
+        <p:spPr/>
+        <p:txBody>
+          <a:bodyPr/>
+          <a:lstStyle/>
+          <a:p>
+            <a:endParaRPr lang="en-US"/>
+          </a:p>
+        </p:txBody>
+      </p:sp>
+      <p:sp>
+        <p:nvSpPr>
+          <p:cNvPr id="3" name="Slide Number Placeholder 2">
+            <a:extLst>
+              <a:ext uri="{FF2B5EF4-FFF2-40B4-BE49-F238E27FC236}">
+                <a16:creationId xmlns:a16="http://schemas.microsoft.com/office/drawing/2014/main" id="{37AEF6E4-6AB0-DFBE-9C15-E423374FC7E6}"/>
+              </a:ext>
+            </a:extLst>
+          </p:cNvPr>
+          <p:cNvSpPr>
+            <a:spLocks noGrp="1"/>
+          </p:cNvSpPr>
+          <p:nvPr>
+            <p:ph type="sldNum" sz="quarter" idx="12"/>
+          </p:nvPr>
+        </p:nvSpPr>
+        <p:spPr/>
+        <p:txBody>
+          <a:bodyPr/>
+          <a:lstStyle/>
+          <a:p>
+            <a:fld id="{62CBAC88-EF5B-3148-888C-824478CD1B05}" type="slidenum">
+              <a:rPr lang="en-US" smtClean="0"/>
+              <a:t>47</a:t>
+            </a:fld>
+            <a:endParaRPr lang="en-US"/>
           </a:p>
         </p:txBody>
       </p:sp>
@@ -9946,6 +12333,60 @@
           </a:p>
         </p:txBody>
       </p:sp>
+      <p:sp>
+        <p:nvSpPr>
+          <p:cNvPr id="4" name="Footer Placeholder 3">
+            <a:extLst>
+              <a:ext uri="{FF2B5EF4-FFF2-40B4-BE49-F238E27FC236}">
+                <a16:creationId xmlns:a16="http://schemas.microsoft.com/office/drawing/2014/main" id="{0E3C242B-5028-1454-22BA-69FF19DF3291}"/>
+              </a:ext>
+            </a:extLst>
+          </p:cNvPr>
+          <p:cNvSpPr>
+            <a:spLocks noGrp="1"/>
+          </p:cNvSpPr>
+          <p:nvPr>
+            <p:ph type="ftr" sz="quarter" idx="11"/>
+          </p:nvPr>
+        </p:nvSpPr>
+        <p:spPr/>
+        <p:txBody>
+          <a:bodyPr/>
+          <a:lstStyle/>
+          <a:p>
+            <a:endParaRPr lang="en-US"/>
+          </a:p>
+        </p:txBody>
+      </p:sp>
+      <p:sp>
+        <p:nvSpPr>
+          <p:cNvPr id="5" name="Slide Number Placeholder 4">
+            <a:extLst>
+              <a:ext uri="{FF2B5EF4-FFF2-40B4-BE49-F238E27FC236}">
+                <a16:creationId xmlns:a16="http://schemas.microsoft.com/office/drawing/2014/main" id="{2FC6C047-6E37-B5DA-194C-B4B777DC0C98}"/>
+              </a:ext>
+            </a:extLst>
+          </p:cNvPr>
+          <p:cNvSpPr>
+            <a:spLocks noGrp="1"/>
+          </p:cNvSpPr>
+          <p:nvPr>
+            <p:ph type="sldNum" sz="quarter" idx="12"/>
+          </p:nvPr>
+        </p:nvSpPr>
+        <p:spPr/>
+        <p:txBody>
+          <a:bodyPr/>
+          <a:lstStyle/>
+          <a:p>
+            <a:fld id="{62CBAC88-EF5B-3148-888C-824478CD1B05}" type="slidenum">
+              <a:rPr lang="en-US" smtClean="0"/>
+              <a:t>48</a:t>
+            </a:fld>
+            <a:endParaRPr lang="en-US"/>
+          </a:p>
+        </p:txBody>
+      </p:sp>
     </p:spTree>
     <p:extLst>
       <p:ext uri="{BB962C8B-B14F-4D97-AF65-F5344CB8AC3E}">
@@ -10107,6 +12548,60 @@
           </a:p>
         </p:txBody>
       </p:sp>
+      <p:sp>
+        <p:nvSpPr>
+          <p:cNvPr id="4" name="Footer Placeholder 3">
+            <a:extLst>
+              <a:ext uri="{FF2B5EF4-FFF2-40B4-BE49-F238E27FC236}">
+                <a16:creationId xmlns:a16="http://schemas.microsoft.com/office/drawing/2014/main" id="{050B5E34-B816-4371-3758-4090E924820F}"/>
+              </a:ext>
+            </a:extLst>
+          </p:cNvPr>
+          <p:cNvSpPr>
+            <a:spLocks noGrp="1"/>
+          </p:cNvSpPr>
+          <p:nvPr>
+            <p:ph type="ftr" sz="quarter" idx="11"/>
+          </p:nvPr>
+        </p:nvSpPr>
+        <p:spPr/>
+        <p:txBody>
+          <a:bodyPr/>
+          <a:lstStyle/>
+          <a:p>
+            <a:endParaRPr lang="en-US"/>
+          </a:p>
+        </p:txBody>
+      </p:sp>
+      <p:sp>
+        <p:nvSpPr>
+          <p:cNvPr id="5" name="Slide Number Placeholder 4">
+            <a:extLst>
+              <a:ext uri="{FF2B5EF4-FFF2-40B4-BE49-F238E27FC236}">
+                <a16:creationId xmlns:a16="http://schemas.microsoft.com/office/drawing/2014/main" id="{079DE7B7-A9B6-F0D6-6158-D63F330C46A7}"/>
+              </a:ext>
+            </a:extLst>
+          </p:cNvPr>
+          <p:cNvSpPr>
+            <a:spLocks noGrp="1"/>
+          </p:cNvSpPr>
+          <p:nvPr>
+            <p:ph type="sldNum" sz="quarter" idx="12"/>
+          </p:nvPr>
+        </p:nvSpPr>
+        <p:spPr/>
+        <p:txBody>
+          <a:bodyPr/>
+          <a:lstStyle/>
+          <a:p>
+            <a:fld id="{62CBAC88-EF5B-3148-888C-824478CD1B05}" type="slidenum">
+              <a:rPr lang="en-US" smtClean="0"/>
+              <a:t>49</a:t>
+            </a:fld>
+            <a:endParaRPr lang="en-US"/>
+          </a:p>
+        </p:txBody>
+      </p:sp>
     </p:spTree>
     <p:extLst>
       <p:ext uri="{BB962C8B-B14F-4D97-AF65-F5344CB8AC3E}">
@@ -10232,6 +12727,60 @@
           </a:p>
           <a:p>
             <a:endParaRPr lang="en-US" dirty="0"/>
+          </a:p>
+        </p:txBody>
+      </p:sp>
+      <p:sp>
+        <p:nvSpPr>
+          <p:cNvPr id="4" name="Footer Placeholder 3">
+            <a:extLst>
+              <a:ext uri="{FF2B5EF4-FFF2-40B4-BE49-F238E27FC236}">
+                <a16:creationId xmlns:a16="http://schemas.microsoft.com/office/drawing/2014/main" id="{FB6F2A00-A0E5-8464-7F9F-97301F7962B5}"/>
+              </a:ext>
+            </a:extLst>
+          </p:cNvPr>
+          <p:cNvSpPr>
+            <a:spLocks noGrp="1"/>
+          </p:cNvSpPr>
+          <p:nvPr>
+            <p:ph type="ftr" sz="quarter" idx="11"/>
+          </p:nvPr>
+        </p:nvSpPr>
+        <p:spPr/>
+        <p:txBody>
+          <a:bodyPr/>
+          <a:lstStyle/>
+          <a:p>
+            <a:endParaRPr lang="en-US"/>
+          </a:p>
+        </p:txBody>
+      </p:sp>
+      <p:sp>
+        <p:nvSpPr>
+          <p:cNvPr id="5" name="Slide Number Placeholder 4">
+            <a:extLst>
+              <a:ext uri="{FF2B5EF4-FFF2-40B4-BE49-F238E27FC236}">
+                <a16:creationId xmlns:a16="http://schemas.microsoft.com/office/drawing/2014/main" id="{B6A7B0B4-5E14-8918-6F38-B25837A31327}"/>
+              </a:ext>
+            </a:extLst>
+          </p:cNvPr>
+          <p:cNvSpPr>
+            <a:spLocks noGrp="1"/>
+          </p:cNvSpPr>
+          <p:nvPr>
+            <p:ph type="sldNum" sz="quarter" idx="12"/>
+          </p:nvPr>
+        </p:nvSpPr>
+        <p:spPr/>
+        <p:txBody>
+          <a:bodyPr/>
+          <a:lstStyle/>
+          <a:p>
+            <a:fld id="{62CBAC88-EF5B-3148-888C-824478CD1B05}" type="slidenum">
+              <a:rPr lang="en-US" smtClean="0"/>
+              <a:t>5</a:t>
+            </a:fld>
+            <a:endParaRPr lang="en-US"/>
           </a:p>
         </p:txBody>
       </p:sp>
@@ -10454,6 +13003,60 @@
           </a:p>
         </p:txBody>
       </p:sp>
+      <p:sp>
+        <p:nvSpPr>
+          <p:cNvPr id="4" name="Footer Placeholder 3">
+            <a:extLst>
+              <a:ext uri="{FF2B5EF4-FFF2-40B4-BE49-F238E27FC236}">
+                <a16:creationId xmlns:a16="http://schemas.microsoft.com/office/drawing/2014/main" id="{88D009F6-20D5-6889-E7E5-642E9C756C83}"/>
+              </a:ext>
+            </a:extLst>
+          </p:cNvPr>
+          <p:cNvSpPr>
+            <a:spLocks noGrp="1"/>
+          </p:cNvSpPr>
+          <p:nvPr>
+            <p:ph type="ftr" sz="quarter" idx="11"/>
+          </p:nvPr>
+        </p:nvSpPr>
+        <p:spPr/>
+        <p:txBody>
+          <a:bodyPr/>
+          <a:lstStyle/>
+          <a:p>
+            <a:endParaRPr lang="en-US"/>
+          </a:p>
+        </p:txBody>
+      </p:sp>
+      <p:sp>
+        <p:nvSpPr>
+          <p:cNvPr id="5" name="Slide Number Placeholder 4">
+            <a:extLst>
+              <a:ext uri="{FF2B5EF4-FFF2-40B4-BE49-F238E27FC236}">
+                <a16:creationId xmlns:a16="http://schemas.microsoft.com/office/drawing/2014/main" id="{2D48CD21-FE62-157D-E901-F09C12C54426}"/>
+              </a:ext>
+            </a:extLst>
+          </p:cNvPr>
+          <p:cNvSpPr>
+            <a:spLocks noGrp="1"/>
+          </p:cNvSpPr>
+          <p:nvPr>
+            <p:ph type="sldNum" sz="quarter" idx="12"/>
+          </p:nvPr>
+        </p:nvSpPr>
+        <p:spPr/>
+        <p:txBody>
+          <a:bodyPr/>
+          <a:lstStyle/>
+          <a:p>
+            <a:fld id="{62CBAC88-EF5B-3148-888C-824478CD1B05}" type="slidenum">
+              <a:rPr lang="en-US" smtClean="0"/>
+              <a:t>50</a:t>
+            </a:fld>
+            <a:endParaRPr lang="en-US"/>
+          </a:p>
+        </p:txBody>
+      </p:sp>
     </p:spTree>
     <p:extLst>
       <p:ext uri="{BB962C8B-B14F-4D97-AF65-F5344CB8AC3E}">
@@ -10590,6 +13193,60 @@
           </a:p>
         </p:txBody>
       </p:sp>
+      <p:sp>
+        <p:nvSpPr>
+          <p:cNvPr id="4" name="Footer Placeholder 3">
+            <a:extLst>
+              <a:ext uri="{FF2B5EF4-FFF2-40B4-BE49-F238E27FC236}">
+                <a16:creationId xmlns:a16="http://schemas.microsoft.com/office/drawing/2014/main" id="{3D465729-BBAE-B781-0386-AFEDED35720F}"/>
+              </a:ext>
+            </a:extLst>
+          </p:cNvPr>
+          <p:cNvSpPr>
+            <a:spLocks noGrp="1"/>
+          </p:cNvSpPr>
+          <p:nvPr>
+            <p:ph type="ftr" sz="quarter" idx="11"/>
+          </p:nvPr>
+        </p:nvSpPr>
+        <p:spPr/>
+        <p:txBody>
+          <a:bodyPr/>
+          <a:lstStyle/>
+          <a:p>
+            <a:endParaRPr lang="en-US"/>
+          </a:p>
+        </p:txBody>
+      </p:sp>
+      <p:sp>
+        <p:nvSpPr>
+          <p:cNvPr id="5" name="Slide Number Placeholder 4">
+            <a:extLst>
+              <a:ext uri="{FF2B5EF4-FFF2-40B4-BE49-F238E27FC236}">
+                <a16:creationId xmlns:a16="http://schemas.microsoft.com/office/drawing/2014/main" id="{F91D2FFF-C543-BA13-D5F5-5E3833E7037E}"/>
+              </a:ext>
+            </a:extLst>
+          </p:cNvPr>
+          <p:cNvSpPr>
+            <a:spLocks noGrp="1"/>
+          </p:cNvSpPr>
+          <p:nvPr>
+            <p:ph type="sldNum" sz="quarter" idx="12"/>
+          </p:nvPr>
+        </p:nvSpPr>
+        <p:spPr/>
+        <p:txBody>
+          <a:bodyPr/>
+          <a:lstStyle/>
+          <a:p>
+            <a:fld id="{62CBAC88-EF5B-3148-888C-824478CD1B05}" type="slidenum">
+              <a:rPr lang="en-US" smtClean="0"/>
+              <a:t>51</a:t>
+            </a:fld>
+            <a:endParaRPr lang="en-US"/>
+          </a:p>
+        </p:txBody>
+      </p:sp>
     </p:spTree>
     <p:extLst>
       <p:ext uri="{BB962C8B-B14F-4D97-AF65-F5344CB8AC3E}">
@@ -10827,6 +13484,60 @@
           </a:p>
         </p:txBody>
       </p:sp>
+      <p:sp>
+        <p:nvSpPr>
+          <p:cNvPr id="4" name="Footer Placeholder 3">
+            <a:extLst>
+              <a:ext uri="{FF2B5EF4-FFF2-40B4-BE49-F238E27FC236}">
+                <a16:creationId xmlns:a16="http://schemas.microsoft.com/office/drawing/2014/main" id="{40F55AEB-FAC8-A431-7156-F21B7D28426D}"/>
+              </a:ext>
+            </a:extLst>
+          </p:cNvPr>
+          <p:cNvSpPr>
+            <a:spLocks noGrp="1"/>
+          </p:cNvSpPr>
+          <p:nvPr>
+            <p:ph type="ftr" sz="quarter" idx="11"/>
+          </p:nvPr>
+        </p:nvSpPr>
+        <p:spPr/>
+        <p:txBody>
+          <a:bodyPr/>
+          <a:lstStyle/>
+          <a:p>
+            <a:endParaRPr lang="en-US"/>
+          </a:p>
+        </p:txBody>
+      </p:sp>
+      <p:sp>
+        <p:nvSpPr>
+          <p:cNvPr id="5" name="Slide Number Placeholder 4">
+            <a:extLst>
+              <a:ext uri="{FF2B5EF4-FFF2-40B4-BE49-F238E27FC236}">
+                <a16:creationId xmlns:a16="http://schemas.microsoft.com/office/drawing/2014/main" id="{D9C5DB47-0B31-3903-07D9-C434926B5752}"/>
+              </a:ext>
+            </a:extLst>
+          </p:cNvPr>
+          <p:cNvSpPr>
+            <a:spLocks noGrp="1"/>
+          </p:cNvSpPr>
+          <p:nvPr>
+            <p:ph type="sldNum" sz="quarter" idx="12"/>
+          </p:nvPr>
+        </p:nvSpPr>
+        <p:spPr/>
+        <p:txBody>
+          <a:bodyPr/>
+          <a:lstStyle/>
+          <a:p>
+            <a:fld id="{62CBAC88-EF5B-3148-888C-824478CD1B05}" type="slidenum">
+              <a:rPr lang="en-US" smtClean="0"/>
+              <a:t>52</a:t>
+            </a:fld>
+            <a:endParaRPr lang="en-US"/>
+          </a:p>
+        </p:txBody>
+      </p:sp>
     </p:spTree>
     <p:extLst>
       <p:ext uri="{BB962C8B-B14F-4D97-AF65-F5344CB8AC3E}">
@@ -10987,6 +13698,60 @@
           </a:p>
         </p:txBody>
       </p:sp>
+      <p:sp>
+        <p:nvSpPr>
+          <p:cNvPr id="4" name="Footer Placeholder 3">
+            <a:extLst>
+              <a:ext uri="{FF2B5EF4-FFF2-40B4-BE49-F238E27FC236}">
+                <a16:creationId xmlns:a16="http://schemas.microsoft.com/office/drawing/2014/main" id="{FB5D15E1-F737-3532-7F3F-720E6FEE0829}"/>
+              </a:ext>
+            </a:extLst>
+          </p:cNvPr>
+          <p:cNvSpPr>
+            <a:spLocks noGrp="1"/>
+          </p:cNvSpPr>
+          <p:nvPr>
+            <p:ph type="ftr" sz="quarter" idx="11"/>
+          </p:nvPr>
+        </p:nvSpPr>
+        <p:spPr/>
+        <p:txBody>
+          <a:bodyPr/>
+          <a:lstStyle/>
+          <a:p>
+            <a:endParaRPr lang="en-US"/>
+          </a:p>
+        </p:txBody>
+      </p:sp>
+      <p:sp>
+        <p:nvSpPr>
+          <p:cNvPr id="5" name="Slide Number Placeholder 4">
+            <a:extLst>
+              <a:ext uri="{FF2B5EF4-FFF2-40B4-BE49-F238E27FC236}">
+                <a16:creationId xmlns:a16="http://schemas.microsoft.com/office/drawing/2014/main" id="{EE403491-137E-15E5-25EA-A046940A70D7}"/>
+              </a:ext>
+            </a:extLst>
+          </p:cNvPr>
+          <p:cNvSpPr>
+            <a:spLocks noGrp="1"/>
+          </p:cNvSpPr>
+          <p:nvPr>
+            <p:ph type="sldNum" sz="quarter" idx="12"/>
+          </p:nvPr>
+        </p:nvSpPr>
+        <p:spPr/>
+        <p:txBody>
+          <a:bodyPr/>
+          <a:lstStyle/>
+          <a:p>
+            <a:fld id="{62CBAC88-EF5B-3148-888C-824478CD1B05}" type="slidenum">
+              <a:rPr lang="en-US" smtClean="0"/>
+              <a:t>53</a:t>
+            </a:fld>
+            <a:endParaRPr lang="en-US"/>
+          </a:p>
+        </p:txBody>
+      </p:sp>
     </p:spTree>
     <p:extLst>
       <p:ext uri="{BB962C8B-B14F-4D97-AF65-F5344CB8AC3E}">
@@ -11118,6 +13883,60 @@
           </a:p>
         </p:txBody>
       </p:sp>
+      <p:sp>
+        <p:nvSpPr>
+          <p:cNvPr id="4" name="Footer Placeholder 3">
+            <a:extLst>
+              <a:ext uri="{FF2B5EF4-FFF2-40B4-BE49-F238E27FC236}">
+                <a16:creationId xmlns:a16="http://schemas.microsoft.com/office/drawing/2014/main" id="{B2EDD956-E17C-54D6-AFEE-91D4C53B5268}"/>
+              </a:ext>
+            </a:extLst>
+          </p:cNvPr>
+          <p:cNvSpPr>
+            <a:spLocks noGrp="1"/>
+          </p:cNvSpPr>
+          <p:nvPr>
+            <p:ph type="ftr" sz="quarter" idx="11"/>
+          </p:nvPr>
+        </p:nvSpPr>
+        <p:spPr/>
+        <p:txBody>
+          <a:bodyPr/>
+          <a:lstStyle/>
+          <a:p>
+            <a:endParaRPr lang="en-US"/>
+          </a:p>
+        </p:txBody>
+      </p:sp>
+      <p:sp>
+        <p:nvSpPr>
+          <p:cNvPr id="5" name="Slide Number Placeholder 4">
+            <a:extLst>
+              <a:ext uri="{FF2B5EF4-FFF2-40B4-BE49-F238E27FC236}">
+                <a16:creationId xmlns:a16="http://schemas.microsoft.com/office/drawing/2014/main" id="{6082B8C3-E608-655B-FFF6-211DF57AC4D0}"/>
+              </a:ext>
+            </a:extLst>
+          </p:cNvPr>
+          <p:cNvSpPr>
+            <a:spLocks noGrp="1"/>
+          </p:cNvSpPr>
+          <p:nvPr>
+            <p:ph type="sldNum" sz="quarter" idx="12"/>
+          </p:nvPr>
+        </p:nvSpPr>
+        <p:spPr/>
+        <p:txBody>
+          <a:bodyPr/>
+          <a:lstStyle/>
+          <a:p>
+            <a:fld id="{62CBAC88-EF5B-3148-888C-824478CD1B05}" type="slidenum">
+              <a:rPr lang="en-US" smtClean="0"/>
+              <a:t>54</a:t>
+            </a:fld>
+            <a:endParaRPr lang="en-US"/>
+          </a:p>
+        </p:txBody>
+      </p:sp>
     </p:spTree>
     <p:extLst>
       <p:ext uri="{BB962C8B-B14F-4D97-AF65-F5344CB8AC3E}">
@@ -11254,6 +14073,60 @@
           </a:p>
         </p:txBody>
       </p:sp>
+      <p:sp>
+        <p:nvSpPr>
+          <p:cNvPr id="4" name="Footer Placeholder 3">
+            <a:extLst>
+              <a:ext uri="{FF2B5EF4-FFF2-40B4-BE49-F238E27FC236}">
+                <a16:creationId xmlns:a16="http://schemas.microsoft.com/office/drawing/2014/main" id="{589496D9-4BCC-908A-C18B-BC7F1ACAF429}"/>
+              </a:ext>
+            </a:extLst>
+          </p:cNvPr>
+          <p:cNvSpPr>
+            <a:spLocks noGrp="1"/>
+          </p:cNvSpPr>
+          <p:nvPr>
+            <p:ph type="ftr" sz="quarter" idx="11"/>
+          </p:nvPr>
+        </p:nvSpPr>
+        <p:spPr/>
+        <p:txBody>
+          <a:bodyPr/>
+          <a:lstStyle/>
+          <a:p>
+            <a:endParaRPr lang="en-US"/>
+          </a:p>
+        </p:txBody>
+      </p:sp>
+      <p:sp>
+        <p:nvSpPr>
+          <p:cNvPr id="5" name="Slide Number Placeholder 4">
+            <a:extLst>
+              <a:ext uri="{FF2B5EF4-FFF2-40B4-BE49-F238E27FC236}">
+                <a16:creationId xmlns:a16="http://schemas.microsoft.com/office/drawing/2014/main" id="{754333F6-3F56-781C-B62E-AD6750B089C7}"/>
+              </a:ext>
+            </a:extLst>
+          </p:cNvPr>
+          <p:cNvSpPr>
+            <a:spLocks noGrp="1"/>
+          </p:cNvSpPr>
+          <p:nvPr>
+            <p:ph type="sldNum" sz="quarter" idx="12"/>
+          </p:nvPr>
+        </p:nvSpPr>
+        <p:spPr/>
+        <p:txBody>
+          <a:bodyPr/>
+          <a:lstStyle/>
+          <a:p>
+            <a:fld id="{62CBAC88-EF5B-3148-888C-824478CD1B05}" type="slidenum">
+              <a:rPr lang="en-US" smtClean="0"/>
+              <a:t>55</a:t>
+            </a:fld>
+            <a:endParaRPr lang="en-US"/>
+          </a:p>
+        </p:txBody>
+      </p:sp>
     </p:spTree>
     <p:extLst>
       <p:ext uri="{BB962C8B-B14F-4D97-AF65-F5344CB8AC3E}">
@@ -11480,6 +14353,60 @@
           </a:p>
         </p:txBody>
       </p:sp>
+      <p:sp>
+        <p:nvSpPr>
+          <p:cNvPr id="4" name="Footer Placeholder 3">
+            <a:extLst>
+              <a:ext uri="{FF2B5EF4-FFF2-40B4-BE49-F238E27FC236}">
+                <a16:creationId xmlns:a16="http://schemas.microsoft.com/office/drawing/2014/main" id="{13AF9C23-85E4-1E8C-FB7D-CB34749083C8}"/>
+              </a:ext>
+            </a:extLst>
+          </p:cNvPr>
+          <p:cNvSpPr>
+            <a:spLocks noGrp="1"/>
+          </p:cNvSpPr>
+          <p:nvPr>
+            <p:ph type="ftr" sz="quarter" idx="11"/>
+          </p:nvPr>
+        </p:nvSpPr>
+        <p:spPr/>
+        <p:txBody>
+          <a:bodyPr/>
+          <a:lstStyle/>
+          <a:p>
+            <a:endParaRPr lang="en-US"/>
+          </a:p>
+        </p:txBody>
+      </p:sp>
+      <p:sp>
+        <p:nvSpPr>
+          <p:cNvPr id="5" name="Slide Number Placeholder 4">
+            <a:extLst>
+              <a:ext uri="{FF2B5EF4-FFF2-40B4-BE49-F238E27FC236}">
+                <a16:creationId xmlns:a16="http://schemas.microsoft.com/office/drawing/2014/main" id="{E5D6B649-CA8A-FC9D-D384-A3D98F417398}"/>
+              </a:ext>
+            </a:extLst>
+          </p:cNvPr>
+          <p:cNvSpPr>
+            <a:spLocks noGrp="1"/>
+          </p:cNvSpPr>
+          <p:nvPr>
+            <p:ph type="sldNum" sz="quarter" idx="12"/>
+          </p:nvPr>
+        </p:nvSpPr>
+        <p:spPr/>
+        <p:txBody>
+          <a:bodyPr/>
+          <a:lstStyle/>
+          <a:p>
+            <a:fld id="{62CBAC88-EF5B-3148-888C-824478CD1B05}" type="slidenum">
+              <a:rPr lang="en-US" smtClean="0"/>
+              <a:t>56</a:t>
+            </a:fld>
+            <a:endParaRPr lang="en-US"/>
+          </a:p>
+        </p:txBody>
+      </p:sp>
     </p:spTree>
     <p:extLst>
       <p:ext uri="{BB962C8B-B14F-4D97-AF65-F5344CB8AC3E}">
@@ -11633,6 +14560,60 @@
           </a:p>
         </p:txBody>
       </p:sp>
+      <p:sp>
+        <p:nvSpPr>
+          <p:cNvPr id="4" name="Footer Placeholder 3">
+            <a:extLst>
+              <a:ext uri="{FF2B5EF4-FFF2-40B4-BE49-F238E27FC236}">
+                <a16:creationId xmlns:a16="http://schemas.microsoft.com/office/drawing/2014/main" id="{A0F9B6FD-8D0B-EC80-08D0-35FD31CBF6FC}"/>
+              </a:ext>
+            </a:extLst>
+          </p:cNvPr>
+          <p:cNvSpPr>
+            <a:spLocks noGrp="1"/>
+          </p:cNvSpPr>
+          <p:nvPr>
+            <p:ph type="ftr" sz="quarter" idx="11"/>
+          </p:nvPr>
+        </p:nvSpPr>
+        <p:spPr/>
+        <p:txBody>
+          <a:bodyPr/>
+          <a:lstStyle/>
+          <a:p>
+            <a:endParaRPr lang="en-US"/>
+          </a:p>
+        </p:txBody>
+      </p:sp>
+      <p:sp>
+        <p:nvSpPr>
+          <p:cNvPr id="5" name="Slide Number Placeholder 4">
+            <a:extLst>
+              <a:ext uri="{FF2B5EF4-FFF2-40B4-BE49-F238E27FC236}">
+                <a16:creationId xmlns:a16="http://schemas.microsoft.com/office/drawing/2014/main" id="{C75FE7F8-E761-EF1A-EF5E-A29B5F13AAC3}"/>
+              </a:ext>
+            </a:extLst>
+          </p:cNvPr>
+          <p:cNvSpPr>
+            <a:spLocks noGrp="1"/>
+          </p:cNvSpPr>
+          <p:nvPr>
+            <p:ph type="sldNum" sz="quarter" idx="12"/>
+          </p:nvPr>
+        </p:nvSpPr>
+        <p:spPr/>
+        <p:txBody>
+          <a:bodyPr/>
+          <a:lstStyle/>
+          <a:p>
+            <a:fld id="{62CBAC88-EF5B-3148-888C-824478CD1B05}" type="slidenum">
+              <a:rPr lang="en-US" smtClean="0"/>
+              <a:t>57</a:t>
+            </a:fld>
+            <a:endParaRPr lang="en-US"/>
+          </a:p>
+        </p:txBody>
+      </p:sp>
     </p:spTree>
     <p:extLst>
       <p:ext uri="{BB962C8B-B14F-4D97-AF65-F5344CB8AC3E}">
@@ -11766,6 +14747,60 @@
           </a:p>
         </p:txBody>
       </p:sp>
+      <p:sp>
+        <p:nvSpPr>
+          <p:cNvPr id="4" name="Footer Placeholder 3">
+            <a:extLst>
+              <a:ext uri="{FF2B5EF4-FFF2-40B4-BE49-F238E27FC236}">
+                <a16:creationId xmlns:a16="http://schemas.microsoft.com/office/drawing/2014/main" id="{31FA7BBA-243A-150E-7F10-A092F8187AC6}"/>
+              </a:ext>
+            </a:extLst>
+          </p:cNvPr>
+          <p:cNvSpPr>
+            <a:spLocks noGrp="1"/>
+          </p:cNvSpPr>
+          <p:nvPr>
+            <p:ph type="ftr" sz="quarter" idx="11"/>
+          </p:nvPr>
+        </p:nvSpPr>
+        <p:spPr/>
+        <p:txBody>
+          <a:bodyPr/>
+          <a:lstStyle/>
+          <a:p>
+            <a:endParaRPr lang="en-US"/>
+          </a:p>
+        </p:txBody>
+      </p:sp>
+      <p:sp>
+        <p:nvSpPr>
+          <p:cNvPr id="5" name="Slide Number Placeholder 4">
+            <a:extLst>
+              <a:ext uri="{FF2B5EF4-FFF2-40B4-BE49-F238E27FC236}">
+                <a16:creationId xmlns:a16="http://schemas.microsoft.com/office/drawing/2014/main" id="{CB0A5439-E41A-F0C8-1F68-5B239C7A658B}"/>
+              </a:ext>
+            </a:extLst>
+          </p:cNvPr>
+          <p:cNvSpPr>
+            <a:spLocks noGrp="1"/>
+          </p:cNvSpPr>
+          <p:nvPr>
+            <p:ph type="sldNum" sz="quarter" idx="12"/>
+          </p:nvPr>
+        </p:nvSpPr>
+        <p:spPr/>
+        <p:txBody>
+          <a:bodyPr/>
+          <a:lstStyle/>
+          <a:p>
+            <a:fld id="{62CBAC88-EF5B-3148-888C-824478CD1B05}" type="slidenum">
+              <a:rPr lang="en-US" smtClean="0"/>
+              <a:t>58</a:t>
+            </a:fld>
+            <a:endParaRPr lang="en-US"/>
+          </a:p>
+        </p:txBody>
+      </p:sp>
     </p:spTree>
     <p:extLst>
       <p:ext uri="{BB962C8B-B14F-4D97-AF65-F5344CB8AC3E}">
@@ -11899,6 +14934,60 @@
           </a:p>
         </p:txBody>
       </p:sp>
+      <p:sp>
+        <p:nvSpPr>
+          <p:cNvPr id="4" name="Footer Placeholder 3">
+            <a:extLst>
+              <a:ext uri="{FF2B5EF4-FFF2-40B4-BE49-F238E27FC236}">
+                <a16:creationId xmlns:a16="http://schemas.microsoft.com/office/drawing/2014/main" id="{1F783C2D-4A89-63EF-9583-23231822B0D3}"/>
+              </a:ext>
+            </a:extLst>
+          </p:cNvPr>
+          <p:cNvSpPr>
+            <a:spLocks noGrp="1"/>
+          </p:cNvSpPr>
+          <p:nvPr>
+            <p:ph type="ftr" sz="quarter" idx="11"/>
+          </p:nvPr>
+        </p:nvSpPr>
+        <p:spPr/>
+        <p:txBody>
+          <a:bodyPr/>
+          <a:lstStyle/>
+          <a:p>
+            <a:endParaRPr lang="en-US"/>
+          </a:p>
+        </p:txBody>
+      </p:sp>
+      <p:sp>
+        <p:nvSpPr>
+          <p:cNvPr id="5" name="Slide Number Placeholder 4">
+            <a:extLst>
+              <a:ext uri="{FF2B5EF4-FFF2-40B4-BE49-F238E27FC236}">
+                <a16:creationId xmlns:a16="http://schemas.microsoft.com/office/drawing/2014/main" id="{89A1C510-00D2-FDED-091C-CFF4CD88DE52}"/>
+              </a:ext>
+            </a:extLst>
+          </p:cNvPr>
+          <p:cNvSpPr>
+            <a:spLocks noGrp="1"/>
+          </p:cNvSpPr>
+          <p:nvPr>
+            <p:ph type="sldNum" sz="quarter" idx="12"/>
+          </p:nvPr>
+        </p:nvSpPr>
+        <p:spPr/>
+        <p:txBody>
+          <a:bodyPr/>
+          <a:lstStyle/>
+          <a:p>
+            <a:fld id="{62CBAC88-EF5B-3148-888C-824478CD1B05}" type="slidenum">
+              <a:rPr lang="en-US" smtClean="0"/>
+              <a:t>59</a:t>
+            </a:fld>
+            <a:endParaRPr lang="en-US"/>
+          </a:p>
+        </p:txBody>
+      </p:sp>
     </p:spTree>
     <p:extLst>
       <p:ext uri="{BB962C8B-B14F-4D97-AF65-F5344CB8AC3E}">
@@ -12032,6 +15121,60 @@
           </a:p>
         </p:txBody>
       </p:sp>
+      <p:sp>
+        <p:nvSpPr>
+          <p:cNvPr id="4" name="Footer Placeholder 3">
+            <a:extLst>
+              <a:ext uri="{FF2B5EF4-FFF2-40B4-BE49-F238E27FC236}">
+                <a16:creationId xmlns:a16="http://schemas.microsoft.com/office/drawing/2014/main" id="{EC479797-B011-70FA-181D-D08BABA96C4D}"/>
+              </a:ext>
+            </a:extLst>
+          </p:cNvPr>
+          <p:cNvSpPr>
+            <a:spLocks noGrp="1"/>
+          </p:cNvSpPr>
+          <p:nvPr>
+            <p:ph type="ftr" sz="quarter" idx="11"/>
+          </p:nvPr>
+        </p:nvSpPr>
+        <p:spPr/>
+        <p:txBody>
+          <a:bodyPr/>
+          <a:lstStyle/>
+          <a:p>
+            <a:endParaRPr lang="en-US"/>
+          </a:p>
+        </p:txBody>
+      </p:sp>
+      <p:sp>
+        <p:nvSpPr>
+          <p:cNvPr id="5" name="Slide Number Placeholder 4">
+            <a:extLst>
+              <a:ext uri="{FF2B5EF4-FFF2-40B4-BE49-F238E27FC236}">
+                <a16:creationId xmlns:a16="http://schemas.microsoft.com/office/drawing/2014/main" id="{E6EA353F-0B8D-EEE4-ABB1-9682D9D5396F}"/>
+              </a:ext>
+            </a:extLst>
+          </p:cNvPr>
+          <p:cNvSpPr>
+            <a:spLocks noGrp="1"/>
+          </p:cNvSpPr>
+          <p:nvPr>
+            <p:ph type="sldNum" sz="quarter" idx="12"/>
+          </p:nvPr>
+        </p:nvSpPr>
+        <p:spPr/>
+        <p:txBody>
+          <a:bodyPr/>
+          <a:lstStyle/>
+          <a:p>
+            <a:fld id="{62CBAC88-EF5B-3148-888C-824478CD1B05}" type="slidenum">
+              <a:rPr lang="en-US" smtClean="0"/>
+              <a:t>6</a:t>
+            </a:fld>
+            <a:endParaRPr lang="en-US"/>
+          </a:p>
+        </p:txBody>
+      </p:sp>
     </p:spTree>
     <p:extLst>
       <p:ext uri="{BB962C8B-B14F-4D97-AF65-F5344CB8AC3E}">
@@ -12171,6 +15314,60 @@
           </a:p>
         </p:txBody>
       </p:sp>
+      <p:sp>
+        <p:nvSpPr>
+          <p:cNvPr id="4" name="Footer Placeholder 3">
+            <a:extLst>
+              <a:ext uri="{FF2B5EF4-FFF2-40B4-BE49-F238E27FC236}">
+                <a16:creationId xmlns:a16="http://schemas.microsoft.com/office/drawing/2014/main" id="{6870F2A8-4B83-7647-A7CB-C1BDE9CCE3FF}"/>
+              </a:ext>
+            </a:extLst>
+          </p:cNvPr>
+          <p:cNvSpPr>
+            <a:spLocks noGrp="1"/>
+          </p:cNvSpPr>
+          <p:nvPr>
+            <p:ph type="ftr" sz="quarter" idx="11"/>
+          </p:nvPr>
+        </p:nvSpPr>
+        <p:spPr/>
+        <p:txBody>
+          <a:bodyPr/>
+          <a:lstStyle/>
+          <a:p>
+            <a:endParaRPr lang="en-US"/>
+          </a:p>
+        </p:txBody>
+      </p:sp>
+      <p:sp>
+        <p:nvSpPr>
+          <p:cNvPr id="5" name="Slide Number Placeholder 4">
+            <a:extLst>
+              <a:ext uri="{FF2B5EF4-FFF2-40B4-BE49-F238E27FC236}">
+                <a16:creationId xmlns:a16="http://schemas.microsoft.com/office/drawing/2014/main" id="{5675B6D7-DBB8-FBD5-1ECB-E7832BDCE295}"/>
+              </a:ext>
+            </a:extLst>
+          </p:cNvPr>
+          <p:cNvSpPr>
+            <a:spLocks noGrp="1"/>
+          </p:cNvSpPr>
+          <p:nvPr>
+            <p:ph type="sldNum" sz="quarter" idx="12"/>
+          </p:nvPr>
+        </p:nvSpPr>
+        <p:spPr/>
+        <p:txBody>
+          <a:bodyPr/>
+          <a:lstStyle/>
+          <a:p>
+            <a:fld id="{62CBAC88-EF5B-3148-888C-824478CD1B05}" type="slidenum">
+              <a:rPr lang="en-US" smtClean="0"/>
+              <a:t>60</a:t>
+            </a:fld>
+            <a:endParaRPr lang="en-US"/>
+          </a:p>
+        </p:txBody>
+      </p:sp>
     </p:spTree>
     <p:extLst>
       <p:ext uri="{BB962C8B-B14F-4D97-AF65-F5344CB8AC3E}">
@@ -12387,6 +15584,60 @@
           </a:p>
         </p:txBody>
       </p:sp>
+      <p:sp>
+        <p:nvSpPr>
+          <p:cNvPr id="4" name="Footer Placeholder 3">
+            <a:extLst>
+              <a:ext uri="{FF2B5EF4-FFF2-40B4-BE49-F238E27FC236}">
+                <a16:creationId xmlns:a16="http://schemas.microsoft.com/office/drawing/2014/main" id="{A43A6B57-B048-CDE5-581A-32DDD6774256}"/>
+              </a:ext>
+            </a:extLst>
+          </p:cNvPr>
+          <p:cNvSpPr>
+            <a:spLocks noGrp="1"/>
+          </p:cNvSpPr>
+          <p:nvPr>
+            <p:ph type="ftr" sz="quarter" idx="11"/>
+          </p:nvPr>
+        </p:nvSpPr>
+        <p:spPr/>
+        <p:txBody>
+          <a:bodyPr/>
+          <a:lstStyle/>
+          <a:p>
+            <a:endParaRPr lang="en-US"/>
+          </a:p>
+        </p:txBody>
+      </p:sp>
+      <p:sp>
+        <p:nvSpPr>
+          <p:cNvPr id="5" name="Slide Number Placeholder 4">
+            <a:extLst>
+              <a:ext uri="{FF2B5EF4-FFF2-40B4-BE49-F238E27FC236}">
+                <a16:creationId xmlns:a16="http://schemas.microsoft.com/office/drawing/2014/main" id="{8FC3CDFF-09B9-F202-7B5A-E0D7FFFE2D05}"/>
+              </a:ext>
+            </a:extLst>
+          </p:cNvPr>
+          <p:cNvSpPr>
+            <a:spLocks noGrp="1"/>
+          </p:cNvSpPr>
+          <p:nvPr>
+            <p:ph type="sldNum" sz="quarter" idx="12"/>
+          </p:nvPr>
+        </p:nvSpPr>
+        <p:spPr/>
+        <p:txBody>
+          <a:bodyPr/>
+          <a:lstStyle/>
+          <a:p>
+            <a:fld id="{62CBAC88-EF5B-3148-888C-824478CD1B05}" type="slidenum">
+              <a:rPr lang="en-US" smtClean="0"/>
+              <a:t>61</a:t>
+            </a:fld>
+            <a:endParaRPr lang="en-US"/>
+          </a:p>
+        </p:txBody>
+      </p:sp>
     </p:spTree>
     <p:extLst>
       <p:ext uri="{BB962C8B-B14F-4D97-AF65-F5344CB8AC3E}">
@@ -12525,6 +15776,60 @@
           </a:p>
         </p:txBody>
       </p:sp>
+      <p:sp>
+        <p:nvSpPr>
+          <p:cNvPr id="4" name="Footer Placeholder 3">
+            <a:extLst>
+              <a:ext uri="{FF2B5EF4-FFF2-40B4-BE49-F238E27FC236}">
+                <a16:creationId xmlns:a16="http://schemas.microsoft.com/office/drawing/2014/main" id="{27368ABB-2310-0721-B6BD-88F568D69A90}"/>
+              </a:ext>
+            </a:extLst>
+          </p:cNvPr>
+          <p:cNvSpPr>
+            <a:spLocks noGrp="1"/>
+          </p:cNvSpPr>
+          <p:nvPr>
+            <p:ph type="ftr" sz="quarter" idx="11"/>
+          </p:nvPr>
+        </p:nvSpPr>
+        <p:spPr/>
+        <p:txBody>
+          <a:bodyPr/>
+          <a:lstStyle/>
+          <a:p>
+            <a:endParaRPr lang="en-US"/>
+          </a:p>
+        </p:txBody>
+      </p:sp>
+      <p:sp>
+        <p:nvSpPr>
+          <p:cNvPr id="5" name="Slide Number Placeholder 4">
+            <a:extLst>
+              <a:ext uri="{FF2B5EF4-FFF2-40B4-BE49-F238E27FC236}">
+                <a16:creationId xmlns:a16="http://schemas.microsoft.com/office/drawing/2014/main" id="{31EA0B8E-E08D-2F80-D4C0-9A472FAED96B}"/>
+              </a:ext>
+            </a:extLst>
+          </p:cNvPr>
+          <p:cNvSpPr>
+            <a:spLocks noGrp="1"/>
+          </p:cNvSpPr>
+          <p:nvPr>
+            <p:ph type="sldNum" sz="quarter" idx="12"/>
+          </p:nvPr>
+        </p:nvSpPr>
+        <p:spPr/>
+        <p:txBody>
+          <a:bodyPr/>
+          <a:lstStyle/>
+          <a:p>
+            <a:fld id="{62CBAC88-EF5B-3148-888C-824478CD1B05}" type="slidenum">
+              <a:rPr lang="en-US" smtClean="0"/>
+              <a:t>62</a:t>
+            </a:fld>
+            <a:endParaRPr lang="en-US"/>
+          </a:p>
+        </p:txBody>
+      </p:sp>
     </p:spTree>
     <p:extLst>
       <p:ext uri="{BB962C8B-B14F-4D97-AF65-F5344CB8AC3E}">
@@ -12652,6 +15957,60 @@
           </a:p>
         </p:txBody>
       </p:sp>
+      <p:sp>
+        <p:nvSpPr>
+          <p:cNvPr id="4" name="Footer Placeholder 3">
+            <a:extLst>
+              <a:ext uri="{FF2B5EF4-FFF2-40B4-BE49-F238E27FC236}">
+                <a16:creationId xmlns:a16="http://schemas.microsoft.com/office/drawing/2014/main" id="{82C98FEF-0891-B52D-0274-EF7C9245DD0A}"/>
+              </a:ext>
+            </a:extLst>
+          </p:cNvPr>
+          <p:cNvSpPr>
+            <a:spLocks noGrp="1"/>
+          </p:cNvSpPr>
+          <p:nvPr>
+            <p:ph type="ftr" sz="quarter" idx="11"/>
+          </p:nvPr>
+        </p:nvSpPr>
+        <p:spPr/>
+        <p:txBody>
+          <a:bodyPr/>
+          <a:lstStyle/>
+          <a:p>
+            <a:endParaRPr lang="en-US"/>
+          </a:p>
+        </p:txBody>
+      </p:sp>
+      <p:sp>
+        <p:nvSpPr>
+          <p:cNvPr id="5" name="Slide Number Placeholder 4">
+            <a:extLst>
+              <a:ext uri="{FF2B5EF4-FFF2-40B4-BE49-F238E27FC236}">
+                <a16:creationId xmlns:a16="http://schemas.microsoft.com/office/drawing/2014/main" id="{4B1C1326-ECAC-7828-B1B8-DB6D7634A5F1}"/>
+              </a:ext>
+            </a:extLst>
+          </p:cNvPr>
+          <p:cNvSpPr>
+            <a:spLocks noGrp="1"/>
+          </p:cNvSpPr>
+          <p:nvPr>
+            <p:ph type="sldNum" sz="quarter" idx="12"/>
+          </p:nvPr>
+        </p:nvSpPr>
+        <p:spPr/>
+        <p:txBody>
+          <a:bodyPr/>
+          <a:lstStyle/>
+          <a:p>
+            <a:fld id="{62CBAC88-EF5B-3148-888C-824478CD1B05}" type="slidenum">
+              <a:rPr lang="en-US" smtClean="0"/>
+              <a:t>63</a:t>
+            </a:fld>
+            <a:endParaRPr lang="en-US"/>
+          </a:p>
+        </p:txBody>
+      </p:sp>
     </p:spTree>
     <p:extLst>
       <p:ext uri="{BB962C8B-B14F-4D97-AF65-F5344CB8AC3E}">
@@ -12832,6 +16191,60 @@
           </a:p>
         </p:txBody>
       </p:sp>
+      <p:sp>
+        <p:nvSpPr>
+          <p:cNvPr id="4" name="Footer Placeholder 3">
+            <a:extLst>
+              <a:ext uri="{FF2B5EF4-FFF2-40B4-BE49-F238E27FC236}">
+                <a16:creationId xmlns:a16="http://schemas.microsoft.com/office/drawing/2014/main" id="{BC33E84D-BB1D-02D1-7147-C45A3D474680}"/>
+              </a:ext>
+            </a:extLst>
+          </p:cNvPr>
+          <p:cNvSpPr>
+            <a:spLocks noGrp="1"/>
+          </p:cNvSpPr>
+          <p:nvPr>
+            <p:ph type="ftr" sz="quarter" idx="11"/>
+          </p:nvPr>
+        </p:nvSpPr>
+        <p:spPr/>
+        <p:txBody>
+          <a:bodyPr/>
+          <a:lstStyle/>
+          <a:p>
+            <a:endParaRPr lang="en-US"/>
+          </a:p>
+        </p:txBody>
+      </p:sp>
+      <p:sp>
+        <p:nvSpPr>
+          <p:cNvPr id="5" name="Slide Number Placeholder 4">
+            <a:extLst>
+              <a:ext uri="{FF2B5EF4-FFF2-40B4-BE49-F238E27FC236}">
+                <a16:creationId xmlns:a16="http://schemas.microsoft.com/office/drawing/2014/main" id="{EBE9CECC-D407-C9A7-4BD5-7BCB603BC42E}"/>
+              </a:ext>
+            </a:extLst>
+          </p:cNvPr>
+          <p:cNvSpPr>
+            <a:spLocks noGrp="1"/>
+          </p:cNvSpPr>
+          <p:nvPr>
+            <p:ph type="sldNum" sz="quarter" idx="12"/>
+          </p:nvPr>
+        </p:nvSpPr>
+        <p:spPr/>
+        <p:txBody>
+          <a:bodyPr/>
+          <a:lstStyle/>
+          <a:p>
+            <a:fld id="{62CBAC88-EF5B-3148-888C-824478CD1B05}" type="slidenum">
+              <a:rPr lang="en-US" smtClean="0"/>
+              <a:t>64</a:t>
+            </a:fld>
+            <a:endParaRPr lang="en-US"/>
+          </a:p>
+        </p:txBody>
+      </p:sp>
     </p:spTree>
     <p:extLst>
       <p:ext uri="{BB962C8B-B14F-4D97-AF65-F5344CB8AC3E}">
@@ -13007,6 +16420,60 @@
           </a:p>
         </p:txBody>
       </p:sp>
+      <p:sp>
+        <p:nvSpPr>
+          <p:cNvPr id="4" name="Footer Placeholder 3">
+            <a:extLst>
+              <a:ext uri="{FF2B5EF4-FFF2-40B4-BE49-F238E27FC236}">
+                <a16:creationId xmlns:a16="http://schemas.microsoft.com/office/drawing/2014/main" id="{9029CB6C-74D4-51ED-A4AD-F50F2A216486}"/>
+              </a:ext>
+            </a:extLst>
+          </p:cNvPr>
+          <p:cNvSpPr>
+            <a:spLocks noGrp="1"/>
+          </p:cNvSpPr>
+          <p:nvPr>
+            <p:ph type="ftr" sz="quarter" idx="11"/>
+          </p:nvPr>
+        </p:nvSpPr>
+        <p:spPr/>
+        <p:txBody>
+          <a:bodyPr/>
+          <a:lstStyle/>
+          <a:p>
+            <a:endParaRPr lang="en-US"/>
+          </a:p>
+        </p:txBody>
+      </p:sp>
+      <p:sp>
+        <p:nvSpPr>
+          <p:cNvPr id="5" name="Slide Number Placeholder 4">
+            <a:extLst>
+              <a:ext uri="{FF2B5EF4-FFF2-40B4-BE49-F238E27FC236}">
+                <a16:creationId xmlns:a16="http://schemas.microsoft.com/office/drawing/2014/main" id="{C1A6D88F-39DB-60CB-7479-1DFD2D97CD9A}"/>
+              </a:ext>
+            </a:extLst>
+          </p:cNvPr>
+          <p:cNvSpPr>
+            <a:spLocks noGrp="1"/>
+          </p:cNvSpPr>
+          <p:nvPr>
+            <p:ph type="sldNum" sz="quarter" idx="12"/>
+          </p:nvPr>
+        </p:nvSpPr>
+        <p:spPr/>
+        <p:txBody>
+          <a:bodyPr/>
+          <a:lstStyle/>
+          <a:p>
+            <a:fld id="{62CBAC88-EF5B-3148-888C-824478CD1B05}" type="slidenum">
+              <a:rPr lang="en-US" smtClean="0"/>
+              <a:t>65</a:t>
+            </a:fld>
+            <a:endParaRPr lang="en-US"/>
+          </a:p>
+        </p:txBody>
+      </p:sp>
     </p:spTree>
     <p:extLst>
       <p:ext uri="{BB962C8B-B14F-4D97-AF65-F5344CB8AC3E}">
@@ -13177,6 +16644,60 @@
           </a:p>
         </p:txBody>
       </p:sp>
+      <p:sp>
+        <p:nvSpPr>
+          <p:cNvPr id="4" name="Footer Placeholder 3">
+            <a:extLst>
+              <a:ext uri="{FF2B5EF4-FFF2-40B4-BE49-F238E27FC236}">
+                <a16:creationId xmlns:a16="http://schemas.microsoft.com/office/drawing/2014/main" id="{C7AF433D-0483-E4EC-6FEF-92E010FB7849}"/>
+              </a:ext>
+            </a:extLst>
+          </p:cNvPr>
+          <p:cNvSpPr>
+            <a:spLocks noGrp="1"/>
+          </p:cNvSpPr>
+          <p:nvPr>
+            <p:ph type="ftr" sz="quarter" idx="11"/>
+          </p:nvPr>
+        </p:nvSpPr>
+        <p:spPr/>
+        <p:txBody>
+          <a:bodyPr/>
+          <a:lstStyle/>
+          <a:p>
+            <a:endParaRPr lang="en-US"/>
+          </a:p>
+        </p:txBody>
+      </p:sp>
+      <p:sp>
+        <p:nvSpPr>
+          <p:cNvPr id="5" name="Slide Number Placeholder 4">
+            <a:extLst>
+              <a:ext uri="{FF2B5EF4-FFF2-40B4-BE49-F238E27FC236}">
+                <a16:creationId xmlns:a16="http://schemas.microsoft.com/office/drawing/2014/main" id="{D58D55C2-4892-1072-8F57-29FD3EFA02F5}"/>
+              </a:ext>
+            </a:extLst>
+          </p:cNvPr>
+          <p:cNvSpPr>
+            <a:spLocks noGrp="1"/>
+          </p:cNvSpPr>
+          <p:nvPr>
+            <p:ph type="sldNum" sz="quarter" idx="12"/>
+          </p:nvPr>
+        </p:nvSpPr>
+        <p:spPr/>
+        <p:txBody>
+          <a:bodyPr/>
+          <a:lstStyle/>
+          <a:p>
+            <a:fld id="{62CBAC88-EF5B-3148-888C-824478CD1B05}" type="slidenum">
+              <a:rPr lang="en-US" smtClean="0"/>
+              <a:t>66</a:t>
+            </a:fld>
+            <a:endParaRPr lang="en-US"/>
+          </a:p>
+        </p:txBody>
+      </p:sp>
     </p:spTree>
     <p:extLst>
       <p:ext uri="{BB962C8B-B14F-4D97-AF65-F5344CB8AC3E}">
@@ -13391,6 +16912,60 @@
           </a:p>
         </p:txBody>
       </p:sp>
+      <p:sp>
+        <p:nvSpPr>
+          <p:cNvPr id="4" name="Footer Placeholder 3">
+            <a:extLst>
+              <a:ext uri="{FF2B5EF4-FFF2-40B4-BE49-F238E27FC236}">
+                <a16:creationId xmlns:a16="http://schemas.microsoft.com/office/drawing/2014/main" id="{EC2EFF2F-B123-131A-2E11-1D8D9E48BFD4}"/>
+              </a:ext>
+            </a:extLst>
+          </p:cNvPr>
+          <p:cNvSpPr>
+            <a:spLocks noGrp="1"/>
+          </p:cNvSpPr>
+          <p:nvPr>
+            <p:ph type="ftr" sz="quarter" idx="11"/>
+          </p:nvPr>
+        </p:nvSpPr>
+        <p:spPr/>
+        <p:txBody>
+          <a:bodyPr/>
+          <a:lstStyle/>
+          <a:p>
+            <a:endParaRPr lang="en-US"/>
+          </a:p>
+        </p:txBody>
+      </p:sp>
+      <p:sp>
+        <p:nvSpPr>
+          <p:cNvPr id="5" name="Slide Number Placeholder 4">
+            <a:extLst>
+              <a:ext uri="{FF2B5EF4-FFF2-40B4-BE49-F238E27FC236}">
+                <a16:creationId xmlns:a16="http://schemas.microsoft.com/office/drawing/2014/main" id="{43B9D1C4-9503-111E-4B9E-D0241A5903C4}"/>
+              </a:ext>
+            </a:extLst>
+          </p:cNvPr>
+          <p:cNvSpPr>
+            <a:spLocks noGrp="1"/>
+          </p:cNvSpPr>
+          <p:nvPr>
+            <p:ph type="sldNum" sz="quarter" idx="12"/>
+          </p:nvPr>
+        </p:nvSpPr>
+        <p:spPr/>
+        <p:txBody>
+          <a:bodyPr/>
+          <a:lstStyle/>
+          <a:p>
+            <a:fld id="{62CBAC88-EF5B-3148-888C-824478CD1B05}" type="slidenum">
+              <a:rPr lang="en-US" smtClean="0"/>
+              <a:t>67</a:t>
+            </a:fld>
+            <a:endParaRPr lang="en-US"/>
+          </a:p>
+        </p:txBody>
+      </p:sp>
     </p:spTree>
     <p:extLst>
       <p:ext uri="{BB962C8B-B14F-4D97-AF65-F5344CB8AC3E}">
@@ -13538,6 +17113,60 @@
           </a:p>
         </p:txBody>
       </p:sp>
+      <p:sp>
+        <p:nvSpPr>
+          <p:cNvPr id="4" name="Footer Placeholder 3">
+            <a:extLst>
+              <a:ext uri="{FF2B5EF4-FFF2-40B4-BE49-F238E27FC236}">
+                <a16:creationId xmlns:a16="http://schemas.microsoft.com/office/drawing/2014/main" id="{C4E817BB-C699-F356-81E7-D870B89F9294}"/>
+              </a:ext>
+            </a:extLst>
+          </p:cNvPr>
+          <p:cNvSpPr>
+            <a:spLocks noGrp="1"/>
+          </p:cNvSpPr>
+          <p:nvPr>
+            <p:ph type="ftr" sz="quarter" idx="11"/>
+          </p:nvPr>
+        </p:nvSpPr>
+        <p:spPr/>
+        <p:txBody>
+          <a:bodyPr/>
+          <a:lstStyle/>
+          <a:p>
+            <a:endParaRPr lang="en-US"/>
+          </a:p>
+        </p:txBody>
+      </p:sp>
+      <p:sp>
+        <p:nvSpPr>
+          <p:cNvPr id="5" name="Slide Number Placeholder 4">
+            <a:extLst>
+              <a:ext uri="{FF2B5EF4-FFF2-40B4-BE49-F238E27FC236}">
+                <a16:creationId xmlns:a16="http://schemas.microsoft.com/office/drawing/2014/main" id="{06FDF273-0E43-1BF4-4AD7-D2D2B1AE0ABD}"/>
+              </a:ext>
+            </a:extLst>
+          </p:cNvPr>
+          <p:cNvSpPr>
+            <a:spLocks noGrp="1"/>
+          </p:cNvSpPr>
+          <p:nvPr>
+            <p:ph type="sldNum" sz="quarter" idx="12"/>
+          </p:nvPr>
+        </p:nvSpPr>
+        <p:spPr/>
+        <p:txBody>
+          <a:bodyPr/>
+          <a:lstStyle/>
+          <a:p>
+            <a:fld id="{62CBAC88-EF5B-3148-888C-824478CD1B05}" type="slidenum">
+              <a:rPr lang="en-US" smtClean="0"/>
+              <a:t>68</a:t>
+            </a:fld>
+            <a:endParaRPr lang="en-US"/>
+          </a:p>
+        </p:txBody>
+      </p:sp>
     </p:spTree>
     <p:extLst>
       <p:ext uri="{BB962C8B-B14F-4D97-AF65-F5344CB8AC3E}">
@@ -13686,6 +17315,60 @@
           </a:p>
         </p:txBody>
       </p:sp>
+      <p:sp>
+        <p:nvSpPr>
+          <p:cNvPr id="4" name="Footer Placeholder 3">
+            <a:extLst>
+              <a:ext uri="{FF2B5EF4-FFF2-40B4-BE49-F238E27FC236}">
+                <a16:creationId xmlns:a16="http://schemas.microsoft.com/office/drawing/2014/main" id="{C904FCE7-C0A8-8636-657C-438DDD1BEB3A}"/>
+              </a:ext>
+            </a:extLst>
+          </p:cNvPr>
+          <p:cNvSpPr>
+            <a:spLocks noGrp="1"/>
+          </p:cNvSpPr>
+          <p:nvPr>
+            <p:ph type="ftr" sz="quarter" idx="11"/>
+          </p:nvPr>
+        </p:nvSpPr>
+        <p:spPr/>
+        <p:txBody>
+          <a:bodyPr/>
+          <a:lstStyle/>
+          <a:p>
+            <a:endParaRPr lang="en-US"/>
+          </a:p>
+        </p:txBody>
+      </p:sp>
+      <p:sp>
+        <p:nvSpPr>
+          <p:cNvPr id="5" name="Slide Number Placeholder 4">
+            <a:extLst>
+              <a:ext uri="{FF2B5EF4-FFF2-40B4-BE49-F238E27FC236}">
+                <a16:creationId xmlns:a16="http://schemas.microsoft.com/office/drawing/2014/main" id="{9ADFCCA7-F60F-18DB-E81D-AB010BC50001}"/>
+              </a:ext>
+            </a:extLst>
+          </p:cNvPr>
+          <p:cNvSpPr>
+            <a:spLocks noGrp="1"/>
+          </p:cNvSpPr>
+          <p:nvPr>
+            <p:ph type="sldNum" sz="quarter" idx="12"/>
+          </p:nvPr>
+        </p:nvSpPr>
+        <p:spPr/>
+        <p:txBody>
+          <a:bodyPr/>
+          <a:lstStyle/>
+          <a:p>
+            <a:fld id="{62CBAC88-EF5B-3148-888C-824478CD1B05}" type="slidenum">
+              <a:rPr lang="en-US" smtClean="0"/>
+              <a:t>69</a:t>
+            </a:fld>
+            <a:endParaRPr lang="en-US"/>
+          </a:p>
+        </p:txBody>
+      </p:sp>
     </p:spTree>
     <p:extLst>
       <p:ext uri="{BB962C8B-B14F-4D97-AF65-F5344CB8AC3E}">
@@ -13824,6 +17507,60 @@
           </a:p>
         </p:txBody>
       </p:sp>
+      <p:sp>
+        <p:nvSpPr>
+          <p:cNvPr id="4" name="Footer Placeholder 3">
+            <a:extLst>
+              <a:ext uri="{FF2B5EF4-FFF2-40B4-BE49-F238E27FC236}">
+                <a16:creationId xmlns:a16="http://schemas.microsoft.com/office/drawing/2014/main" id="{B936B337-9119-FF11-B41B-5EA2AD0CEAD1}"/>
+              </a:ext>
+            </a:extLst>
+          </p:cNvPr>
+          <p:cNvSpPr>
+            <a:spLocks noGrp="1"/>
+          </p:cNvSpPr>
+          <p:nvPr>
+            <p:ph type="ftr" sz="quarter" idx="11"/>
+          </p:nvPr>
+        </p:nvSpPr>
+        <p:spPr/>
+        <p:txBody>
+          <a:bodyPr/>
+          <a:lstStyle/>
+          <a:p>
+            <a:endParaRPr lang="en-US"/>
+          </a:p>
+        </p:txBody>
+      </p:sp>
+      <p:sp>
+        <p:nvSpPr>
+          <p:cNvPr id="5" name="Slide Number Placeholder 4">
+            <a:extLst>
+              <a:ext uri="{FF2B5EF4-FFF2-40B4-BE49-F238E27FC236}">
+                <a16:creationId xmlns:a16="http://schemas.microsoft.com/office/drawing/2014/main" id="{EF90446A-D57F-468A-9CAB-3611EE82B034}"/>
+              </a:ext>
+            </a:extLst>
+          </p:cNvPr>
+          <p:cNvSpPr>
+            <a:spLocks noGrp="1"/>
+          </p:cNvSpPr>
+          <p:nvPr>
+            <p:ph type="sldNum" sz="quarter" idx="12"/>
+          </p:nvPr>
+        </p:nvSpPr>
+        <p:spPr/>
+        <p:txBody>
+          <a:bodyPr/>
+          <a:lstStyle/>
+          <a:p>
+            <a:fld id="{62CBAC88-EF5B-3148-888C-824478CD1B05}" type="slidenum">
+              <a:rPr lang="en-US" smtClean="0"/>
+              <a:t>7</a:t>
+            </a:fld>
+            <a:endParaRPr lang="en-US"/>
+          </a:p>
+        </p:txBody>
+      </p:sp>
     </p:spTree>
     <p:extLst>
       <p:ext uri="{BB962C8B-B14F-4D97-AF65-F5344CB8AC3E}">
@@ -13953,6 +17690,60 @@
           </a:p>
         </p:txBody>
       </p:sp>
+      <p:sp>
+        <p:nvSpPr>
+          <p:cNvPr id="4" name="Footer Placeholder 3">
+            <a:extLst>
+              <a:ext uri="{FF2B5EF4-FFF2-40B4-BE49-F238E27FC236}">
+                <a16:creationId xmlns:a16="http://schemas.microsoft.com/office/drawing/2014/main" id="{23489DD3-BB60-28D0-3F75-2FA5832D1ED9}"/>
+              </a:ext>
+            </a:extLst>
+          </p:cNvPr>
+          <p:cNvSpPr>
+            <a:spLocks noGrp="1"/>
+          </p:cNvSpPr>
+          <p:nvPr>
+            <p:ph type="ftr" sz="quarter" idx="11"/>
+          </p:nvPr>
+        </p:nvSpPr>
+        <p:spPr/>
+        <p:txBody>
+          <a:bodyPr/>
+          <a:lstStyle/>
+          <a:p>
+            <a:endParaRPr lang="en-US"/>
+          </a:p>
+        </p:txBody>
+      </p:sp>
+      <p:sp>
+        <p:nvSpPr>
+          <p:cNvPr id="5" name="Slide Number Placeholder 4">
+            <a:extLst>
+              <a:ext uri="{FF2B5EF4-FFF2-40B4-BE49-F238E27FC236}">
+                <a16:creationId xmlns:a16="http://schemas.microsoft.com/office/drawing/2014/main" id="{958C9761-2913-F78B-0B65-50570BA630F7}"/>
+              </a:ext>
+            </a:extLst>
+          </p:cNvPr>
+          <p:cNvSpPr>
+            <a:spLocks noGrp="1"/>
+          </p:cNvSpPr>
+          <p:nvPr>
+            <p:ph type="sldNum" sz="quarter" idx="12"/>
+          </p:nvPr>
+        </p:nvSpPr>
+        <p:spPr/>
+        <p:txBody>
+          <a:bodyPr/>
+          <a:lstStyle/>
+          <a:p>
+            <a:fld id="{62CBAC88-EF5B-3148-888C-824478CD1B05}" type="slidenum">
+              <a:rPr lang="en-US" smtClean="0"/>
+              <a:t>70</a:t>
+            </a:fld>
+            <a:endParaRPr lang="en-US"/>
+          </a:p>
+        </p:txBody>
+      </p:sp>
     </p:spTree>
     <p:extLst>
       <p:ext uri="{BB962C8B-B14F-4D97-AF65-F5344CB8AC3E}">
@@ -14118,6 +17909,60 @@
           </a:p>
         </p:txBody>
       </p:sp>
+      <p:sp>
+        <p:nvSpPr>
+          <p:cNvPr id="4" name="Footer Placeholder 3">
+            <a:extLst>
+              <a:ext uri="{FF2B5EF4-FFF2-40B4-BE49-F238E27FC236}">
+                <a16:creationId xmlns:a16="http://schemas.microsoft.com/office/drawing/2014/main" id="{93DF41F4-1294-2AEC-4DA9-C770876FC26E}"/>
+              </a:ext>
+            </a:extLst>
+          </p:cNvPr>
+          <p:cNvSpPr>
+            <a:spLocks noGrp="1"/>
+          </p:cNvSpPr>
+          <p:nvPr>
+            <p:ph type="ftr" sz="quarter" idx="11"/>
+          </p:nvPr>
+        </p:nvSpPr>
+        <p:spPr/>
+        <p:txBody>
+          <a:bodyPr/>
+          <a:lstStyle/>
+          <a:p>
+            <a:endParaRPr lang="en-US"/>
+          </a:p>
+        </p:txBody>
+      </p:sp>
+      <p:sp>
+        <p:nvSpPr>
+          <p:cNvPr id="5" name="Slide Number Placeholder 4">
+            <a:extLst>
+              <a:ext uri="{FF2B5EF4-FFF2-40B4-BE49-F238E27FC236}">
+                <a16:creationId xmlns:a16="http://schemas.microsoft.com/office/drawing/2014/main" id="{31DBF32A-E89D-3B96-F7E1-87C5E3132AE0}"/>
+              </a:ext>
+            </a:extLst>
+          </p:cNvPr>
+          <p:cNvSpPr>
+            <a:spLocks noGrp="1"/>
+          </p:cNvSpPr>
+          <p:nvPr>
+            <p:ph type="sldNum" sz="quarter" idx="12"/>
+          </p:nvPr>
+        </p:nvSpPr>
+        <p:spPr/>
+        <p:txBody>
+          <a:bodyPr/>
+          <a:lstStyle/>
+          <a:p>
+            <a:fld id="{62CBAC88-EF5B-3148-888C-824478CD1B05}" type="slidenum">
+              <a:rPr lang="en-US" smtClean="0"/>
+              <a:t>8</a:t>
+            </a:fld>
+            <a:endParaRPr lang="en-US"/>
+          </a:p>
+        </p:txBody>
+      </p:sp>
     </p:spTree>
     <p:extLst>
       <p:ext uri="{BB962C8B-B14F-4D97-AF65-F5344CB8AC3E}">
@@ -14319,6 +18164,60 @@
           </a:p>
           <a:p>
             <a:endParaRPr lang="en-US" sz="2400" dirty="0"/>
+          </a:p>
+        </p:txBody>
+      </p:sp>
+      <p:sp>
+        <p:nvSpPr>
+          <p:cNvPr id="2" name="Footer Placeholder 1">
+            <a:extLst>
+              <a:ext uri="{FF2B5EF4-FFF2-40B4-BE49-F238E27FC236}">
+                <a16:creationId xmlns:a16="http://schemas.microsoft.com/office/drawing/2014/main" id="{9DC283BE-7866-0606-8401-BECA817923D6}"/>
+              </a:ext>
+            </a:extLst>
+          </p:cNvPr>
+          <p:cNvSpPr>
+            <a:spLocks noGrp="1"/>
+          </p:cNvSpPr>
+          <p:nvPr>
+            <p:ph type="ftr" sz="quarter" idx="11"/>
+          </p:nvPr>
+        </p:nvSpPr>
+        <p:spPr/>
+        <p:txBody>
+          <a:bodyPr/>
+          <a:lstStyle/>
+          <a:p>
+            <a:endParaRPr lang="en-US"/>
+          </a:p>
+        </p:txBody>
+      </p:sp>
+      <p:sp>
+        <p:nvSpPr>
+          <p:cNvPr id="5" name="Slide Number Placeholder 4">
+            <a:extLst>
+              <a:ext uri="{FF2B5EF4-FFF2-40B4-BE49-F238E27FC236}">
+                <a16:creationId xmlns:a16="http://schemas.microsoft.com/office/drawing/2014/main" id="{F4904C7B-9B5F-6D5A-091D-6C450CB20497}"/>
+              </a:ext>
+            </a:extLst>
+          </p:cNvPr>
+          <p:cNvSpPr>
+            <a:spLocks noGrp="1"/>
+          </p:cNvSpPr>
+          <p:nvPr>
+            <p:ph type="sldNum" sz="quarter" idx="12"/>
+          </p:nvPr>
+        </p:nvSpPr>
+        <p:spPr/>
+        <p:txBody>
+          <a:bodyPr/>
+          <a:lstStyle/>
+          <a:p>
+            <a:fld id="{62CBAC88-EF5B-3148-888C-824478CD1B05}" type="slidenum">
+              <a:rPr lang="en-US" smtClean="0"/>
+              <a:t>9</a:t>
+            </a:fld>
+            <a:endParaRPr lang="en-US"/>
           </a:p>
         </p:txBody>
       </p:sp>

--- a/Slides/Chapter05.pptx
+++ b/Slides/Chapter05.pptx
@@ -266,7 +266,7 @@
           <a:p>
             <a:fld id="{1014AD53-B32D-C140-B1EF-3AA5C844E3CC}" type="datetimeFigureOut">
               <a:rPr lang="en-US" smtClean="0"/>
-              <a:t>10/27/25</a:t>
+              <a:t>10/28/25</a:t>
             </a:fld>
             <a:endParaRPr lang="en-US"/>
           </a:p>
@@ -577,6 +577,93 @@
           <a:bodyPr/>
           <a:lstStyle/>
           <a:p>
+            <a:r>
+              <a:rPr lang="en-US" dirty="0"/>
+              <a:t> </a:t>
+            </a:r>
+          </a:p>
+        </p:txBody>
+      </p:sp>
+      <p:sp>
+        <p:nvSpPr>
+          <p:cNvPr id="4" name="Slide Number Placeholder 3"/>
+          <p:cNvSpPr>
+            <a:spLocks noGrp="1"/>
+          </p:cNvSpPr>
+          <p:nvPr>
+            <p:ph type="sldNum" sz="quarter" idx="5"/>
+          </p:nvPr>
+        </p:nvSpPr>
+        <p:spPr/>
+        <p:txBody>
+          <a:bodyPr/>
+          <a:lstStyle/>
+          <a:p>
+            <a:fld id="{448C4CF2-F628-2745-AAE9-2B53077012C1}" type="slidenum">
+              <a:rPr lang="en-US" smtClean="0"/>
+              <a:t>56</a:t>
+            </a:fld>
+            <a:endParaRPr lang="en-US"/>
+          </a:p>
+        </p:txBody>
+      </p:sp>
+    </p:spTree>
+    <p:extLst>
+      <p:ext uri="{BB962C8B-B14F-4D97-AF65-F5344CB8AC3E}">
+        <p14:creationId xmlns:p14="http://schemas.microsoft.com/office/powerpoint/2010/main" val="3780183758"/>
+      </p:ext>
+    </p:extLst>
+  </p:cSld>
+  <p:clrMapOvr>
+    <a:masterClrMapping/>
+  </p:clrMapOvr>
+</p:notes>
+</file>
+
+<file path=ppt/notesSlides/notesSlide2.xml><?xml version="1.0" encoding="utf-8"?>
+<p:notes xmlns:a="http://schemas.openxmlformats.org/drawingml/2006/main" xmlns:r="http://schemas.openxmlformats.org/officeDocument/2006/relationships" xmlns:p="http://schemas.openxmlformats.org/presentationml/2006/main">
+  <p:cSld>
+    <p:spTree>
+      <p:nvGrpSpPr>
+        <p:cNvPr id="1" name=""/>
+        <p:cNvGrpSpPr/>
+        <p:nvPr/>
+      </p:nvGrpSpPr>
+      <p:grpSpPr>
+        <a:xfrm>
+          <a:off x="0" y="0"/>
+          <a:ext cx="0" cy="0"/>
+          <a:chOff x="0" y="0"/>
+          <a:chExt cx="0" cy="0"/>
+        </a:xfrm>
+      </p:grpSpPr>
+      <p:sp>
+        <p:nvSpPr>
+          <p:cNvPr id="2" name="Slide Image Placeholder 1"/>
+          <p:cNvSpPr>
+            <a:spLocks noGrp="1" noRot="1" noChangeAspect="1"/>
+          </p:cNvSpPr>
+          <p:nvPr>
+            <p:ph type="sldImg"/>
+          </p:nvPr>
+        </p:nvSpPr>
+        <p:spPr/>
+      </p:sp>
+      <p:sp>
+        <p:nvSpPr>
+          <p:cNvPr id="3" name="Notes Placeholder 2"/>
+          <p:cNvSpPr>
+            <a:spLocks noGrp="1"/>
+          </p:cNvSpPr>
+          <p:nvPr>
+            <p:ph type="body" idx="1"/>
+          </p:nvPr>
+        </p:nvSpPr>
+        <p:spPr/>
+        <p:txBody>
+          <a:bodyPr/>
+          <a:lstStyle/>
+          <a:p>
             <a:endParaRPr lang="en-US" dirty="0"/>
           </a:p>
         </p:txBody>
@@ -608,6 +695,90 @@
     <p:extLst>
       <p:ext uri="{BB962C8B-B14F-4D97-AF65-F5344CB8AC3E}">
         <p14:creationId xmlns:p14="http://schemas.microsoft.com/office/powerpoint/2010/main" val="4108397934"/>
+      </p:ext>
+    </p:extLst>
+  </p:cSld>
+  <p:clrMapOvr>
+    <a:masterClrMapping/>
+  </p:clrMapOvr>
+</p:notes>
+</file>
+
+<file path=ppt/notesSlides/notesSlide3.xml><?xml version="1.0" encoding="utf-8"?>
+<p:notes xmlns:a="http://schemas.openxmlformats.org/drawingml/2006/main" xmlns:r="http://schemas.openxmlformats.org/officeDocument/2006/relationships" xmlns:p="http://schemas.openxmlformats.org/presentationml/2006/main">
+  <p:cSld>
+    <p:spTree>
+      <p:nvGrpSpPr>
+        <p:cNvPr id="1" name=""/>
+        <p:cNvGrpSpPr/>
+        <p:nvPr/>
+      </p:nvGrpSpPr>
+      <p:grpSpPr>
+        <a:xfrm>
+          <a:off x="0" y="0"/>
+          <a:ext cx="0" cy="0"/>
+          <a:chOff x="0" y="0"/>
+          <a:chExt cx="0" cy="0"/>
+        </a:xfrm>
+      </p:grpSpPr>
+      <p:sp>
+        <p:nvSpPr>
+          <p:cNvPr id="2" name="Slide Image Placeholder 1"/>
+          <p:cNvSpPr>
+            <a:spLocks noGrp="1" noRot="1" noChangeAspect="1"/>
+          </p:cNvSpPr>
+          <p:nvPr>
+            <p:ph type="sldImg"/>
+          </p:nvPr>
+        </p:nvSpPr>
+        <p:spPr/>
+      </p:sp>
+      <p:sp>
+        <p:nvSpPr>
+          <p:cNvPr id="3" name="Notes Placeholder 2"/>
+          <p:cNvSpPr>
+            <a:spLocks noGrp="1"/>
+          </p:cNvSpPr>
+          <p:nvPr>
+            <p:ph type="body" idx="1"/>
+          </p:nvPr>
+        </p:nvSpPr>
+        <p:spPr/>
+        <p:txBody>
+          <a:bodyPr/>
+          <a:lstStyle/>
+          <a:p>
+            <a:endParaRPr lang="en-US"/>
+          </a:p>
+        </p:txBody>
+      </p:sp>
+      <p:sp>
+        <p:nvSpPr>
+          <p:cNvPr id="4" name="Slide Number Placeholder 3"/>
+          <p:cNvSpPr>
+            <a:spLocks noGrp="1"/>
+          </p:cNvSpPr>
+          <p:nvPr>
+            <p:ph type="sldNum" sz="quarter" idx="5"/>
+          </p:nvPr>
+        </p:nvSpPr>
+        <p:spPr/>
+        <p:txBody>
+          <a:bodyPr/>
+          <a:lstStyle/>
+          <a:p>
+            <a:fld id="{448C4CF2-F628-2745-AAE9-2B53077012C1}" type="slidenum">
+              <a:rPr lang="en-US" smtClean="0"/>
+              <a:t>70</a:t>
+            </a:fld>
+            <a:endParaRPr lang="en-US"/>
+          </a:p>
+        </p:txBody>
+      </p:sp>
+    </p:spTree>
+    <p:extLst>
+      <p:ext uri="{BB962C8B-B14F-4D97-AF65-F5344CB8AC3E}">
+        <p14:creationId xmlns:p14="http://schemas.microsoft.com/office/powerpoint/2010/main" val="868219159"/>
       </p:ext>
     </p:extLst>
   </p:cSld>
@@ -902,9 +1073,9 @@
           <a:bodyPr/>
           <a:lstStyle/>
           <a:p>
-            <a:fld id="{BD6E15D8-D685-1144-AD8A-ADBAA9D63DF8}" type="datetime1">
+            <a:fld id="{B81ECC85-AFE0-C249-B7B8-61A52844C17E}" type="datetime5">
               <a:rPr lang="en-US" smtClean="0"/>
-              <a:t>10/27/25</a:t>
+              <a:t>28-Oct-25</a:t>
             </a:fld>
             <a:endParaRPr lang="en-US"/>
           </a:p>
@@ -925,7 +1096,10 @@
           <a:bodyPr/>
           <a:lstStyle/>
           <a:p>
-            <a:endParaRPr lang="en-US"/>
+            <a:r>
+              <a:rPr lang="en-US"/>
+              <a:t>© Steve Beaty and others as cited</a:t>
+            </a:r>
           </a:p>
         </p:txBody>
       </p:sp>
@@ -949,6 +1123,142 @@
               <a:t>‹#›</a:t>
             </a:fld>
             <a:endParaRPr lang="en-US"/>
+          </a:p>
+        </p:txBody>
+      </p:sp>
+      <p:sp>
+        <p:nvSpPr>
+          <p:cNvPr id="7" name="Date Placeholder 2">
+            <a:extLst>
+              <a:ext uri="{FF2B5EF4-FFF2-40B4-BE49-F238E27FC236}">
+                <a16:creationId xmlns:a16="http://schemas.microsoft.com/office/drawing/2014/main" id="{FD3C3453-6596-1340-01B9-8877C1567E49}"/>
+              </a:ext>
+            </a:extLst>
+          </p:cNvPr>
+          <p:cNvSpPr txBox="1">
+            <a:spLocks/>
+          </p:cNvSpPr>
+          <p:nvPr userDrawn="1"/>
+        </p:nvSpPr>
+        <p:spPr>
+          <a:xfrm>
+            <a:off x="605141" y="6308726"/>
+            <a:ext cx="1169155" cy="487680"/>
+          </a:xfrm>
+          <a:prstGeom prst="rect">
+            <a:avLst/>
+          </a:prstGeom>
+          <a:solidFill>
+            <a:schemeClr val="bg1"/>
+          </a:solidFill>
+          <a:effectLst>
+            <a:softEdge rad="63500"/>
+          </a:effectLst>
+        </p:spPr>
+        <p:txBody>
+          <a:bodyPr anchor="ctr" anchorCtr="0"/>
+          <a:lstStyle>
+            <a:defPPr>
+              <a:defRPr lang="en-US"/>
+            </a:defPPr>
+            <a:lvl1pPr marL="0" algn="ctr" defTabSz="914400" rtl="0" eaLnBrk="1" latinLnBrk="0" hangingPunct="1">
+              <a:defRPr sz="1600" kern="1200">
+                <a:solidFill>
+                  <a:schemeClr val="tx1"/>
+                </a:solidFill>
+                <a:latin typeface="+mn-lt"/>
+                <a:ea typeface="+mn-ea"/>
+                <a:cs typeface="+mn-cs"/>
+              </a:defRPr>
+            </a:lvl1pPr>
+            <a:lvl2pPr marL="457200" algn="l" defTabSz="914400" rtl="0" eaLnBrk="1" latinLnBrk="0" hangingPunct="1">
+              <a:defRPr sz="1800" kern="1200">
+                <a:solidFill>
+                  <a:schemeClr val="tx1"/>
+                </a:solidFill>
+                <a:latin typeface="+mn-lt"/>
+                <a:ea typeface="+mn-ea"/>
+                <a:cs typeface="+mn-cs"/>
+              </a:defRPr>
+            </a:lvl2pPr>
+            <a:lvl3pPr marL="914400" algn="l" defTabSz="914400" rtl="0" eaLnBrk="1" latinLnBrk="0" hangingPunct="1">
+              <a:defRPr sz="1800" kern="1200">
+                <a:solidFill>
+                  <a:schemeClr val="tx1"/>
+                </a:solidFill>
+                <a:latin typeface="+mn-lt"/>
+                <a:ea typeface="+mn-ea"/>
+                <a:cs typeface="+mn-cs"/>
+              </a:defRPr>
+            </a:lvl3pPr>
+            <a:lvl4pPr marL="1371600" algn="l" defTabSz="914400" rtl="0" eaLnBrk="1" latinLnBrk="0" hangingPunct="1">
+              <a:defRPr sz="1800" kern="1200">
+                <a:solidFill>
+                  <a:schemeClr val="tx1"/>
+                </a:solidFill>
+                <a:latin typeface="+mn-lt"/>
+                <a:ea typeface="+mn-ea"/>
+                <a:cs typeface="+mn-cs"/>
+              </a:defRPr>
+            </a:lvl4pPr>
+            <a:lvl5pPr marL="1828800" algn="l" defTabSz="914400" rtl="0" eaLnBrk="1" latinLnBrk="0" hangingPunct="1">
+              <a:defRPr sz="1800" kern="1200">
+                <a:solidFill>
+                  <a:schemeClr val="tx1"/>
+                </a:solidFill>
+                <a:latin typeface="+mn-lt"/>
+                <a:ea typeface="+mn-ea"/>
+                <a:cs typeface="+mn-cs"/>
+              </a:defRPr>
+            </a:lvl5pPr>
+            <a:lvl6pPr marL="2286000" algn="l" defTabSz="914400" rtl="0" eaLnBrk="1" latinLnBrk="0" hangingPunct="1">
+              <a:defRPr sz="1800" kern="1200">
+                <a:solidFill>
+                  <a:schemeClr val="tx1"/>
+                </a:solidFill>
+                <a:latin typeface="+mn-lt"/>
+                <a:ea typeface="+mn-ea"/>
+                <a:cs typeface="+mn-cs"/>
+              </a:defRPr>
+            </a:lvl6pPr>
+            <a:lvl7pPr marL="2743200" algn="l" defTabSz="914400" rtl="0" eaLnBrk="1" latinLnBrk="0" hangingPunct="1">
+              <a:defRPr sz="1800" kern="1200">
+                <a:solidFill>
+                  <a:schemeClr val="tx1"/>
+                </a:solidFill>
+                <a:latin typeface="+mn-lt"/>
+                <a:ea typeface="+mn-ea"/>
+                <a:cs typeface="+mn-cs"/>
+              </a:defRPr>
+            </a:lvl7pPr>
+            <a:lvl8pPr marL="3200400" algn="l" defTabSz="914400" rtl="0" eaLnBrk="1" latinLnBrk="0" hangingPunct="1">
+              <a:defRPr sz="1800" kern="1200">
+                <a:solidFill>
+                  <a:schemeClr val="tx1"/>
+                </a:solidFill>
+                <a:latin typeface="+mn-lt"/>
+                <a:ea typeface="+mn-ea"/>
+                <a:cs typeface="+mn-cs"/>
+              </a:defRPr>
+            </a:lvl8pPr>
+            <a:lvl9pPr marL="3657600" algn="l" defTabSz="914400" rtl="0" eaLnBrk="1" latinLnBrk="0" hangingPunct="1">
+              <a:defRPr sz="1800" kern="1200">
+                <a:solidFill>
+                  <a:schemeClr val="tx1"/>
+                </a:solidFill>
+                <a:latin typeface="+mn-lt"/>
+                <a:ea typeface="+mn-ea"/>
+                <a:cs typeface="+mn-cs"/>
+              </a:defRPr>
+            </a:lvl9pPr>
+          </a:lstStyle>
+          <a:p>
+            <a:fld id="{59E145AF-2465-1345-A673-F2664B07CED8}" type="datetime5">
+              <a:rPr lang="en-US" smtClean="0"/>
+              <a:pPr/>
+              <a:t>28-Oct-25</a:t>
+            </a:fld>
+            <a:endParaRPr lang="en-US" dirty="0"/>
           </a:p>
         </p:txBody>
       </p:sp>
@@ -1083,9 +1393,9 @@
           <a:bodyPr/>
           <a:lstStyle/>
           <a:p>
-            <a:fld id="{D14690C4-8DBE-C744-9F73-39F8C56C05AA}" type="datetime1">
+            <a:fld id="{F2E4E05D-C966-5845-BEBD-042485385735}" type="datetime5">
               <a:rPr lang="en-US" smtClean="0"/>
-              <a:t>10/27/25</a:t>
+              <a:t>28-Oct-25</a:t>
             </a:fld>
             <a:endParaRPr lang="en-US"/>
           </a:p>
@@ -1106,7 +1416,10 @@
           <a:bodyPr/>
           <a:lstStyle/>
           <a:p>
-            <a:endParaRPr lang="en-US"/>
+            <a:r>
+              <a:rPr lang="en-US"/>
+              <a:t>© Steve Beaty and others as cited</a:t>
+            </a:r>
           </a:p>
         </p:txBody>
       </p:sp>
@@ -1130,6 +1443,142 @@
               <a:t>‹#›</a:t>
             </a:fld>
             <a:endParaRPr lang="en-US"/>
+          </a:p>
+        </p:txBody>
+      </p:sp>
+      <p:sp>
+        <p:nvSpPr>
+          <p:cNvPr id="7" name="Date Placeholder 2">
+            <a:extLst>
+              <a:ext uri="{FF2B5EF4-FFF2-40B4-BE49-F238E27FC236}">
+                <a16:creationId xmlns:a16="http://schemas.microsoft.com/office/drawing/2014/main" id="{9887BBEB-32D5-2D50-07CA-3F51A75FA0E8}"/>
+              </a:ext>
+            </a:extLst>
+          </p:cNvPr>
+          <p:cNvSpPr txBox="1">
+            <a:spLocks/>
+          </p:cNvSpPr>
+          <p:nvPr userDrawn="1"/>
+        </p:nvSpPr>
+        <p:spPr>
+          <a:xfrm>
+            <a:off x="605141" y="6308726"/>
+            <a:ext cx="1169155" cy="487680"/>
+          </a:xfrm>
+          <a:prstGeom prst="rect">
+            <a:avLst/>
+          </a:prstGeom>
+          <a:solidFill>
+            <a:schemeClr val="bg1"/>
+          </a:solidFill>
+          <a:effectLst>
+            <a:softEdge rad="63500"/>
+          </a:effectLst>
+        </p:spPr>
+        <p:txBody>
+          <a:bodyPr anchor="ctr" anchorCtr="0"/>
+          <a:lstStyle>
+            <a:defPPr>
+              <a:defRPr lang="en-US"/>
+            </a:defPPr>
+            <a:lvl1pPr marL="0" algn="ctr" defTabSz="914400" rtl="0" eaLnBrk="1" latinLnBrk="0" hangingPunct="1">
+              <a:defRPr sz="1600" kern="1200">
+                <a:solidFill>
+                  <a:schemeClr val="tx1"/>
+                </a:solidFill>
+                <a:latin typeface="+mn-lt"/>
+                <a:ea typeface="+mn-ea"/>
+                <a:cs typeface="+mn-cs"/>
+              </a:defRPr>
+            </a:lvl1pPr>
+            <a:lvl2pPr marL="457200" algn="l" defTabSz="914400" rtl="0" eaLnBrk="1" latinLnBrk="0" hangingPunct="1">
+              <a:defRPr sz="1800" kern="1200">
+                <a:solidFill>
+                  <a:schemeClr val="tx1"/>
+                </a:solidFill>
+                <a:latin typeface="+mn-lt"/>
+                <a:ea typeface="+mn-ea"/>
+                <a:cs typeface="+mn-cs"/>
+              </a:defRPr>
+            </a:lvl2pPr>
+            <a:lvl3pPr marL="914400" algn="l" defTabSz="914400" rtl="0" eaLnBrk="1" latinLnBrk="0" hangingPunct="1">
+              <a:defRPr sz="1800" kern="1200">
+                <a:solidFill>
+                  <a:schemeClr val="tx1"/>
+                </a:solidFill>
+                <a:latin typeface="+mn-lt"/>
+                <a:ea typeface="+mn-ea"/>
+                <a:cs typeface="+mn-cs"/>
+              </a:defRPr>
+            </a:lvl3pPr>
+            <a:lvl4pPr marL="1371600" algn="l" defTabSz="914400" rtl="0" eaLnBrk="1" latinLnBrk="0" hangingPunct="1">
+              <a:defRPr sz="1800" kern="1200">
+                <a:solidFill>
+                  <a:schemeClr val="tx1"/>
+                </a:solidFill>
+                <a:latin typeface="+mn-lt"/>
+                <a:ea typeface="+mn-ea"/>
+                <a:cs typeface="+mn-cs"/>
+              </a:defRPr>
+            </a:lvl4pPr>
+            <a:lvl5pPr marL="1828800" algn="l" defTabSz="914400" rtl="0" eaLnBrk="1" latinLnBrk="0" hangingPunct="1">
+              <a:defRPr sz="1800" kern="1200">
+                <a:solidFill>
+                  <a:schemeClr val="tx1"/>
+                </a:solidFill>
+                <a:latin typeface="+mn-lt"/>
+                <a:ea typeface="+mn-ea"/>
+                <a:cs typeface="+mn-cs"/>
+              </a:defRPr>
+            </a:lvl5pPr>
+            <a:lvl6pPr marL="2286000" algn="l" defTabSz="914400" rtl="0" eaLnBrk="1" latinLnBrk="0" hangingPunct="1">
+              <a:defRPr sz="1800" kern="1200">
+                <a:solidFill>
+                  <a:schemeClr val="tx1"/>
+                </a:solidFill>
+                <a:latin typeface="+mn-lt"/>
+                <a:ea typeface="+mn-ea"/>
+                <a:cs typeface="+mn-cs"/>
+              </a:defRPr>
+            </a:lvl6pPr>
+            <a:lvl7pPr marL="2743200" algn="l" defTabSz="914400" rtl="0" eaLnBrk="1" latinLnBrk="0" hangingPunct="1">
+              <a:defRPr sz="1800" kern="1200">
+                <a:solidFill>
+                  <a:schemeClr val="tx1"/>
+                </a:solidFill>
+                <a:latin typeface="+mn-lt"/>
+                <a:ea typeface="+mn-ea"/>
+                <a:cs typeface="+mn-cs"/>
+              </a:defRPr>
+            </a:lvl7pPr>
+            <a:lvl8pPr marL="3200400" algn="l" defTabSz="914400" rtl="0" eaLnBrk="1" latinLnBrk="0" hangingPunct="1">
+              <a:defRPr sz="1800" kern="1200">
+                <a:solidFill>
+                  <a:schemeClr val="tx1"/>
+                </a:solidFill>
+                <a:latin typeface="+mn-lt"/>
+                <a:ea typeface="+mn-ea"/>
+                <a:cs typeface="+mn-cs"/>
+              </a:defRPr>
+            </a:lvl8pPr>
+            <a:lvl9pPr marL="3657600" algn="l" defTabSz="914400" rtl="0" eaLnBrk="1" latinLnBrk="0" hangingPunct="1">
+              <a:defRPr sz="1800" kern="1200">
+                <a:solidFill>
+                  <a:schemeClr val="tx1"/>
+                </a:solidFill>
+                <a:latin typeface="+mn-lt"/>
+                <a:ea typeface="+mn-ea"/>
+                <a:cs typeface="+mn-cs"/>
+              </a:defRPr>
+            </a:lvl9pPr>
+          </a:lstStyle>
+          <a:p>
+            <a:fld id="{59E145AF-2465-1345-A673-F2664B07CED8}" type="datetime5">
+              <a:rPr lang="en-US" smtClean="0"/>
+              <a:pPr/>
+              <a:t>28-Oct-25</a:t>
+            </a:fld>
+            <a:endParaRPr lang="en-US" dirty="0"/>
           </a:p>
         </p:txBody>
       </p:sp>
@@ -1253,9 +1702,9 @@
           <a:bodyPr/>
           <a:lstStyle/>
           <a:p>
-            <a:fld id="{DCBD7BB8-3C64-944A-871D-EEFF8C4987C2}" type="datetime1">
+            <a:fld id="{58ACF659-EF88-2B45-A576-F85780E7DB9B}" type="datetime5">
               <a:rPr lang="en-US" smtClean="0"/>
-              <a:t>10/27/25</a:t>
+              <a:t>28-Oct-25</a:t>
             </a:fld>
             <a:endParaRPr lang="en-US"/>
           </a:p>
@@ -1276,7 +1725,10 @@
           <a:bodyPr/>
           <a:lstStyle/>
           <a:p>
-            <a:endParaRPr lang="en-US"/>
+            <a:r>
+              <a:rPr lang="en-US"/>
+              <a:t>© Steve Beaty and others as cited</a:t>
+            </a:r>
           </a:p>
         </p:txBody>
       </p:sp>
@@ -1350,6 +1802,142 @@
               <a:rPr lang="en-US"/>
               <a:t>Click to edit Master text styles</a:t>
             </a:r>
+          </a:p>
+        </p:txBody>
+      </p:sp>
+      <p:sp>
+        <p:nvSpPr>
+          <p:cNvPr id="8" name="Date Placeholder 2">
+            <a:extLst>
+              <a:ext uri="{FF2B5EF4-FFF2-40B4-BE49-F238E27FC236}">
+                <a16:creationId xmlns:a16="http://schemas.microsoft.com/office/drawing/2014/main" id="{7DDEEDF1-8A77-85F3-9C93-920E453307BB}"/>
+              </a:ext>
+            </a:extLst>
+          </p:cNvPr>
+          <p:cNvSpPr txBox="1">
+            <a:spLocks/>
+          </p:cNvSpPr>
+          <p:nvPr userDrawn="1"/>
+        </p:nvSpPr>
+        <p:spPr>
+          <a:xfrm>
+            <a:off x="605141" y="6308726"/>
+            <a:ext cx="1169155" cy="487680"/>
+          </a:xfrm>
+          <a:prstGeom prst="rect">
+            <a:avLst/>
+          </a:prstGeom>
+          <a:solidFill>
+            <a:schemeClr val="bg1"/>
+          </a:solidFill>
+          <a:effectLst>
+            <a:softEdge rad="63500"/>
+          </a:effectLst>
+        </p:spPr>
+        <p:txBody>
+          <a:bodyPr anchor="ctr" anchorCtr="0"/>
+          <a:lstStyle>
+            <a:defPPr>
+              <a:defRPr lang="en-US"/>
+            </a:defPPr>
+            <a:lvl1pPr marL="0" algn="ctr" defTabSz="914400" rtl="0" eaLnBrk="1" latinLnBrk="0" hangingPunct="1">
+              <a:defRPr sz="1600" kern="1200">
+                <a:solidFill>
+                  <a:schemeClr val="tx1"/>
+                </a:solidFill>
+                <a:latin typeface="+mn-lt"/>
+                <a:ea typeface="+mn-ea"/>
+                <a:cs typeface="+mn-cs"/>
+              </a:defRPr>
+            </a:lvl1pPr>
+            <a:lvl2pPr marL="457200" algn="l" defTabSz="914400" rtl="0" eaLnBrk="1" latinLnBrk="0" hangingPunct="1">
+              <a:defRPr sz="1800" kern="1200">
+                <a:solidFill>
+                  <a:schemeClr val="tx1"/>
+                </a:solidFill>
+                <a:latin typeface="+mn-lt"/>
+                <a:ea typeface="+mn-ea"/>
+                <a:cs typeface="+mn-cs"/>
+              </a:defRPr>
+            </a:lvl2pPr>
+            <a:lvl3pPr marL="914400" algn="l" defTabSz="914400" rtl="0" eaLnBrk="1" latinLnBrk="0" hangingPunct="1">
+              <a:defRPr sz="1800" kern="1200">
+                <a:solidFill>
+                  <a:schemeClr val="tx1"/>
+                </a:solidFill>
+                <a:latin typeface="+mn-lt"/>
+                <a:ea typeface="+mn-ea"/>
+                <a:cs typeface="+mn-cs"/>
+              </a:defRPr>
+            </a:lvl3pPr>
+            <a:lvl4pPr marL="1371600" algn="l" defTabSz="914400" rtl="0" eaLnBrk="1" latinLnBrk="0" hangingPunct="1">
+              <a:defRPr sz="1800" kern="1200">
+                <a:solidFill>
+                  <a:schemeClr val="tx1"/>
+                </a:solidFill>
+                <a:latin typeface="+mn-lt"/>
+                <a:ea typeface="+mn-ea"/>
+                <a:cs typeface="+mn-cs"/>
+              </a:defRPr>
+            </a:lvl4pPr>
+            <a:lvl5pPr marL="1828800" algn="l" defTabSz="914400" rtl="0" eaLnBrk="1" latinLnBrk="0" hangingPunct="1">
+              <a:defRPr sz="1800" kern="1200">
+                <a:solidFill>
+                  <a:schemeClr val="tx1"/>
+                </a:solidFill>
+                <a:latin typeface="+mn-lt"/>
+                <a:ea typeface="+mn-ea"/>
+                <a:cs typeface="+mn-cs"/>
+              </a:defRPr>
+            </a:lvl5pPr>
+            <a:lvl6pPr marL="2286000" algn="l" defTabSz="914400" rtl="0" eaLnBrk="1" latinLnBrk="0" hangingPunct="1">
+              <a:defRPr sz="1800" kern="1200">
+                <a:solidFill>
+                  <a:schemeClr val="tx1"/>
+                </a:solidFill>
+                <a:latin typeface="+mn-lt"/>
+                <a:ea typeface="+mn-ea"/>
+                <a:cs typeface="+mn-cs"/>
+              </a:defRPr>
+            </a:lvl6pPr>
+            <a:lvl7pPr marL="2743200" algn="l" defTabSz="914400" rtl="0" eaLnBrk="1" latinLnBrk="0" hangingPunct="1">
+              <a:defRPr sz="1800" kern="1200">
+                <a:solidFill>
+                  <a:schemeClr val="tx1"/>
+                </a:solidFill>
+                <a:latin typeface="+mn-lt"/>
+                <a:ea typeface="+mn-ea"/>
+                <a:cs typeface="+mn-cs"/>
+              </a:defRPr>
+            </a:lvl7pPr>
+            <a:lvl8pPr marL="3200400" algn="l" defTabSz="914400" rtl="0" eaLnBrk="1" latinLnBrk="0" hangingPunct="1">
+              <a:defRPr sz="1800" kern="1200">
+                <a:solidFill>
+                  <a:schemeClr val="tx1"/>
+                </a:solidFill>
+                <a:latin typeface="+mn-lt"/>
+                <a:ea typeface="+mn-ea"/>
+                <a:cs typeface="+mn-cs"/>
+              </a:defRPr>
+            </a:lvl8pPr>
+            <a:lvl9pPr marL="3657600" algn="l" defTabSz="914400" rtl="0" eaLnBrk="1" latinLnBrk="0" hangingPunct="1">
+              <a:defRPr sz="1800" kern="1200">
+                <a:solidFill>
+                  <a:schemeClr val="tx1"/>
+                </a:solidFill>
+                <a:latin typeface="+mn-lt"/>
+                <a:ea typeface="+mn-ea"/>
+                <a:cs typeface="+mn-cs"/>
+              </a:defRPr>
+            </a:lvl9pPr>
+          </a:lstStyle>
+          <a:p>
+            <a:fld id="{59E145AF-2465-1345-A673-F2664B07CED8}" type="datetime5">
+              <a:rPr lang="en-US" smtClean="0"/>
+              <a:pPr/>
+              <a:t>28-Oct-25</a:t>
+            </a:fld>
+            <a:endParaRPr lang="en-US" dirty="0"/>
           </a:p>
         </p:txBody>
       </p:sp>
@@ -1596,9 +2184,9 @@
           <a:bodyPr/>
           <a:lstStyle/>
           <a:p>
-            <a:fld id="{BB15186C-C400-F34C-B36B-E1F3395EE67C}" type="datetime1">
+            <a:fld id="{58D37E5E-00C5-534E-A15C-41F0900565AD}" type="datetime5">
               <a:rPr lang="en-US" smtClean="0"/>
-              <a:t>10/27/25</a:t>
+              <a:t>28-Oct-25</a:t>
             </a:fld>
             <a:endParaRPr lang="en-US"/>
           </a:p>
@@ -1619,7 +2207,10 @@
           <a:bodyPr/>
           <a:lstStyle/>
           <a:p>
-            <a:endParaRPr lang="en-US"/>
+            <a:r>
+              <a:rPr lang="en-US"/>
+              <a:t>© Steve Beaty and others as cited</a:t>
+            </a:r>
           </a:p>
         </p:txBody>
       </p:sp>
@@ -1643,6 +2234,142 @@
               <a:t>‹#›</a:t>
             </a:fld>
             <a:endParaRPr lang="en-US"/>
+          </a:p>
+        </p:txBody>
+      </p:sp>
+      <p:sp>
+        <p:nvSpPr>
+          <p:cNvPr id="8" name="Date Placeholder 2">
+            <a:extLst>
+              <a:ext uri="{FF2B5EF4-FFF2-40B4-BE49-F238E27FC236}">
+                <a16:creationId xmlns:a16="http://schemas.microsoft.com/office/drawing/2014/main" id="{BC7257D9-CFE4-6187-731B-973A817958BF}"/>
+              </a:ext>
+            </a:extLst>
+          </p:cNvPr>
+          <p:cNvSpPr txBox="1">
+            <a:spLocks/>
+          </p:cNvSpPr>
+          <p:nvPr userDrawn="1"/>
+        </p:nvSpPr>
+        <p:spPr>
+          <a:xfrm>
+            <a:off x="605141" y="6308726"/>
+            <a:ext cx="1169155" cy="487680"/>
+          </a:xfrm>
+          <a:prstGeom prst="rect">
+            <a:avLst/>
+          </a:prstGeom>
+          <a:solidFill>
+            <a:schemeClr val="bg1"/>
+          </a:solidFill>
+          <a:effectLst>
+            <a:softEdge rad="63500"/>
+          </a:effectLst>
+        </p:spPr>
+        <p:txBody>
+          <a:bodyPr anchor="ctr" anchorCtr="0"/>
+          <a:lstStyle>
+            <a:defPPr>
+              <a:defRPr lang="en-US"/>
+            </a:defPPr>
+            <a:lvl1pPr marL="0" algn="ctr" defTabSz="914400" rtl="0" eaLnBrk="1" latinLnBrk="0" hangingPunct="1">
+              <a:defRPr sz="1600" kern="1200">
+                <a:solidFill>
+                  <a:schemeClr val="tx1"/>
+                </a:solidFill>
+                <a:latin typeface="+mn-lt"/>
+                <a:ea typeface="+mn-ea"/>
+                <a:cs typeface="+mn-cs"/>
+              </a:defRPr>
+            </a:lvl1pPr>
+            <a:lvl2pPr marL="457200" algn="l" defTabSz="914400" rtl="0" eaLnBrk="1" latinLnBrk="0" hangingPunct="1">
+              <a:defRPr sz="1800" kern="1200">
+                <a:solidFill>
+                  <a:schemeClr val="tx1"/>
+                </a:solidFill>
+                <a:latin typeface="+mn-lt"/>
+                <a:ea typeface="+mn-ea"/>
+                <a:cs typeface="+mn-cs"/>
+              </a:defRPr>
+            </a:lvl2pPr>
+            <a:lvl3pPr marL="914400" algn="l" defTabSz="914400" rtl="0" eaLnBrk="1" latinLnBrk="0" hangingPunct="1">
+              <a:defRPr sz="1800" kern="1200">
+                <a:solidFill>
+                  <a:schemeClr val="tx1"/>
+                </a:solidFill>
+                <a:latin typeface="+mn-lt"/>
+                <a:ea typeface="+mn-ea"/>
+                <a:cs typeface="+mn-cs"/>
+              </a:defRPr>
+            </a:lvl3pPr>
+            <a:lvl4pPr marL="1371600" algn="l" defTabSz="914400" rtl="0" eaLnBrk="1" latinLnBrk="0" hangingPunct="1">
+              <a:defRPr sz="1800" kern="1200">
+                <a:solidFill>
+                  <a:schemeClr val="tx1"/>
+                </a:solidFill>
+                <a:latin typeface="+mn-lt"/>
+                <a:ea typeface="+mn-ea"/>
+                <a:cs typeface="+mn-cs"/>
+              </a:defRPr>
+            </a:lvl4pPr>
+            <a:lvl5pPr marL="1828800" algn="l" defTabSz="914400" rtl="0" eaLnBrk="1" latinLnBrk="0" hangingPunct="1">
+              <a:defRPr sz="1800" kern="1200">
+                <a:solidFill>
+                  <a:schemeClr val="tx1"/>
+                </a:solidFill>
+                <a:latin typeface="+mn-lt"/>
+                <a:ea typeface="+mn-ea"/>
+                <a:cs typeface="+mn-cs"/>
+              </a:defRPr>
+            </a:lvl5pPr>
+            <a:lvl6pPr marL="2286000" algn="l" defTabSz="914400" rtl="0" eaLnBrk="1" latinLnBrk="0" hangingPunct="1">
+              <a:defRPr sz="1800" kern="1200">
+                <a:solidFill>
+                  <a:schemeClr val="tx1"/>
+                </a:solidFill>
+                <a:latin typeface="+mn-lt"/>
+                <a:ea typeface="+mn-ea"/>
+                <a:cs typeface="+mn-cs"/>
+              </a:defRPr>
+            </a:lvl6pPr>
+            <a:lvl7pPr marL="2743200" algn="l" defTabSz="914400" rtl="0" eaLnBrk="1" latinLnBrk="0" hangingPunct="1">
+              <a:defRPr sz="1800" kern="1200">
+                <a:solidFill>
+                  <a:schemeClr val="tx1"/>
+                </a:solidFill>
+                <a:latin typeface="+mn-lt"/>
+                <a:ea typeface="+mn-ea"/>
+                <a:cs typeface="+mn-cs"/>
+              </a:defRPr>
+            </a:lvl7pPr>
+            <a:lvl8pPr marL="3200400" algn="l" defTabSz="914400" rtl="0" eaLnBrk="1" latinLnBrk="0" hangingPunct="1">
+              <a:defRPr sz="1800" kern="1200">
+                <a:solidFill>
+                  <a:schemeClr val="tx1"/>
+                </a:solidFill>
+                <a:latin typeface="+mn-lt"/>
+                <a:ea typeface="+mn-ea"/>
+                <a:cs typeface="+mn-cs"/>
+              </a:defRPr>
+            </a:lvl8pPr>
+            <a:lvl9pPr marL="3657600" algn="l" defTabSz="914400" rtl="0" eaLnBrk="1" latinLnBrk="0" hangingPunct="1">
+              <a:defRPr sz="1800" kern="1200">
+                <a:solidFill>
+                  <a:schemeClr val="tx1"/>
+                </a:solidFill>
+                <a:latin typeface="+mn-lt"/>
+                <a:ea typeface="+mn-ea"/>
+                <a:cs typeface="+mn-cs"/>
+              </a:defRPr>
+            </a:lvl9pPr>
+          </a:lstStyle>
+          <a:p>
+            <a:fld id="{59E145AF-2465-1345-A673-F2664B07CED8}" type="datetime5">
+              <a:rPr lang="en-US" smtClean="0"/>
+              <a:pPr/>
+              <a:t>28-Oct-25</a:t>
+            </a:fld>
+            <a:endParaRPr lang="en-US" dirty="0"/>
           </a:p>
         </p:txBody>
       </p:sp>
@@ -1733,9 +2460,9 @@
           <a:bodyPr/>
           <a:lstStyle/>
           <a:p>
-            <a:fld id="{58058098-C04E-CB4D-B0EA-03E8D230EE4A}" type="datetime1">
+            <a:fld id="{7863BC3A-EEBB-604F-BA5E-9BB6AC27E8D5}" type="datetime5">
               <a:rPr lang="en-US" smtClean="0"/>
-              <a:t>10/27/25</a:t>
+              <a:t>28-Oct-25</a:t>
             </a:fld>
             <a:endParaRPr lang="en-US"/>
           </a:p>
@@ -1756,7 +2483,10 @@
           <a:bodyPr/>
           <a:lstStyle/>
           <a:p>
-            <a:endParaRPr lang="en-US"/>
+            <a:r>
+              <a:rPr lang="en-US"/>
+              <a:t>© Steve Beaty and others as cited</a:t>
+            </a:r>
           </a:p>
         </p:txBody>
       </p:sp>
@@ -1780,6 +2510,142 @@
               <a:t>‹#›</a:t>
             </a:fld>
             <a:endParaRPr lang="en-US"/>
+          </a:p>
+        </p:txBody>
+      </p:sp>
+      <p:sp>
+        <p:nvSpPr>
+          <p:cNvPr id="6" name="Date Placeholder 2">
+            <a:extLst>
+              <a:ext uri="{FF2B5EF4-FFF2-40B4-BE49-F238E27FC236}">
+                <a16:creationId xmlns:a16="http://schemas.microsoft.com/office/drawing/2014/main" id="{346DE585-182D-C90D-7BFC-E67326368F83}"/>
+              </a:ext>
+            </a:extLst>
+          </p:cNvPr>
+          <p:cNvSpPr txBox="1">
+            <a:spLocks/>
+          </p:cNvSpPr>
+          <p:nvPr userDrawn="1"/>
+        </p:nvSpPr>
+        <p:spPr>
+          <a:xfrm>
+            <a:off x="605141" y="6308726"/>
+            <a:ext cx="1169155" cy="487680"/>
+          </a:xfrm>
+          <a:prstGeom prst="rect">
+            <a:avLst/>
+          </a:prstGeom>
+          <a:solidFill>
+            <a:schemeClr val="bg1"/>
+          </a:solidFill>
+          <a:effectLst>
+            <a:softEdge rad="63500"/>
+          </a:effectLst>
+        </p:spPr>
+        <p:txBody>
+          <a:bodyPr anchor="ctr" anchorCtr="0"/>
+          <a:lstStyle>
+            <a:defPPr>
+              <a:defRPr lang="en-US"/>
+            </a:defPPr>
+            <a:lvl1pPr marL="0" algn="ctr" defTabSz="914400" rtl="0" eaLnBrk="1" latinLnBrk="0" hangingPunct="1">
+              <a:defRPr sz="1600" kern="1200">
+                <a:solidFill>
+                  <a:schemeClr val="tx1"/>
+                </a:solidFill>
+                <a:latin typeface="+mn-lt"/>
+                <a:ea typeface="+mn-ea"/>
+                <a:cs typeface="+mn-cs"/>
+              </a:defRPr>
+            </a:lvl1pPr>
+            <a:lvl2pPr marL="457200" algn="l" defTabSz="914400" rtl="0" eaLnBrk="1" latinLnBrk="0" hangingPunct="1">
+              <a:defRPr sz="1800" kern="1200">
+                <a:solidFill>
+                  <a:schemeClr val="tx1"/>
+                </a:solidFill>
+                <a:latin typeface="+mn-lt"/>
+                <a:ea typeface="+mn-ea"/>
+                <a:cs typeface="+mn-cs"/>
+              </a:defRPr>
+            </a:lvl2pPr>
+            <a:lvl3pPr marL="914400" algn="l" defTabSz="914400" rtl="0" eaLnBrk="1" latinLnBrk="0" hangingPunct="1">
+              <a:defRPr sz="1800" kern="1200">
+                <a:solidFill>
+                  <a:schemeClr val="tx1"/>
+                </a:solidFill>
+                <a:latin typeface="+mn-lt"/>
+                <a:ea typeface="+mn-ea"/>
+                <a:cs typeface="+mn-cs"/>
+              </a:defRPr>
+            </a:lvl3pPr>
+            <a:lvl4pPr marL="1371600" algn="l" defTabSz="914400" rtl="0" eaLnBrk="1" latinLnBrk="0" hangingPunct="1">
+              <a:defRPr sz="1800" kern="1200">
+                <a:solidFill>
+                  <a:schemeClr val="tx1"/>
+                </a:solidFill>
+                <a:latin typeface="+mn-lt"/>
+                <a:ea typeface="+mn-ea"/>
+                <a:cs typeface="+mn-cs"/>
+              </a:defRPr>
+            </a:lvl4pPr>
+            <a:lvl5pPr marL="1828800" algn="l" defTabSz="914400" rtl="0" eaLnBrk="1" latinLnBrk="0" hangingPunct="1">
+              <a:defRPr sz="1800" kern="1200">
+                <a:solidFill>
+                  <a:schemeClr val="tx1"/>
+                </a:solidFill>
+                <a:latin typeface="+mn-lt"/>
+                <a:ea typeface="+mn-ea"/>
+                <a:cs typeface="+mn-cs"/>
+              </a:defRPr>
+            </a:lvl5pPr>
+            <a:lvl6pPr marL="2286000" algn="l" defTabSz="914400" rtl="0" eaLnBrk="1" latinLnBrk="0" hangingPunct="1">
+              <a:defRPr sz="1800" kern="1200">
+                <a:solidFill>
+                  <a:schemeClr val="tx1"/>
+                </a:solidFill>
+                <a:latin typeface="+mn-lt"/>
+                <a:ea typeface="+mn-ea"/>
+                <a:cs typeface="+mn-cs"/>
+              </a:defRPr>
+            </a:lvl6pPr>
+            <a:lvl7pPr marL="2743200" algn="l" defTabSz="914400" rtl="0" eaLnBrk="1" latinLnBrk="0" hangingPunct="1">
+              <a:defRPr sz="1800" kern="1200">
+                <a:solidFill>
+                  <a:schemeClr val="tx1"/>
+                </a:solidFill>
+                <a:latin typeface="+mn-lt"/>
+                <a:ea typeface="+mn-ea"/>
+                <a:cs typeface="+mn-cs"/>
+              </a:defRPr>
+            </a:lvl7pPr>
+            <a:lvl8pPr marL="3200400" algn="l" defTabSz="914400" rtl="0" eaLnBrk="1" latinLnBrk="0" hangingPunct="1">
+              <a:defRPr sz="1800" kern="1200">
+                <a:solidFill>
+                  <a:schemeClr val="tx1"/>
+                </a:solidFill>
+                <a:latin typeface="+mn-lt"/>
+                <a:ea typeface="+mn-ea"/>
+                <a:cs typeface="+mn-cs"/>
+              </a:defRPr>
+            </a:lvl8pPr>
+            <a:lvl9pPr marL="3657600" algn="l" defTabSz="914400" rtl="0" eaLnBrk="1" latinLnBrk="0" hangingPunct="1">
+              <a:defRPr sz="1800" kern="1200">
+                <a:solidFill>
+                  <a:schemeClr val="tx1"/>
+                </a:solidFill>
+                <a:latin typeface="+mn-lt"/>
+                <a:ea typeface="+mn-ea"/>
+                <a:cs typeface="+mn-cs"/>
+              </a:defRPr>
+            </a:lvl9pPr>
+          </a:lstStyle>
+          <a:p>
+            <a:fld id="{59E145AF-2465-1345-A673-F2664B07CED8}" type="datetime5">
+              <a:rPr lang="en-US" smtClean="0"/>
+              <a:pPr/>
+              <a:t>28-Oct-25</a:t>
+            </a:fld>
+            <a:endParaRPr lang="en-US" dirty="0"/>
           </a:p>
         </p:txBody>
       </p:sp>
@@ -1845,7 +2711,10 @@
           <a:bodyPr/>
           <a:lstStyle/>
           <a:p>
-            <a:endParaRPr lang="en-US"/>
+            <a:r>
+              <a:rPr lang="en-US"/>
+              <a:t>© Steve Beaty and others as cited</a:t>
+            </a:r>
           </a:p>
         </p:txBody>
       </p:sp>
@@ -1874,6 +2743,53 @@
               <a:t>‹#›</a:t>
             </a:fld>
             <a:endParaRPr lang="en-US"/>
+          </a:p>
+        </p:txBody>
+      </p:sp>
+      <p:sp>
+        <p:nvSpPr>
+          <p:cNvPr id="2" name="Date Placeholder 2">
+            <a:extLst>
+              <a:ext uri="{FF2B5EF4-FFF2-40B4-BE49-F238E27FC236}">
+                <a16:creationId xmlns:a16="http://schemas.microsoft.com/office/drawing/2014/main" id="{ED4BD15D-B8F3-E5F7-61A8-F1581CE5EF72}"/>
+              </a:ext>
+            </a:extLst>
+          </p:cNvPr>
+          <p:cNvSpPr>
+            <a:spLocks noGrp="1"/>
+          </p:cNvSpPr>
+          <p:nvPr>
+            <p:ph type="dt" sz="half" idx="2"/>
+          </p:nvPr>
+        </p:nvSpPr>
+        <p:spPr>
+          <a:xfrm>
+            <a:off x="605141" y="6308726"/>
+            <a:ext cx="1169155" cy="487680"/>
+          </a:xfrm>
+          <a:prstGeom prst="rect">
+            <a:avLst/>
+          </a:prstGeom>
+          <a:solidFill>
+            <a:schemeClr val="bg1"/>
+          </a:solidFill>
+          <a:effectLst>
+            <a:softEdge rad="63500"/>
+          </a:effectLst>
+        </p:spPr>
+        <p:txBody>
+          <a:bodyPr anchor="ctr" anchorCtr="0"/>
+          <a:lstStyle>
+            <a:lvl1pPr algn="ctr">
+              <a:defRPr sz="1600"/>
+            </a:lvl1pPr>
+          </a:lstStyle>
+          <a:p>
+            <a:fld id="{59E145AF-2465-1345-A673-F2664B07CED8}" type="datetime5">
+              <a:rPr lang="en-US" smtClean="0"/>
+              <a:t>28-Oct-25</a:t>
+            </a:fld>
+            <a:endParaRPr lang="en-US" dirty="0"/>
           </a:p>
         </p:txBody>
       </p:sp>
@@ -1979,9 +2895,9 @@
           <a:bodyPr/>
           <a:lstStyle/>
           <a:p>
-            <a:fld id="{3EE6C063-FD43-C948-AAEF-3DF3DF19080E}" type="datetime1">
+            <a:fld id="{08C9136A-AC76-DC4C-98DA-7FB51FBB5081}" type="datetime5">
               <a:rPr lang="en-US" smtClean="0"/>
-              <a:t>10/27/25</a:t>
+              <a:t>28-Oct-25</a:t>
             </a:fld>
             <a:endParaRPr lang="en-US"/>
           </a:p>
@@ -2008,7 +2924,10 @@
           <a:bodyPr/>
           <a:lstStyle/>
           <a:p>
-            <a:endParaRPr lang="en-US"/>
+            <a:r>
+              <a:rPr lang="en-US"/>
+              <a:t>© Steve Beaty and others as cited</a:t>
+            </a:r>
           </a:p>
         </p:txBody>
       </p:sp>
@@ -2247,7 +3166,10 @@
             </a:lvl1pPr>
           </a:lstStyle>
           <a:p>
-            <a:endParaRPr lang="en-US"/>
+            <a:r>
+              <a:rPr lang="en-US"/>
+              <a:t>© Steve Beaty and others as cited</a:t>
+            </a:r>
           </a:p>
         </p:txBody>
       </p:sp>
@@ -2337,9 +3259,9 @@
             </a:lvl1pPr>
           </a:lstStyle>
           <a:p>
-            <a:fld id="{EDC92DA9-570C-7E44-B877-650D1E024D90}" type="datetime1">
+            <a:fld id="{59E145AF-2465-1345-A673-F2664B07CED8}" type="datetime5">
               <a:rPr lang="en-US" smtClean="0"/>
-              <a:t>10/27/25</a:t>
+              <a:t>28-Oct-25</a:t>
             </a:fld>
             <a:endParaRPr lang="en-US" dirty="0"/>
           </a:p>
@@ -2375,7 +3297,7 @@
       </p:transition>
     </mc:Fallback>
   </mc:AlternateContent>
-  <p:hf hdr="0" dt="0"/>
+  <p:hf hdr="0"/>
   <p:txStyles>
     <p:titleStyle>
       <a:lvl1pPr algn="ctr" defTabSz="609570" rtl="0" eaLnBrk="1" latinLnBrk="0" hangingPunct="1">
@@ -2875,7 +3797,10 @@
           <a:bodyPr/>
           <a:lstStyle/>
           <a:p>
-            <a:endParaRPr lang="en-US"/>
+            <a:r>
+              <a:rPr lang="en-US"/>
+              <a:t>© Steve Beaty and others as cited</a:t>
+            </a:r>
           </a:p>
         </p:txBody>
       </p:sp>
@@ -2903,6 +3828,35 @@
             <a:fld id="{62CBAC88-EF5B-3148-888C-824478CD1B05}" type="slidenum">
               <a:rPr lang="en-US" smtClean="0"/>
               <a:t>10</a:t>
+            </a:fld>
+            <a:endParaRPr lang="en-US"/>
+          </a:p>
+        </p:txBody>
+      </p:sp>
+      <p:sp>
+        <p:nvSpPr>
+          <p:cNvPr id="7" name="Date Placeholder 6">
+            <a:extLst>
+              <a:ext uri="{FF2B5EF4-FFF2-40B4-BE49-F238E27FC236}">
+                <a16:creationId xmlns:a16="http://schemas.microsoft.com/office/drawing/2014/main" id="{DE442EC1-506A-5C81-53AB-CDDF75897D6D}"/>
+              </a:ext>
+            </a:extLst>
+          </p:cNvPr>
+          <p:cNvSpPr>
+            <a:spLocks noGrp="1"/>
+          </p:cNvSpPr>
+          <p:nvPr>
+            <p:ph type="dt" sz="half" idx="10"/>
+          </p:nvPr>
+        </p:nvSpPr>
+        <p:spPr/>
+        <p:txBody>
+          <a:bodyPr/>
+          <a:lstStyle/>
+          <a:p>
+            <a:fld id="{F78B2FA2-835E-8F4B-98D8-B158DB0E4BD7}" type="datetime5">
+              <a:rPr lang="en-US" smtClean="0"/>
+              <a:t>28-Oct-25</a:t>
             </a:fld>
             <a:endParaRPr lang="en-US"/>
           </a:p>
@@ -3071,7 +4025,10 @@
           <a:bodyPr/>
           <a:lstStyle/>
           <a:p>
-            <a:endParaRPr lang="en-US"/>
+            <a:r>
+              <a:rPr lang="en-US"/>
+              <a:t>© Steve Beaty and others as cited</a:t>
+            </a:r>
           </a:p>
         </p:txBody>
       </p:sp>
@@ -3099,6 +4056,35 @@
             <a:fld id="{62CBAC88-EF5B-3148-888C-824478CD1B05}" type="slidenum">
               <a:rPr lang="en-US" smtClean="0"/>
               <a:t>11</a:t>
+            </a:fld>
+            <a:endParaRPr lang="en-US"/>
+          </a:p>
+        </p:txBody>
+      </p:sp>
+      <p:sp>
+        <p:nvSpPr>
+          <p:cNvPr id="7" name="Date Placeholder 6">
+            <a:extLst>
+              <a:ext uri="{FF2B5EF4-FFF2-40B4-BE49-F238E27FC236}">
+                <a16:creationId xmlns:a16="http://schemas.microsoft.com/office/drawing/2014/main" id="{8628BC95-BB95-F8DC-9A04-DF9EF20D2928}"/>
+              </a:ext>
+            </a:extLst>
+          </p:cNvPr>
+          <p:cNvSpPr>
+            <a:spLocks noGrp="1"/>
+          </p:cNvSpPr>
+          <p:nvPr>
+            <p:ph type="dt" sz="half" idx="10"/>
+          </p:nvPr>
+        </p:nvSpPr>
+        <p:spPr/>
+        <p:txBody>
+          <a:bodyPr/>
+          <a:lstStyle/>
+          <a:p>
+            <a:fld id="{9A023C2D-68C5-FF4B-BEB8-2ACEB38C3AD4}" type="datetime5">
+              <a:rPr lang="en-US" smtClean="0"/>
+              <a:t>28-Oct-25</a:t>
             </a:fld>
             <a:endParaRPr lang="en-US"/>
           </a:p>
@@ -3300,7 +4286,10 @@
           <a:bodyPr/>
           <a:lstStyle/>
           <a:p>
-            <a:endParaRPr lang="en-US"/>
+            <a:r>
+              <a:rPr lang="en-US"/>
+              <a:t>© Steve Beaty and others as cited</a:t>
+            </a:r>
           </a:p>
         </p:txBody>
       </p:sp>
@@ -3328,6 +4317,35 @@
             <a:fld id="{62CBAC88-EF5B-3148-888C-824478CD1B05}" type="slidenum">
               <a:rPr lang="en-US" smtClean="0"/>
               <a:t>12</a:t>
+            </a:fld>
+            <a:endParaRPr lang="en-US"/>
+          </a:p>
+        </p:txBody>
+      </p:sp>
+      <p:sp>
+        <p:nvSpPr>
+          <p:cNvPr id="7" name="Date Placeholder 6">
+            <a:extLst>
+              <a:ext uri="{FF2B5EF4-FFF2-40B4-BE49-F238E27FC236}">
+                <a16:creationId xmlns:a16="http://schemas.microsoft.com/office/drawing/2014/main" id="{4FAD5AF3-5D43-2218-C335-70645B8ED7F7}"/>
+              </a:ext>
+            </a:extLst>
+          </p:cNvPr>
+          <p:cNvSpPr>
+            <a:spLocks noGrp="1"/>
+          </p:cNvSpPr>
+          <p:nvPr>
+            <p:ph type="dt" sz="half" idx="10"/>
+          </p:nvPr>
+        </p:nvSpPr>
+        <p:spPr/>
+        <p:txBody>
+          <a:bodyPr/>
+          <a:lstStyle/>
+          <a:p>
+            <a:fld id="{2C605444-3734-674A-9A2E-14043CEA286C}" type="datetime5">
+              <a:rPr lang="en-US" smtClean="0"/>
+              <a:t>28-Oct-25</a:t>
             </a:fld>
             <a:endParaRPr lang="en-US"/>
           </a:p>
@@ -3484,7 +4502,10 @@
           <a:bodyPr/>
           <a:lstStyle/>
           <a:p>
-            <a:endParaRPr lang="en-US"/>
+            <a:r>
+              <a:rPr lang="en-US"/>
+              <a:t>© Steve Beaty and others as cited</a:t>
+            </a:r>
           </a:p>
         </p:txBody>
       </p:sp>
@@ -3512,6 +4533,35 @@
             <a:fld id="{62CBAC88-EF5B-3148-888C-824478CD1B05}" type="slidenum">
               <a:rPr lang="en-US" smtClean="0"/>
               <a:t>13</a:t>
+            </a:fld>
+            <a:endParaRPr lang="en-US"/>
+          </a:p>
+        </p:txBody>
+      </p:sp>
+      <p:sp>
+        <p:nvSpPr>
+          <p:cNvPr id="7" name="Date Placeholder 6">
+            <a:extLst>
+              <a:ext uri="{FF2B5EF4-FFF2-40B4-BE49-F238E27FC236}">
+                <a16:creationId xmlns:a16="http://schemas.microsoft.com/office/drawing/2014/main" id="{0EC8BACC-ADF6-012B-C59D-1C08EC21433A}"/>
+              </a:ext>
+            </a:extLst>
+          </p:cNvPr>
+          <p:cNvSpPr>
+            <a:spLocks noGrp="1"/>
+          </p:cNvSpPr>
+          <p:nvPr>
+            <p:ph type="dt" sz="half" idx="10"/>
+          </p:nvPr>
+        </p:nvSpPr>
+        <p:spPr/>
+        <p:txBody>
+          <a:bodyPr/>
+          <a:lstStyle/>
+          <a:p>
+            <a:fld id="{4EB6881E-771B-4D47-A702-8BC2F50ED8E2}" type="datetime5">
+              <a:rPr lang="en-US" smtClean="0"/>
+              <a:t>28-Oct-25</a:t>
             </a:fld>
             <a:endParaRPr lang="en-US"/>
           </a:p>
@@ -3717,7 +4767,10 @@
           <a:bodyPr/>
           <a:lstStyle/>
           <a:p>
-            <a:endParaRPr lang="en-US"/>
+            <a:r>
+              <a:rPr lang="en-US"/>
+              <a:t>© Steve Beaty and others as cited</a:t>
+            </a:r>
           </a:p>
         </p:txBody>
       </p:sp>
@@ -3745,6 +4798,35 @@
             <a:fld id="{62CBAC88-EF5B-3148-888C-824478CD1B05}" type="slidenum">
               <a:rPr lang="en-US" smtClean="0"/>
               <a:t>14</a:t>
+            </a:fld>
+            <a:endParaRPr lang="en-US"/>
+          </a:p>
+        </p:txBody>
+      </p:sp>
+      <p:sp>
+        <p:nvSpPr>
+          <p:cNvPr id="7" name="Date Placeholder 6">
+            <a:extLst>
+              <a:ext uri="{FF2B5EF4-FFF2-40B4-BE49-F238E27FC236}">
+                <a16:creationId xmlns:a16="http://schemas.microsoft.com/office/drawing/2014/main" id="{4FB307C0-9B99-D6D5-8D58-B15031545B62}"/>
+              </a:ext>
+            </a:extLst>
+          </p:cNvPr>
+          <p:cNvSpPr>
+            <a:spLocks noGrp="1"/>
+          </p:cNvSpPr>
+          <p:nvPr>
+            <p:ph type="dt" sz="half" idx="10"/>
+          </p:nvPr>
+        </p:nvSpPr>
+        <p:spPr/>
+        <p:txBody>
+          <a:bodyPr/>
+          <a:lstStyle/>
+          <a:p>
+            <a:fld id="{55D4C3B4-E812-734E-90B4-B13B6B121B4A}" type="datetime5">
+              <a:rPr lang="en-US" smtClean="0"/>
+              <a:t>28-Oct-25</a:t>
             </a:fld>
             <a:endParaRPr lang="en-US"/>
           </a:p>
@@ -3914,7 +4996,10 @@
           <a:bodyPr/>
           <a:lstStyle/>
           <a:p>
-            <a:endParaRPr lang="en-US"/>
+            <a:r>
+              <a:rPr lang="en-US"/>
+              <a:t>© Steve Beaty and others as cited</a:t>
+            </a:r>
           </a:p>
         </p:txBody>
       </p:sp>
@@ -3942,6 +5027,35 @@
             <a:fld id="{62CBAC88-EF5B-3148-888C-824478CD1B05}" type="slidenum">
               <a:rPr lang="en-US" smtClean="0"/>
               <a:t>15</a:t>
+            </a:fld>
+            <a:endParaRPr lang="en-US"/>
+          </a:p>
+        </p:txBody>
+      </p:sp>
+      <p:sp>
+        <p:nvSpPr>
+          <p:cNvPr id="7" name="Date Placeholder 6">
+            <a:extLst>
+              <a:ext uri="{FF2B5EF4-FFF2-40B4-BE49-F238E27FC236}">
+                <a16:creationId xmlns:a16="http://schemas.microsoft.com/office/drawing/2014/main" id="{EFB70907-3DB7-4B11-41AC-2C02DEF9B0B2}"/>
+              </a:ext>
+            </a:extLst>
+          </p:cNvPr>
+          <p:cNvSpPr>
+            <a:spLocks noGrp="1"/>
+          </p:cNvSpPr>
+          <p:nvPr>
+            <p:ph type="dt" sz="half" idx="10"/>
+          </p:nvPr>
+        </p:nvSpPr>
+        <p:spPr/>
+        <p:txBody>
+          <a:bodyPr/>
+          <a:lstStyle/>
+          <a:p>
+            <a:fld id="{8C76FC07-724F-5440-922D-8140A361560B}" type="datetime5">
+              <a:rPr lang="en-US" smtClean="0"/>
+              <a:t>28-Oct-25</a:t>
             </a:fld>
             <a:endParaRPr lang="en-US"/>
           </a:p>
@@ -4109,7 +5223,10 @@
           <a:bodyPr/>
           <a:lstStyle/>
           <a:p>
-            <a:endParaRPr lang="en-US"/>
+            <a:r>
+              <a:rPr lang="en-US"/>
+              <a:t>© Steve Beaty and others as cited</a:t>
+            </a:r>
           </a:p>
         </p:txBody>
       </p:sp>
@@ -4137,6 +5254,35 @@
             <a:fld id="{62CBAC88-EF5B-3148-888C-824478CD1B05}" type="slidenum">
               <a:rPr lang="en-US" smtClean="0"/>
               <a:t>16</a:t>
+            </a:fld>
+            <a:endParaRPr lang="en-US"/>
+          </a:p>
+        </p:txBody>
+      </p:sp>
+      <p:sp>
+        <p:nvSpPr>
+          <p:cNvPr id="7" name="Date Placeholder 6">
+            <a:extLst>
+              <a:ext uri="{FF2B5EF4-FFF2-40B4-BE49-F238E27FC236}">
+                <a16:creationId xmlns:a16="http://schemas.microsoft.com/office/drawing/2014/main" id="{1A99CCC4-2C89-6DF4-9D93-D2B4783E2B22}"/>
+              </a:ext>
+            </a:extLst>
+          </p:cNvPr>
+          <p:cNvSpPr>
+            <a:spLocks noGrp="1"/>
+          </p:cNvSpPr>
+          <p:nvPr>
+            <p:ph type="dt" sz="half" idx="10"/>
+          </p:nvPr>
+        </p:nvSpPr>
+        <p:spPr/>
+        <p:txBody>
+          <a:bodyPr/>
+          <a:lstStyle/>
+          <a:p>
+            <a:fld id="{4DE656D0-BA15-EC48-B86F-2AD18D80438C}" type="datetime5">
+              <a:rPr lang="en-US" smtClean="0"/>
+              <a:t>28-Oct-25</a:t>
             </a:fld>
             <a:endParaRPr lang="en-US"/>
           </a:p>
@@ -4321,7 +5467,10 @@
           <a:bodyPr/>
           <a:lstStyle/>
           <a:p>
-            <a:endParaRPr lang="en-US"/>
+            <a:r>
+              <a:rPr lang="en-US"/>
+              <a:t>© Steve Beaty and others as cited</a:t>
+            </a:r>
           </a:p>
         </p:txBody>
       </p:sp>
@@ -4349,6 +5498,35 @@
             <a:fld id="{62CBAC88-EF5B-3148-888C-824478CD1B05}" type="slidenum">
               <a:rPr lang="en-US" smtClean="0"/>
               <a:t>17</a:t>
+            </a:fld>
+            <a:endParaRPr lang="en-US"/>
+          </a:p>
+        </p:txBody>
+      </p:sp>
+      <p:sp>
+        <p:nvSpPr>
+          <p:cNvPr id="7" name="Date Placeholder 6">
+            <a:extLst>
+              <a:ext uri="{FF2B5EF4-FFF2-40B4-BE49-F238E27FC236}">
+                <a16:creationId xmlns:a16="http://schemas.microsoft.com/office/drawing/2014/main" id="{CD2C6EBD-10E5-28CA-795D-C44258BF487D}"/>
+              </a:ext>
+            </a:extLst>
+          </p:cNvPr>
+          <p:cNvSpPr>
+            <a:spLocks noGrp="1"/>
+          </p:cNvSpPr>
+          <p:nvPr>
+            <p:ph type="dt" sz="half" idx="10"/>
+          </p:nvPr>
+        </p:nvSpPr>
+        <p:spPr/>
+        <p:txBody>
+          <a:bodyPr/>
+          <a:lstStyle/>
+          <a:p>
+            <a:fld id="{BDA405F1-AF6E-DA40-9539-9C52DE8EE333}" type="datetime5">
+              <a:rPr lang="en-US" smtClean="0"/>
+              <a:t>28-Oct-25</a:t>
             </a:fld>
             <a:endParaRPr lang="en-US"/>
           </a:p>
@@ -4504,7 +5682,10 @@
           <a:bodyPr/>
           <a:lstStyle/>
           <a:p>
-            <a:endParaRPr lang="en-US"/>
+            <a:r>
+              <a:rPr lang="en-US"/>
+              <a:t>© Steve Beaty and others as cited</a:t>
+            </a:r>
           </a:p>
         </p:txBody>
       </p:sp>
@@ -4532,6 +5713,35 @@
             <a:fld id="{62CBAC88-EF5B-3148-888C-824478CD1B05}" type="slidenum">
               <a:rPr lang="en-US" smtClean="0"/>
               <a:t>18</a:t>
+            </a:fld>
+            <a:endParaRPr lang="en-US"/>
+          </a:p>
+        </p:txBody>
+      </p:sp>
+      <p:sp>
+        <p:nvSpPr>
+          <p:cNvPr id="7" name="Date Placeholder 6">
+            <a:extLst>
+              <a:ext uri="{FF2B5EF4-FFF2-40B4-BE49-F238E27FC236}">
+                <a16:creationId xmlns:a16="http://schemas.microsoft.com/office/drawing/2014/main" id="{D123D832-EDC5-4FB6-FAB8-6131DFFB2F0C}"/>
+              </a:ext>
+            </a:extLst>
+          </p:cNvPr>
+          <p:cNvSpPr>
+            <a:spLocks noGrp="1"/>
+          </p:cNvSpPr>
+          <p:nvPr>
+            <p:ph type="dt" sz="half" idx="10"/>
+          </p:nvPr>
+        </p:nvSpPr>
+        <p:spPr/>
+        <p:txBody>
+          <a:bodyPr/>
+          <a:lstStyle/>
+          <a:p>
+            <a:fld id="{818448A1-54E4-0B49-B015-691384C8B39B}" type="datetime5">
+              <a:rPr lang="en-US" smtClean="0"/>
+              <a:t>28-Oct-25</a:t>
             </a:fld>
             <a:endParaRPr lang="en-US"/>
           </a:p>
@@ -4674,7 +5884,10 @@
           <a:bodyPr/>
           <a:lstStyle/>
           <a:p>
-            <a:endParaRPr lang="en-US"/>
+            <a:r>
+              <a:rPr lang="en-US"/>
+              <a:t>© Steve Beaty and others as cited</a:t>
+            </a:r>
           </a:p>
         </p:txBody>
       </p:sp>
@@ -4702,6 +5915,35 @@
             <a:fld id="{62CBAC88-EF5B-3148-888C-824478CD1B05}" type="slidenum">
               <a:rPr lang="en-US" smtClean="0"/>
               <a:t>19</a:t>
+            </a:fld>
+            <a:endParaRPr lang="en-US"/>
+          </a:p>
+        </p:txBody>
+      </p:sp>
+      <p:sp>
+        <p:nvSpPr>
+          <p:cNvPr id="7" name="Date Placeholder 6">
+            <a:extLst>
+              <a:ext uri="{FF2B5EF4-FFF2-40B4-BE49-F238E27FC236}">
+                <a16:creationId xmlns:a16="http://schemas.microsoft.com/office/drawing/2014/main" id="{17F56837-B258-792A-CEB8-E62291BDD873}"/>
+              </a:ext>
+            </a:extLst>
+          </p:cNvPr>
+          <p:cNvSpPr>
+            <a:spLocks noGrp="1"/>
+          </p:cNvSpPr>
+          <p:nvPr>
+            <p:ph type="dt" sz="half" idx="10"/>
+          </p:nvPr>
+        </p:nvSpPr>
+        <p:spPr/>
+        <p:txBody>
+          <a:bodyPr/>
+          <a:lstStyle/>
+          <a:p>
+            <a:fld id="{E5717335-B61E-874A-9156-EEE57ED72284}" type="datetime5">
+              <a:rPr lang="en-US" smtClean="0"/>
+              <a:t>28-Oct-25</a:t>
             </a:fld>
             <a:endParaRPr lang="en-US"/>
           </a:p>
@@ -4826,7 +6068,10 @@
           <a:bodyPr/>
           <a:lstStyle/>
           <a:p>
-            <a:endParaRPr lang="en-US"/>
+            <a:r>
+              <a:rPr lang="en-US"/>
+              <a:t>© Steve Beaty and others as cited</a:t>
+            </a:r>
           </a:p>
         </p:txBody>
       </p:sp>
@@ -4854,6 +6099,35 @@
             <a:fld id="{62CBAC88-EF5B-3148-888C-824478CD1B05}" type="slidenum">
               <a:rPr lang="en-US" smtClean="0"/>
               <a:t>2</a:t>
+            </a:fld>
+            <a:endParaRPr lang="en-US"/>
+          </a:p>
+        </p:txBody>
+      </p:sp>
+      <p:sp>
+        <p:nvSpPr>
+          <p:cNvPr id="7" name="Date Placeholder 6">
+            <a:extLst>
+              <a:ext uri="{FF2B5EF4-FFF2-40B4-BE49-F238E27FC236}">
+                <a16:creationId xmlns:a16="http://schemas.microsoft.com/office/drawing/2014/main" id="{226B98D6-9DCC-6B38-A192-1D6178A115C4}"/>
+              </a:ext>
+            </a:extLst>
+          </p:cNvPr>
+          <p:cNvSpPr>
+            <a:spLocks noGrp="1"/>
+          </p:cNvSpPr>
+          <p:nvPr>
+            <p:ph type="dt" sz="half" idx="10"/>
+          </p:nvPr>
+        </p:nvSpPr>
+        <p:spPr/>
+        <p:txBody>
+          <a:bodyPr/>
+          <a:lstStyle/>
+          <a:p>
+            <a:fld id="{6C7D9CD9-7400-A442-AC8F-BA2E16295A02}" type="datetime5">
+              <a:rPr lang="en-US" smtClean="0"/>
+              <a:t>28-Oct-25</a:t>
             </a:fld>
             <a:endParaRPr lang="en-US"/>
           </a:p>
@@ -5096,7 +6370,10 @@
           <a:bodyPr/>
           <a:lstStyle/>
           <a:p>
-            <a:endParaRPr lang="en-US"/>
+            <a:r>
+              <a:rPr lang="en-US"/>
+              <a:t>© Steve Beaty and others as cited</a:t>
+            </a:r>
           </a:p>
         </p:txBody>
       </p:sp>
@@ -5124,6 +6401,35 @@
             <a:fld id="{62CBAC88-EF5B-3148-888C-824478CD1B05}" type="slidenum">
               <a:rPr lang="en-US" smtClean="0"/>
               <a:t>20</a:t>
+            </a:fld>
+            <a:endParaRPr lang="en-US"/>
+          </a:p>
+        </p:txBody>
+      </p:sp>
+      <p:sp>
+        <p:nvSpPr>
+          <p:cNvPr id="7" name="Date Placeholder 6">
+            <a:extLst>
+              <a:ext uri="{FF2B5EF4-FFF2-40B4-BE49-F238E27FC236}">
+                <a16:creationId xmlns:a16="http://schemas.microsoft.com/office/drawing/2014/main" id="{6EA6AC9A-74AC-F219-78E0-2A37C4B3F3BE}"/>
+              </a:ext>
+            </a:extLst>
+          </p:cNvPr>
+          <p:cNvSpPr>
+            <a:spLocks noGrp="1"/>
+          </p:cNvSpPr>
+          <p:nvPr>
+            <p:ph type="dt" sz="half" idx="10"/>
+          </p:nvPr>
+        </p:nvSpPr>
+        <p:spPr/>
+        <p:txBody>
+          <a:bodyPr/>
+          <a:lstStyle/>
+          <a:p>
+            <a:fld id="{6DD864FE-6753-6445-A872-7401665AF5EE}" type="datetime5">
+              <a:rPr lang="en-US" smtClean="0"/>
+              <a:t>28-Oct-25</a:t>
             </a:fld>
             <a:endParaRPr lang="en-US"/>
           </a:p>
@@ -5313,7 +6619,10 @@
           <a:bodyPr/>
           <a:lstStyle/>
           <a:p>
-            <a:endParaRPr lang="en-US"/>
+            <a:r>
+              <a:rPr lang="en-US"/>
+              <a:t>© Steve Beaty and others as cited</a:t>
+            </a:r>
           </a:p>
         </p:txBody>
       </p:sp>
@@ -5341,6 +6650,35 @@
             <a:fld id="{62CBAC88-EF5B-3148-888C-824478CD1B05}" type="slidenum">
               <a:rPr lang="en-US" smtClean="0"/>
               <a:t>21</a:t>
+            </a:fld>
+            <a:endParaRPr lang="en-US"/>
+          </a:p>
+        </p:txBody>
+      </p:sp>
+      <p:sp>
+        <p:nvSpPr>
+          <p:cNvPr id="7" name="Date Placeholder 6">
+            <a:extLst>
+              <a:ext uri="{FF2B5EF4-FFF2-40B4-BE49-F238E27FC236}">
+                <a16:creationId xmlns:a16="http://schemas.microsoft.com/office/drawing/2014/main" id="{3B605F09-4243-928F-9A9B-13814E52CC35}"/>
+              </a:ext>
+            </a:extLst>
+          </p:cNvPr>
+          <p:cNvSpPr>
+            <a:spLocks noGrp="1"/>
+          </p:cNvSpPr>
+          <p:nvPr>
+            <p:ph type="dt" sz="half" idx="10"/>
+          </p:nvPr>
+        </p:nvSpPr>
+        <p:spPr/>
+        <p:txBody>
+          <a:bodyPr/>
+          <a:lstStyle/>
+          <a:p>
+            <a:fld id="{A0442797-051F-4041-9623-AE832FE49F4D}" type="datetime5">
+              <a:rPr lang="en-US" smtClean="0"/>
+              <a:t>28-Oct-25</a:t>
             </a:fld>
             <a:endParaRPr lang="en-US"/>
           </a:p>
@@ -5558,7 +6896,10 @@
           <a:bodyPr/>
           <a:lstStyle/>
           <a:p>
-            <a:endParaRPr lang="en-US"/>
+            <a:r>
+              <a:rPr lang="en-US"/>
+              <a:t>© Steve Beaty and others as cited</a:t>
+            </a:r>
           </a:p>
         </p:txBody>
       </p:sp>
@@ -5586,6 +6927,35 @@
             <a:fld id="{62CBAC88-EF5B-3148-888C-824478CD1B05}" type="slidenum">
               <a:rPr lang="en-US" smtClean="0"/>
               <a:t>22</a:t>
+            </a:fld>
+            <a:endParaRPr lang="en-US"/>
+          </a:p>
+        </p:txBody>
+      </p:sp>
+      <p:sp>
+        <p:nvSpPr>
+          <p:cNvPr id="7" name="Date Placeholder 6">
+            <a:extLst>
+              <a:ext uri="{FF2B5EF4-FFF2-40B4-BE49-F238E27FC236}">
+                <a16:creationId xmlns:a16="http://schemas.microsoft.com/office/drawing/2014/main" id="{14288CB2-8E29-B291-6529-E78A483A4666}"/>
+              </a:ext>
+            </a:extLst>
+          </p:cNvPr>
+          <p:cNvSpPr>
+            <a:spLocks noGrp="1"/>
+          </p:cNvSpPr>
+          <p:nvPr>
+            <p:ph type="dt" sz="half" idx="10"/>
+          </p:nvPr>
+        </p:nvSpPr>
+        <p:spPr/>
+        <p:txBody>
+          <a:bodyPr/>
+          <a:lstStyle/>
+          <a:p>
+            <a:fld id="{5E2F346F-77F5-F743-B21A-B0F8F651FAA2}" type="datetime5">
+              <a:rPr lang="en-US" smtClean="0"/>
+              <a:t>28-Oct-25</a:t>
             </a:fld>
             <a:endParaRPr lang="en-US"/>
           </a:p>
@@ -5911,7 +7281,10 @@
           <a:bodyPr/>
           <a:lstStyle/>
           <a:p>
-            <a:endParaRPr lang="en-US"/>
+            <a:r>
+              <a:rPr lang="en-US"/>
+              <a:t>© Steve Beaty and others as cited</a:t>
+            </a:r>
           </a:p>
         </p:txBody>
       </p:sp>
@@ -5939,6 +7312,35 @@
             <a:fld id="{62CBAC88-EF5B-3148-888C-824478CD1B05}" type="slidenum">
               <a:rPr lang="en-US" smtClean="0"/>
               <a:t>23</a:t>
+            </a:fld>
+            <a:endParaRPr lang="en-US"/>
+          </a:p>
+        </p:txBody>
+      </p:sp>
+      <p:sp>
+        <p:nvSpPr>
+          <p:cNvPr id="7" name="Date Placeholder 6">
+            <a:extLst>
+              <a:ext uri="{FF2B5EF4-FFF2-40B4-BE49-F238E27FC236}">
+                <a16:creationId xmlns:a16="http://schemas.microsoft.com/office/drawing/2014/main" id="{743FACD5-78E4-5A7A-D07A-AD0131671416}"/>
+              </a:ext>
+            </a:extLst>
+          </p:cNvPr>
+          <p:cNvSpPr>
+            <a:spLocks noGrp="1"/>
+          </p:cNvSpPr>
+          <p:nvPr>
+            <p:ph type="dt" sz="half" idx="10"/>
+          </p:nvPr>
+        </p:nvSpPr>
+        <p:spPr/>
+        <p:txBody>
+          <a:bodyPr/>
+          <a:lstStyle/>
+          <a:p>
+            <a:fld id="{026F8E30-E146-184D-B3A6-FEBEB7D6556E}" type="datetime5">
+              <a:rPr lang="en-US" smtClean="0"/>
+              <a:t>28-Oct-25</a:t>
             </a:fld>
             <a:endParaRPr lang="en-US"/>
           </a:p>
@@ -6114,7 +7516,10 @@
           <a:bodyPr/>
           <a:lstStyle/>
           <a:p>
-            <a:endParaRPr lang="en-US"/>
+            <a:r>
+              <a:rPr lang="en-US"/>
+              <a:t>© Steve Beaty and others as cited</a:t>
+            </a:r>
           </a:p>
         </p:txBody>
       </p:sp>
@@ -6142,6 +7547,35 @@
             <a:fld id="{62CBAC88-EF5B-3148-888C-824478CD1B05}" type="slidenum">
               <a:rPr lang="en-US" smtClean="0"/>
               <a:t>24</a:t>
+            </a:fld>
+            <a:endParaRPr lang="en-US"/>
+          </a:p>
+        </p:txBody>
+      </p:sp>
+      <p:sp>
+        <p:nvSpPr>
+          <p:cNvPr id="7" name="Date Placeholder 6">
+            <a:extLst>
+              <a:ext uri="{FF2B5EF4-FFF2-40B4-BE49-F238E27FC236}">
+                <a16:creationId xmlns:a16="http://schemas.microsoft.com/office/drawing/2014/main" id="{09AEDBE4-CB49-66B0-F4A7-934FF9751D1E}"/>
+              </a:ext>
+            </a:extLst>
+          </p:cNvPr>
+          <p:cNvSpPr>
+            <a:spLocks noGrp="1"/>
+          </p:cNvSpPr>
+          <p:nvPr>
+            <p:ph type="dt" sz="half" idx="10"/>
+          </p:nvPr>
+        </p:nvSpPr>
+        <p:spPr/>
+        <p:txBody>
+          <a:bodyPr/>
+          <a:lstStyle/>
+          <a:p>
+            <a:fld id="{43A25FB8-6C2E-5649-AA0A-03EA386A78C5}" type="datetime5">
+              <a:rPr lang="en-US" smtClean="0"/>
+              <a:t>28-Oct-25</a:t>
             </a:fld>
             <a:endParaRPr lang="en-US"/>
           </a:p>
@@ -6332,7 +7766,10 @@
           <a:bodyPr/>
           <a:lstStyle/>
           <a:p>
-            <a:endParaRPr lang="en-US"/>
+            <a:r>
+              <a:rPr lang="en-US"/>
+              <a:t>© Steve Beaty and others as cited</a:t>
+            </a:r>
           </a:p>
         </p:txBody>
       </p:sp>
@@ -6360,6 +7797,35 @@
             <a:fld id="{62CBAC88-EF5B-3148-888C-824478CD1B05}" type="slidenum">
               <a:rPr lang="en-US" smtClean="0"/>
               <a:t>25</a:t>
+            </a:fld>
+            <a:endParaRPr lang="en-US"/>
+          </a:p>
+        </p:txBody>
+      </p:sp>
+      <p:sp>
+        <p:nvSpPr>
+          <p:cNvPr id="7" name="Date Placeholder 6">
+            <a:extLst>
+              <a:ext uri="{FF2B5EF4-FFF2-40B4-BE49-F238E27FC236}">
+                <a16:creationId xmlns:a16="http://schemas.microsoft.com/office/drawing/2014/main" id="{C1618845-5D0E-2A77-A08A-20F6643D5D19}"/>
+              </a:ext>
+            </a:extLst>
+          </p:cNvPr>
+          <p:cNvSpPr>
+            <a:spLocks noGrp="1"/>
+          </p:cNvSpPr>
+          <p:nvPr>
+            <p:ph type="dt" sz="half" idx="10"/>
+          </p:nvPr>
+        </p:nvSpPr>
+        <p:spPr/>
+        <p:txBody>
+          <a:bodyPr/>
+          <a:lstStyle/>
+          <a:p>
+            <a:fld id="{CB8E4670-2CF6-0742-BDB7-508D2A9A7FD7}" type="datetime5">
+              <a:rPr lang="en-US" smtClean="0"/>
+              <a:t>28-Oct-25</a:t>
             </a:fld>
             <a:endParaRPr lang="en-US"/>
           </a:p>
@@ -6538,7 +8004,10 @@
           <a:bodyPr/>
           <a:lstStyle/>
           <a:p>
-            <a:endParaRPr lang="en-US"/>
+            <a:r>
+              <a:rPr lang="en-US"/>
+              <a:t>© Steve Beaty and others as cited</a:t>
+            </a:r>
           </a:p>
         </p:txBody>
       </p:sp>
@@ -6566,6 +8035,35 @@
             <a:fld id="{62CBAC88-EF5B-3148-888C-824478CD1B05}" type="slidenum">
               <a:rPr lang="en-US" smtClean="0"/>
               <a:t>26</a:t>
+            </a:fld>
+            <a:endParaRPr lang="en-US"/>
+          </a:p>
+        </p:txBody>
+      </p:sp>
+      <p:sp>
+        <p:nvSpPr>
+          <p:cNvPr id="7" name="Date Placeholder 6">
+            <a:extLst>
+              <a:ext uri="{FF2B5EF4-FFF2-40B4-BE49-F238E27FC236}">
+                <a16:creationId xmlns:a16="http://schemas.microsoft.com/office/drawing/2014/main" id="{81B0C9D4-EC9B-E6DE-C42B-712443BD0FA8}"/>
+              </a:ext>
+            </a:extLst>
+          </p:cNvPr>
+          <p:cNvSpPr>
+            <a:spLocks noGrp="1"/>
+          </p:cNvSpPr>
+          <p:nvPr>
+            <p:ph type="dt" sz="half" idx="10"/>
+          </p:nvPr>
+        </p:nvSpPr>
+        <p:spPr/>
+        <p:txBody>
+          <a:bodyPr/>
+          <a:lstStyle/>
+          <a:p>
+            <a:fld id="{37F45AC7-4C20-A342-B309-068E7EA7D754}" type="datetime5">
+              <a:rPr lang="en-US" smtClean="0"/>
+              <a:t>28-Oct-25</a:t>
             </a:fld>
             <a:endParaRPr lang="en-US"/>
           </a:p>
@@ -6860,7 +8358,10 @@
           <a:bodyPr/>
           <a:lstStyle/>
           <a:p>
-            <a:endParaRPr lang="en-US"/>
+            <a:r>
+              <a:rPr lang="en-US"/>
+              <a:t>© Steve Beaty and others as cited</a:t>
+            </a:r>
           </a:p>
         </p:txBody>
       </p:sp>
@@ -6888,6 +8389,35 @@
             <a:fld id="{62CBAC88-EF5B-3148-888C-824478CD1B05}" type="slidenum">
               <a:rPr lang="en-US" smtClean="0"/>
               <a:t>27</a:t>
+            </a:fld>
+            <a:endParaRPr lang="en-US"/>
+          </a:p>
+        </p:txBody>
+      </p:sp>
+      <p:sp>
+        <p:nvSpPr>
+          <p:cNvPr id="7" name="Date Placeholder 6">
+            <a:extLst>
+              <a:ext uri="{FF2B5EF4-FFF2-40B4-BE49-F238E27FC236}">
+                <a16:creationId xmlns:a16="http://schemas.microsoft.com/office/drawing/2014/main" id="{C12C482D-D9B6-6683-A1FE-6F24E32CCDA3}"/>
+              </a:ext>
+            </a:extLst>
+          </p:cNvPr>
+          <p:cNvSpPr>
+            <a:spLocks noGrp="1"/>
+          </p:cNvSpPr>
+          <p:nvPr>
+            <p:ph type="dt" sz="half" idx="10"/>
+          </p:nvPr>
+        </p:nvSpPr>
+        <p:spPr/>
+        <p:txBody>
+          <a:bodyPr/>
+          <a:lstStyle/>
+          <a:p>
+            <a:fld id="{31951A31-3C59-CB4B-9959-5F3D576A067B}" type="datetime5">
+              <a:rPr lang="en-US" smtClean="0"/>
+              <a:t>28-Oct-25</a:t>
             </a:fld>
             <a:endParaRPr lang="en-US"/>
           </a:p>
@@ -7114,7 +8644,10 @@
           <a:bodyPr/>
           <a:lstStyle/>
           <a:p>
-            <a:endParaRPr lang="en-US"/>
+            <a:r>
+              <a:rPr lang="en-US"/>
+              <a:t>© Steve Beaty and others as cited</a:t>
+            </a:r>
           </a:p>
         </p:txBody>
       </p:sp>
@@ -7142,6 +8675,35 @@
             <a:fld id="{62CBAC88-EF5B-3148-888C-824478CD1B05}" type="slidenum">
               <a:rPr lang="en-US" smtClean="0"/>
               <a:t>28</a:t>
+            </a:fld>
+            <a:endParaRPr lang="en-US"/>
+          </a:p>
+        </p:txBody>
+      </p:sp>
+      <p:sp>
+        <p:nvSpPr>
+          <p:cNvPr id="7" name="Date Placeholder 6">
+            <a:extLst>
+              <a:ext uri="{FF2B5EF4-FFF2-40B4-BE49-F238E27FC236}">
+                <a16:creationId xmlns:a16="http://schemas.microsoft.com/office/drawing/2014/main" id="{B9F02CAB-020F-0B59-92C5-42DAA59184F0}"/>
+              </a:ext>
+            </a:extLst>
+          </p:cNvPr>
+          <p:cNvSpPr>
+            <a:spLocks noGrp="1"/>
+          </p:cNvSpPr>
+          <p:nvPr>
+            <p:ph type="dt" sz="half" idx="10"/>
+          </p:nvPr>
+        </p:nvSpPr>
+        <p:spPr/>
+        <p:txBody>
+          <a:bodyPr/>
+          <a:lstStyle/>
+          <a:p>
+            <a:fld id="{F588FC08-5460-F440-A693-42E2EE05CCEC}" type="datetime5">
+              <a:rPr lang="en-US" smtClean="0"/>
+              <a:t>28-Oct-25</a:t>
             </a:fld>
             <a:endParaRPr lang="en-US"/>
           </a:p>
@@ -7311,7 +8873,10 @@
           <a:bodyPr/>
           <a:lstStyle/>
           <a:p>
-            <a:endParaRPr lang="en-US"/>
+            <a:r>
+              <a:rPr lang="en-US"/>
+              <a:t>© Steve Beaty and others as cited</a:t>
+            </a:r>
           </a:p>
         </p:txBody>
       </p:sp>
@@ -7339,6 +8904,35 @@
             <a:fld id="{62CBAC88-EF5B-3148-888C-824478CD1B05}" type="slidenum">
               <a:rPr lang="en-US" smtClean="0"/>
               <a:t>29</a:t>
+            </a:fld>
+            <a:endParaRPr lang="en-US"/>
+          </a:p>
+        </p:txBody>
+      </p:sp>
+      <p:sp>
+        <p:nvSpPr>
+          <p:cNvPr id="7" name="Date Placeholder 6">
+            <a:extLst>
+              <a:ext uri="{FF2B5EF4-FFF2-40B4-BE49-F238E27FC236}">
+                <a16:creationId xmlns:a16="http://schemas.microsoft.com/office/drawing/2014/main" id="{BB29CF1E-5993-5F20-3D09-B7EF4F09BC5C}"/>
+              </a:ext>
+            </a:extLst>
+          </p:cNvPr>
+          <p:cNvSpPr>
+            <a:spLocks noGrp="1"/>
+          </p:cNvSpPr>
+          <p:nvPr>
+            <p:ph type="dt" sz="half" idx="10"/>
+          </p:nvPr>
+        </p:nvSpPr>
+        <p:spPr/>
+        <p:txBody>
+          <a:bodyPr/>
+          <a:lstStyle/>
+          <a:p>
+            <a:fld id="{82A06BF5-19CB-DE4B-8BEE-2C43E907898F}" type="datetime5">
+              <a:rPr lang="en-US" smtClean="0"/>
+              <a:t>28-Oct-25</a:t>
             </a:fld>
             <a:endParaRPr lang="en-US"/>
           </a:p>
@@ -7510,7 +9104,10 @@
           <a:bodyPr/>
           <a:lstStyle/>
           <a:p>
-            <a:endParaRPr lang="en-US"/>
+            <a:r>
+              <a:rPr lang="en-US"/>
+              <a:t>© Steve Beaty and others as cited</a:t>
+            </a:r>
           </a:p>
         </p:txBody>
       </p:sp>
@@ -7538,6 +9135,35 @@
             <a:fld id="{62CBAC88-EF5B-3148-888C-824478CD1B05}" type="slidenum">
               <a:rPr lang="en-US" smtClean="0"/>
               <a:t>3</a:t>
+            </a:fld>
+            <a:endParaRPr lang="en-US"/>
+          </a:p>
+        </p:txBody>
+      </p:sp>
+      <p:sp>
+        <p:nvSpPr>
+          <p:cNvPr id="7" name="Date Placeholder 6">
+            <a:extLst>
+              <a:ext uri="{FF2B5EF4-FFF2-40B4-BE49-F238E27FC236}">
+                <a16:creationId xmlns:a16="http://schemas.microsoft.com/office/drawing/2014/main" id="{0293109A-871A-EC5D-3243-C1344CEA3EB6}"/>
+              </a:ext>
+            </a:extLst>
+          </p:cNvPr>
+          <p:cNvSpPr>
+            <a:spLocks noGrp="1"/>
+          </p:cNvSpPr>
+          <p:nvPr>
+            <p:ph type="dt" sz="half" idx="10"/>
+          </p:nvPr>
+        </p:nvSpPr>
+        <p:spPr/>
+        <p:txBody>
+          <a:bodyPr/>
+          <a:lstStyle/>
+          <a:p>
+            <a:fld id="{AC267708-46B6-F444-92FC-E249FC85BD91}" type="datetime5">
+              <a:rPr lang="en-US" smtClean="0"/>
+              <a:t>28-Oct-25</a:t>
             </a:fld>
             <a:endParaRPr lang="en-US"/>
           </a:p>
@@ -7697,7 +9323,10 @@
           <a:bodyPr/>
           <a:lstStyle/>
           <a:p>
-            <a:endParaRPr lang="en-US"/>
+            <a:r>
+              <a:rPr lang="en-US"/>
+              <a:t>© Steve Beaty and others as cited</a:t>
+            </a:r>
           </a:p>
         </p:txBody>
       </p:sp>
@@ -7725,6 +9354,35 @@
             <a:fld id="{62CBAC88-EF5B-3148-888C-824478CD1B05}" type="slidenum">
               <a:rPr lang="en-US" smtClean="0"/>
               <a:t>30</a:t>
+            </a:fld>
+            <a:endParaRPr lang="en-US"/>
+          </a:p>
+        </p:txBody>
+      </p:sp>
+      <p:sp>
+        <p:nvSpPr>
+          <p:cNvPr id="7" name="Date Placeholder 6">
+            <a:extLst>
+              <a:ext uri="{FF2B5EF4-FFF2-40B4-BE49-F238E27FC236}">
+                <a16:creationId xmlns:a16="http://schemas.microsoft.com/office/drawing/2014/main" id="{8E636008-36C0-929D-6C7F-FF6778AADA1F}"/>
+              </a:ext>
+            </a:extLst>
+          </p:cNvPr>
+          <p:cNvSpPr>
+            <a:spLocks noGrp="1"/>
+          </p:cNvSpPr>
+          <p:nvPr>
+            <p:ph type="dt" sz="half" idx="10"/>
+          </p:nvPr>
+        </p:nvSpPr>
+        <p:spPr/>
+        <p:txBody>
+          <a:bodyPr/>
+          <a:lstStyle/>
+          <a:p>
+            <a:fld id="{C175082D-FC7A-AD45-8541-F74134668B97}" type="datetime5">
+              <a:rPr lang="en-US" smtClean="0"/>
+              <a:t>28-Oct-25</a:t>
             </a:fld>
             <a:endParaRPr lang="en-US"/>
           </a:p>
@@ -7947,7 +9605,10 @@
           <a:bodyPr/>
           <a:lstStyle/>
           <a:p>
-            <a:endParaRPr lang="en-US"/>
+            <a:r>
+              <a:rPr lang="en-US"/>
+              <a:t>© Steve Beaty and others as cited</a:t>
+            </a:r>
           </a:p>
         </p:txBody>
       </p:sp>
@@ -7975,6 +9636,35 @@
             <a:fld id="{62CBAC88-EF5B-3148-888C-824478CD1B05}" type="slidenum">
               <a:rPr lang="en-US" smtClean="0"/>
               <a:t>31</a:t>
+            </a:fld>
+            <a:endParaRPr lang="en-US"/>
+          </a:p>
+        </p:txBody>
+      </p:sp>
+      <p:sp>
+        <p:nvSpPr>
+          <p:cNvPr id="7" name="Date Placeholder 6">
+            <a:extLst>
+              <a:ext uri="{FF2B5EF4-FFF2-40B4-BE49-F238E27FC236}">
+                <a16:creationId xmlns:a16="http://schemas.microsoft.com/office/drawing/2014/main" id="{C59DB2ED-EF4C-17D0-D4A6-A20DE572207D}"/>
+              </a:ext>
+            </a:extLst>
+          </p:cNvPr>
+          <p:cNvSpPr>
+            <a:spLocks noGrp="1"/>
+          </p:cNvSpPr>
+          <p:nvPr>
+            <p:ph type="dt" sz="half" idx="10"/>
+          </p:nvPr>
+        </p:nvSpPr>
+        <p:spPr/>
+        <p:txBody>
+          <a:bodyPr/>
+          <a:lstStyle/>
+          <a:p>
+            <a:fld id="{D1C6B8C2-BBCF-9944-A8DD-2DA8B400F23C}" type="datetime5">
+              <a:rPr lang="en-US" smtClean="0"/>
+              <a:t>28-Oct-25</a:t>
             </a:fld>
             <a:endParaRPr lang="en-US"/>
           </a:p>
@@ -8071,7 +9761,7 @@
         <p:spPr/>
         <p:txBody>
           <a:bodyPr>
-            <a:normAutofit lnSpcReduction="10000"/>
+            <a:normAutofit fontScale="92500"/>
           </a:bodyPr>
           <a:lstStyle/>
           <a:p>
@@ -8146,7 +9836,7 @@
             </a:r>
             <a:r>
               <a:rPr lang="en-US" dirty="0" err="1"/>
-              <a:t>item.when</a:t>
+              <a:t>item.created_at</a:t>
             </a:r>
             <a:r>
               <a:rPr lang="en-US" dirty="0"/>
@@ -8185,7 +9875,10 @@
           <a:bodyPr/>
           <a:lstStyle/>
           <a:p>
-            <a:endParaRPr lang="en-US"/>
+            <a:r>
+              <a:rPr lang="en-US"/>
+              <a:t>© Steve Beaty and others as cited</a:t>
+            </a:r>
           </a:p>
         </p:txBody>
       </p:sp>
@@ -8213,6 +9906,35 @@
             <a:fld id="{62CBAC88-EF5B-3148-888C-824478CD1B05}" type="slidenum">
               <a:rPr lang="en-US" smtClean="0"/>
               <a:t>32</a:t>
+            </a:fld>
+            <a:endParaRPr lang="en-US"/>
+          </a:p>
+        </p:txBody>
+      </p:sp>
+      <p:sp>
+        <p:nvSpPr>
+          <p:cNvPr id="7" name="Date Placeholder 6">
+            <a:extLst>
+              <a:ext uri="{FF2B5EF4-FFF2-40B4-BE49-F238E27FC236}">
+                <a16:creationId xmlns:a16="http://schemas.microsoft.com/office/drawing/2014/main" id="{18C42419-6B60-D648-C599-087E801C012D}"/>
+              </a:ext>
+            </a:extLst>
+          </p:cNvPr>
+          <p:cNvSpPr>
+            <a:spLocks noGrp="1"/>
+          </p:cNvSpPr>
+          <p:nvPr>
+            <p:ph type="dt" sz="half" idx="10"/>
+          </p:nvPr>
+        </p:nvSpPr>
+        <p:spPr/>
+        <p:txBody>
+          <a:bodyPr/>
+          <a:lstStyle/>
+          <a:p>
+            <a:fld id="{C4ADDACB-E503-7C48-9E00-BF70228EEC5B}" type="datetime5">
+              <a:rPr lang="en-US" smtClean="0"/>
+              <a:t>28-Oct-25</a:t>
             </a:fld>
             <a:endParaRPr lang="en-US"/>
           </a:p>
@@ -8416,7 +10138,10 @@
           <a:bodyPr/>
           <a:lstStyle/>
           <a:p>
-            <a:endParaRPr lang="en-US"/>
+            <a:r>
+              <a:rPr lang="en-US"/>
+              <a:t>© Steve Beaty and others as cited</a:t>
+            </a:r>
           </a:p>
         </p:txBody>
       </p:sp>
@@ -8444,6 +10169,35 @@
             <a:fld id="{62CBAC88-EF5B-3148-888C-824478CD1B05}" type="slidenum">
               <a:rPr lang="en-US" smtClean="0"/>
               <a:t>33</a:t>
+            </a:fld>
+            <a:endParaRPr lang="en-US"/>
+          </a:p>
+        </p:txBody>
+      </p:sp>
+      <p:sp>
+        <p:nvSpPr>
+          <p:cNvPr id="7" name="Date Placeholder 6">
+            <a:extLst>
+              <a:ext uri="{FF2B5EF4-FFF2-40B4-BE49-F238E27FC236}">
+                <a16:creationId xmlns:a16="http://schemas.microsoft.com/office/drawing/2014/main" id="{62BC279B-3A1C-A648-0A52-83471B003123}"/>
+              </a:ext>
+            </a:extLst>
+          </p:cNvPr>
+          <p:cNvSpPr>
+            <a:spLocks noGrp="1"/>
+          </p:cNvSpPr>
+          <p:nvPr>
+            <p:ph type="dt" sz="half" idx="10"/>
+          </p:nvPr>
+        </p:nvSpPr>
+        <p:spPr/>
+        <p:txBody>
+          <a:bodyPr/>
+          <a:lstStyle/>
+          <a:p>
+            <a:fld id="{7DEA9370-25CC-824D-B014-7AA51985192F}" type="datetime5">
+              <a:rPr lang="en-US" smtClean="0"/>
+              <a:t>28-Oct-25</a:t>
             </a:fld>
             <a:endParaRPr lang="en-US"/>
           </a:p>
@@ -8681,7 +10435,10 @@
           <a:bodyPr/>
           <a:lstStyle/>
           <a:p>
-            <a:endParaRPr lang="en-US"/>
+            <a:r>
+              <a:rPr lang="en-US"/>
+              <a:t>© Steve Beaty and others as cited</a:t>
+            </a:r>
           </a:p>
         </p:txBody>
       </p:sp>
@@ -8709,6 +10466,35 @@
             <a:fld id="{62CBAC88-EF5B-3148-888C-824478CD1B05}" type="slidenum">
               <a:rPr lang="en-US" smtClean="0"/>
               <a:t>34</a:t>
+            </a:fld>
+            <a:endParaRPr lang="en-US"/>
+          </a:p>
+        </p:txBody>
+      </p:sp>
+      <p:sp>
+        <p:nvSpPr>
+          <p:cNvPr id="7" name="Date Placeholder 6">
+            <a:extLst>
+              <a:ext uri="{FF2B5EF4-FFF2-40B4-BE49-F238E27FC236}">
+                <a16:creationId xmlns:a16="http://schemas.microsoft.com/office/drawing/2014/main" id="{909E803D-1954-B8E9-96B1-F797DEC2F2D0}"/>
+              </a:ext>
+            </a:extLst>
+          </p:cNvPr>
+          <p:cNvSpPr>
+            <a:spLocks noGrp="1"/>
+          </p:cNvSpPr>
+          <p:nvPr>
+            <p:ph type="dt" sz="half" idx="10"/>
+          </p:nvPr>
+        </p:nvSpPr>
+        <p:spPr/>
+        <p:txBody>
+          <a:bodyPr/>
+          <a:lstStyle/>
+          <a:p>
+            <a:fld id="{C639441C-ACD0-2A45-9B42-A22416247B1F}" type="datetime5">
+              <a:rPr lang="en-US" smtClean="0"/>
+              <a:t>28-Oct-25</a:t>
             </a:fld>
             <a:endParaRPr lang="en-US"/>
           </a:p>
@@ -9028,7 +10814,10 @@
           <a:bodyPr/>
           <a:lstStyle/>
           <a:p>
-            <a:endParaRPr lang="en-US"/>
+            <a:r>
+              <a:rPr lang="en-US"/>
+              <a:t>© Steve Beaty and others as cited</a:t>
+            </a:r>
           </a:p>
         </p:txBody>
       </p:sp>
@@ -9056,6 +10845,35 @@
             <a:fld id="{62CBAC88-EF5B-3148-888C-824478CD1B05}" type="slidenum">
               <a:rPr lang="en-US" smtClean="0"/>
               <a:t>35</a:t>
+            </a:fld>
+            <a:endParaRPr lang="en-US"/>
+          </a:p>
+        </p:txBody>
+      </p:sp>
+      <p:sp>
+        <p:nvSpPr>
+          <p:cNvPr id="7" name="Date Placeholder 6">
+            <a:extLst>
+              <a:ext uri="{FF2B5EF4-FFF2-40B4-BE49-F238E27FC236}">
+                <a16:creationId xmlns:a16="http://schemas.microsoft.com/office/drawing/2014/main" id="{F05771D9-47D2-01F9-2EB5-9570526610C6}"/>
+              </a:ext>
+            </a:extLst>
+          </p:cNvPr>
+          <p:cNvSpPr>
+            <a:spLocks noGrp="1"/>
+          </p:cNvSpPr>
+          <p:nvPr>
+            <p:ph type="dt" sz="half" idx="10"/>
+          </p:nvPr>
+        </p:nvSpPr>
+        <p:spPr/>
+        <p:txBody>
+          <a:bodyPr/>
+          <a:lstStyle/>
+          <a:p>
+            <a:fld id="{3FEF16CF-7920-E044-B62C-2FFA54D2F3FF}" type="datetime5">
+              <a:rPr lang="en-US" smtClean="0"/>
+              <a:t>28-Oct-25</a:t>
             </a:fld>
             <a:endParaRPr lang="en-US"/>
           </a:p>
@@ -9352,7 +11170,10 @@
           <a:bodyPr/>
           <a:lstStyle/>
           <a:p>
-            <a:endParaRPr lang="en-US"/>
+            <a:r>
+              <a:rPr lang="en-US"/>
+              <a:t>© Steve Beaty and others as cited</a:t>
+            </a:r>
           </a:p>
         </p:txBody>
       </p:sp>
@@ -9380,6 +11201,35 @@
             <a:fld id="{62CBAC88-EF5B-3148-888C-824478CD1B05}" type="slidenum">
               <a:rPr lang="en-US" smtClean="0"/>
               <a:t>36</a:t>
+            </a:fld>
+            <a:endParaRPr lang="en-US"/>
+          </a:p>
+        </p:txBody>
+      </p:sp>
+      <p:sp>
+        <p:nvSpPr>
+          <p:cNvPr id="7" name="Date Placeholder 6">
+            <a:extLst>
+              <a:ext uri="{FF2B5EF4-FFF2-40B4-BE49-F238E27FC236}">
+                <a16:creationId xmlns:a16="http://schemas.microsoft.com/office/drawing/2014/main" id="{22C0FA3E-1709-A1B2-0FC3-DBF4BCA43183}"/>
+              </a:ext>
+            </a:extLst>
+          </p:cNvPr>
+          <p:cNvSpPr>
+            <a:spLocks noGrp="1"/>
+          </p:cNvSpPr>
+          <p:nvPr>
+            <p:ph type="dt" sz="half" idx="10"/>
+          </p:nvPr>
+        </p:nvSpPr>
+        <p:spPr/>
+        <p:txBody>
+          <a:bodyPr/>
+          <a:lstStyle/>
+          <a:p>
+            <a:fld id="{BC17ECB5-1D94-5947-969D-F4E0BE05A44A}" type="datetime5">
+              <a:rPr lang="en-US" smtClean="0"/>
+              <a:t>28-Oct-25</a:t>
             </a:fld>
             <a:endParaRPr lang="en-US"/>
           </a:p>
@@ -9593,7 +11443,10 @@
           <a:bodyPr/>
           <a:lstStyle/>
           <a:p>
-            <a:endParaRPr lang="en-US"/>
+            <a:r>
+              <a:rPr lang="en-US"/>
+              <a:t>© Steve Beaty and others as cited</a:t>
+            </a:r>
           </a:p>
         </p:txBody>
       </p:sp>
@@ -9621,6 +11474,35 @@
             <a:fld id="{62CBAC88-EF5B-3148-888C-824478CD1B05}" type="slidenum">
               <a:rPr lang="en-US" smtClean="0"/>
               <a:t>37</a:t>
+            </a:fld>
+            <a:endParaRPr lang="en-US"/>
+          </a:p>
+        </p:txBody>
+      </p:sp>
+      <p:sp>
+        <p:nvSpPr>
+          <p:cNvPr id="7" name="Date Placeholder 6">
+            <a:extLst>
+              <a:ext uri="{FF2B5EF4-FFF2-40B4-BE49-F238E27FC236}">
+                <a16:creationId xmlns:a16="http://schemas.microsoft.com/office/drawing/2014/main" id="{9BCCAD5E-7D6D-C189-872E-48B9421A6586}"/>
+              </a:ext>
+            </a:extLst>
+          </p:cNvPr>
+          <p:cNvSpPr>
+            <a:spLocks noGrp="1"/>
+          </p:cNvSpPr>
+          <p:nvPr>
+            <p:ph type="dt" sz="half" idx="10"/>
+          </p:nvPr>
+        </p:nvSpPr>
+        <p:spPr/>
+        <p:txBody>
+          <a:bodyPr/>
+          <a:lstStyle/>
+          <a:p>
+            <a:fld id="{3245DE90-0DE2-464F-955F-A797467E5088}" type="datetime5">
+              <a:rPr lang="en-US" smtClean="0"/>
+              <a:t>28-Oct-25</a:t>
             </a:fld>
             <a:endParaRPr lang="en-US"/>
           </a:p>
@@ -9778,7 +11660,10 @@
           <a:bodyPr/>
           <a:lstStyle/>
           <a:p>
-            <a:endParaRPr lang="en-US"/>
+            <a:r>
+              <a:rPr lang="en-US"/>
+              <a:t>© Steve Beaty and others as cited</a:t>
+            </a:r>
           </a:p>
         </p:txBody>
       </p:sp>
@@ -9806,6 +11691,35 @@
             <a:fld id="{62CBAC88-EF5B-3148-888C-824478CD1B05}" type="slidenum">
               <a:rPr lang="en-US" smtClean="0"/>
               <a:t>38</a:t>
+            </a:fld>
+            <a:endParaRPr lang="en-US"/>
+          </a:p>
+        </p:txBody>
+      </p:sp>
+      <p:sp>
+        <p:nvSpPr>
+          <p:cNvPr id="7" name="Date Placeholder 6">
+            <a:extLst>
+              <a:ext uri="{FF2B5EF4-FFF2-40B4-BE49-F238E27FC236}">
+                <a16:creationId xmlns:a16="http://schemas.microsoft.com/office/drawing/2014/main" id="{E6A7859A-7B1F-72FD-D6FE-FEB5C37B8B89}"/>
+              </a:ext>
+            </a:extLst>
+          </p:cNvPr>
+          <p:cNvSpPr>
+            <a:spLocks noGrp="1"/>
+          </p:cNvSpPr>
+          <p:nvPr>
+            <p:ph type="dt" sz="half" idx="10"/>
+          </p:nvPr>
+        </p:nvSpPr>
+        <p:spPr/>
+        <p:txBody>
+          <a:bodyPr/>
+          <a:lstStyle/>
+          <a:p>
+            <a:fld id="{E711CB83-F240-E543-A325-02B09C9F1A2C}" type="datetime5">
+              <a:rPr lang="en-US" smtClean="0"/>
+              <a:t>28-Oct-25</a:t>
             </a:fld>
             <a:endParaRPr lang="en-US"/>
           </a:p>
@@ -10142,7 +12056,10 @@
           <a:bodyPr/>
           <a:lstStyle/>
           <a:p>
-            <a:endParaRPr lang="en-US"/>
+            <a:r>
+              <a:rPr lang="en-US"/>
+              <a:t>© Steve Beaty and others as cited</a:t>
+            </a:r>
           </a:p>
         </p:txBody>
       </p:sp>
@@ -10170,6 +12087,35 @@
             <a:fld id="{62CBAC88-EF5B-3148-888C-824478CD1B05}" type="slidenum">
               <a:rPr lang="en-US" smtClean="0"/>
               <a:t>39</a:t>
+            </a:fld>
+            <a:endParaRPr lang="en-US"/>
+          </a:p>
+        </p:txBody>
+      </p:sp>
+      <p:sp>
+        <p:nvSpPr>
+          <p:cNvPr id="7" name="Date Placeholder 6">
+            <a:extLst>
+              <a:ext uri="{FF2B5EF4-FFF2-40B4-BE49-F238E27FC236}">
+                <a16:creationId xmlns:a16="http://schemas.microsoft.com/office/drawing/2014/main" id="{03F21121-BA5C-AA70-13E0-B77D4BD71EFC}"/>
+              </a:ext>
+            </a:extLst>
+          </p:cNvPr>
+          <p:cNvSpPr>
+            <a:spLocks noGrp="1"/>
+          </p:cNvSpPr>
+          <p:nvPr>
+            <p:ph type="dt" sz="half" idx="10"/>
+          </p:nvPr>
+        </p:nvSpPr>
+        <p:spPr/>
+        <p:txBody>
+          <a:bodyPr/>
+          <a:lstStyle/>
+          <a:p>
+            <a:fld id="{750C8DE6-D873-E848-AA42-F28294B44C1B}" type="datetime5">
+              <a:rPr lang="en-US" smtClean="0"/>
+              <a:t>28-Oct-25</a:t>
             </a:fld>
             <a:endParaRPr lang="en-US"/>
           </a:p>
@@ -10355,9 +12301,10 @@
           <a:lstStyle/>
           <a:p>
             <a:r>
-              <a:rPr lang="en-US" dirty="0"/>
+              <a:rPr lang="en-US"/>
               <a:t>© Steve Beaty and others as cited</a:t>
             </a:r>
+            <a:endParaRPr lang="en-US" dirty="0"/>
           </a:p>
         </p:txBody>
       </p:sp>
@@ -10385,6 +12332,35 @@
             <a:fld id="{62CBAC88-EF5B-3148-888C-824478CD1B05}" type="slidenum">
               <a:rPr lang="en-US" smtClean="0"/>
               <a:t>4</a:t>
+            </a:fld>
+            <a:endParaRPr lang="en-US"/>
+          </a:p>
+        </p:txBody>
+      </p:sp>
+      <p:sp>
+        <p:nvSpPr>
+          <p:cNvPr id="7" name="Date Placeholder 6">
+            <a:extLst>
+              <a:ext uri="{FF2B5EF4-FFF2-40B4-BE49-F238E27FC236}">
+                <a16:creationId xmlns:a16="http://schemas.microsoft.com/office/drawing/2014/main" id="{1A5011A6-B8CF-887E-C144-EF5F301BEB89}"/>
+              </a:ext>
+            </a:extLst>
+          </p:cNvPr>
+          <p:cNvSpPr>
+            <a:spLocks noGrp="1"/>
+          </p:cNvSpPr>
+          <p:nvPr>
+            <p:ph type="dt" sz="half" idx="10"/>
+          </p:nvPr>
+        </p:nvSpPr>
+        <p:spPr/>
+        <p:txBody>
+          <a:bodyPr/>
+          <a:lstStyle/>
+          <a:p>
+            <a:fld id="{F69BA1E6-75E7-AA49-9A91-641CE2A1808D}" type="datetime5">
+              <a:rPr lang="en-US" smtClean="0"/>
+              <a:t>28-Oct-25</a:t>
             </a:fld>
             <a:endParaRPr lang="en-US"/>
           </a:p>
@@ -10685,7 +12661,10 @@
           <a:bodyPr/>
           <a:lstStyle/>
           <a:p>
-            <a:endParaRPr lang="en-US"/>
+            <a:r>
+              <a:rPr lang="en-US"/>
+              <a:t>© Steve Beaty and others as cited</a:t>
+            </a:r>
           </a:p>
         </p:txBody>
       </p:sp>
@@ -10713,6 +12692,35 @@
             <a:fld id="{62CBAC88-EF5B-3148-888C-824478CD1B05}" type="slidenum">
               <a:rPr lang="en-US" smtClean="0"/>
               <a:t>40</a:t>
+            </a:fld>
+            <a:endParaRPr lang="en-US"/>
+          </a:p>
+        </p:txBody>
+      </p:sp>
+      <p:sp>
+        <p:nvSpPr>
+          <p:cNvPr id="7" name="Date Placeholder 6">
+            <a:extLst>
+              <a:ext uri="{FF2B5EF4-FFF2-40B4-BE49-F238E27FC236}">
+                <a16:creationId xmlns:a16="http://schemas.microsoft.com/office/drawing/2014/main" id="{9DB9A90B-359E-7579-88A4-0CB0D0ACFE1B}"/>
+              </a:ext>
+            </a:extLst>
+          </p:cNvPr>
+          <p:cNvSpPr>
+            <a:spLocks noGrp="1"/>
+          </p:cNvSpPr>
+          <p:nvPr>
+            <p:ph type="dt" sz="half" idx="10"/>
+          </p:nvPr>
+        </p:nvSpPr>
+        <p:spPr/>
+        <p:txBody>
+          <a:bodyPr/>
+          <a:lstStyle/>
+          <a:p>
+            <a:fld id="{9C29CCE2-2A6C-8A44-B005-9603B118A03F}" type="datetime5">
+              <a:rPr lang="en-US" smtClean="0"/>
+              <a:t>28-Oct-25</a:t>
             </a:fld>
             <a:endParaRPr lang="en-US"/>
           </a:p>
@@ -10876,7 +12884,10 @@
           <a:bodyPr/>
           <a:lstStyle/>
           <a:p>
-            <a:endParaRPr lang="en-US"/>
+            <a:r>
+              <a:rPr lang="en-US"/>
+              <a:t>© Steve Beaty and others as cited</a:t>
+            </a:r>
           </a:p>
         </p:txBody>
       </p:sp>
@@ -10904,6 +12915,35 @@
             <a:fld id="{62CBAC88-EF5B-3148-888C-824478CD1B05}" type="slidenum">
               <a:rPr lang="en-US" smtClean="0"/>
               <a:t>41</a:t>
+            </a:fld>
+            <a:endParaRPr lang="en-US"/>
+          </a:p>
+        </p:txBody>
+      </p:sp>
+      <p:sp>
+        <p:nvSpPr>
+          <p:cNvPr id="7" name="Date Placeholder 6">
+            <a:extLst>
+              <a:ext uri="{FF2B5EF4-FFF2-40B4-BE49-F238E27FC236}">
+                <a16:creationId xmlns:a16="http://schemas.microsoft.com/office/drawing/2014/main" id="{3DFD991B-3CD0-897D-D9AF-2014786C8882}"/>
+              </a:ext>
+            </a:extLst>
+          </p:cNvPr>
+          <p:cNvSpPr>
+            <a:spLocks noGrp="1"/>
+          </p:cNvSpPr>
+          <p:nvPr>
+            <p:ph type="dt" sz="half" idx="10"/>
+          </p:nvPr>
+        </p:nvSpPr>
+        <p:spPr/>
+        <p:txBody>
+          <a:bodyPr/>
+          <a:lstStyle/>
+          <a:p>
+            <a:fld id="{37A70494-6260-434B-8979-3D5FAA53955A}" type="datetime5">
+              <a:rPr lang="en-US" smtClean="0"/>
+              <a:t>28-Oct-25</a:t>
             </a:fld>
             <a:endParaRPr lang="en-US"/>
           </a:p>
@@ -11075,7 +13115,10 @@
           <a:bodyPr/>
           <a:lstStyle/>
           <a:p>
-            <a:endParaRPr lang="en-US"/>
+            <a:r>
+              <a:rPr lang="en-US"/>
+              <a:t>© Steve Beaty and others as cited</a:t>
+            </a:r>
           </a:p>
         </p:txBody>
       </p:sp>
@@ -11103,6 +13146,35 @@
             <a:fld id="{62CBAC88-EF5B-3148-888C-824478CD1B05}" type="slidenum">
               <a:rPr lang="en-US" smtClean="0"/>
               <a:t>42</a:t>
+            </a:fld>
+            <a:endParaRPr lang="en-US"/>
+          </a:p>
+        </p:txBody>
+      </p:sp>
+      <p:sp>
+        <p:nvSpPr>
+          <p:cNvPr id="7" name="Date Placeholder 6">
+            <a:extLst>
+              <a:ext uri="{FF2B5EF4-FFF2-40B4-BE49-F238E27FC236}">
+                <a16:creationId xmlns:a16="http://schemas.microsoft.com/office/drawing/2014/main" id="{0189E0A8-AABB-81B8-1C3E-5E44A3BAF2B1}"/>
+              </a:ext>
+            </a:extLst>
+          </p:cNvPr>
+          <p:cNvSpPr>
+            <a:spLocks noGrp="1"/>
+          </p:cNvSpPr>
+          <p:nvPr>
+            <p:ph type="dt" sz="half" idx="10"/>
+          </p:nvPr>
+        </p:nvSpPr>
+        <p:spPr/>
+        <p:txBody>
+          <a:bodyPr/>
+          <a:lstStyle/>
+          <a:p>
+            <a:fld id="{E01FFDF9-C11F-D248-A9C7-44F6AA5C4ABA}" type="datetime5">
+              <a:rPr lang="en-US" smtClean="0"/>
+              <a:t>28-Oct-25</a:t>
             </a:fld>
             <a:endParaRPr lang="en-US"/>
           </a:p>
@@ -11263,7 +13335,10 @@
           <a:bodyPr/>
           <a:lstStyle/>
           <a:p>
-            <a:endParaRPr lang="en-US"/>
+            <a:r>
+              <a:rPr lang="en-US"/>
+              <a:t>© Steve Beaty and others as cited</a:t>
+            </a:r>
           </a:p>
         </p:txBody>
       </p:sp>
@@ -11291,6 +13366,35 @@
             <a:fld id="{62CBAC88-EF5B-3148-888C-824478CD1B05}" type="slidenum">
               <a:rPr lang="en-US" smtClean="0"/>
               <a:t>43</a:t>
+            </a:fld>
+            <a:endParaRPr lang="en-US"/>
+          </a:p>
+        </p:txBody>
+      </p:sp>
+      <p:sp>
+        <p:nvSpPr>
+          <p:cNvPr id="7" name="Date Placeholder 6">
+            <a:extLst>
+              <a:ext uri="{FF2B5EF4-FFF2-40B4-BE49-F238E27FC236}">
+                <a16:creationId xmlns:a16="http://schemas.microsoft.com/office/drawing/2014/main" id="{53940432-213E-12BE-6CC8-16E70F3C9961}"/>
+              </a:ext>
+            </a:extLst>
+          </p:cNvPr>
+          <p:cNvSpPr>
+            <a:spLocks noGrp="1"/>
+          </p:cNvSpPr>
+          <p:nvPr>
+            <p:ph type="dt" sz="half" idx="10"/>
+          </p:nvPr>
+        </p:nvSpPr>
+        <p:spPr/>
+        <p:txBody>
+          <a:bodyPr/>
+          <a:lstStyle/>
+          <a:p>
+            <a:fld id="{A1F0A67F-3C29-294A-A74B-2B9EA15F8FDD}" type="datetime5">
+              <a:rPr lang="en-US" smtClean="0"/>
+              <a:t>28-Oct-25</a:t>
             </a:fld>
             <a:endParaRPr lang="en-US"/>
           </a:p>
@@ -11464,7 +13568,10 @@
           <a:bodyPr/>
           <a:lstStyle/>
           <a:p>
-            <a:endParaRPr lang="en-US"/>
+            <a:r>
+              <a:rPr lang="en-US"/>
+              <a:t>© Steve Beaty and others as cited</a:t>
+            </a:r>
           </a:p>
         </p:txBody>
       </p:sp>
@@ -11492,6 +13599,35 @@
             <a:fld id="{62CBAC88-EF5B-3148-888C-824478CD1B05}" type="slidenum">
               <a:rPr lang="en-US" smtClean="0"/>
               <a:t>44</a:t>
+            </a:fld>
+            <a:endParaRPr lang="en-US"/>
+          </a:p>
+        </p:txBody>
+      </p:sp>
+      <p:sp>
+        <p:nvSpPr>
+          <p:cNvPr id="7" name="Date Placeholder 6">
+            <a:extLst>
+              <a:ext uri="{FF2B5EF4-FFF2-40B4-BE49-F238E27FC236}">
+                <a16:creationId xmlns:a16="http://schemas.microsoft.com/office/drawing/2014/main" id="{BFA2B5A0-F700-1D48-5B81-97E3C0C70C2D}"/>
+              </a:ext>
+            </a:extLst>
+          </p:cNvPr>
+          <p:cNvSpPr>
+            <a:spLocks noGrp="1"/>
+          </p:cNvSpPr>
+          <p:nvPr>
+            <p:ph type="dt" sz="half" idx="10"/>
+          </p:nvPr>
+        </p:nvSpPr>
+        <p:spPr/>
+        <p:txBody>
+          <a:bodyPr/>
+          <a:lstStyle/>
+          <a:p>
+            <a:fld id="{F9CECF2E-CA0C-0D4F-968C-E166C13B08DD}" type="datetime5">
+              <a:rPr lang="en-US" smtClean="0"/>
+              <a:t>28-Oct-25</a:t>
             </a:fld>
             <a:endParaRPr lang="en-US"/>
           </a:p>
@@ -11674,7 +13810,10 @@
           <a:bodyPr/>
           <a:lstStyle/>
           <a:p>
-            <a:endParaRPr lang="en-US"/>
+            <a:r>
+              <a:rPr lang="en-US"/>
+              <a:t>© Steve Beaty and others as cited</a:t>
+            </a:r>
           </a:p>
         </p:txBody>
       </p:sp>
@@ -11702,6 +13841,35 @@
             <a:fld id="{62CBAC88-EF5B-3148-888C-824478CD1B05}" type="slidenum">
               <a:rPr lang="en-US" smtClean="0"/>
               <a:t>45</a:t>
+            </a:fld>
+            <a:endParaRPr lang="en-US"/>
+          </a:p>
+        </p:txBody>
+      </p:sp>
+      <p:sp>
+        <p:nvSpPr>
+          <p:cNvPr id="7" name="Date Placeholder 6">
+            <a:extLst>
+              <a:ext uri="{FF2B5EF4-FFF2-40B4-BE49-F238E27FC236}">
+                <a16:creationId xmlns:a16="http://schemas.microsoft.com/office/drawing/2014/main" id="{D50EA0CA-1F8B-B690-6172-9283139F6B7D}"/>
+              </a:ext>
+            </a:extLst>
+          </p:cNvPr>
+          <p:cNvSpPr>
+            <a:spLocks noGrp="1"/>
+          </p:cNvSpPr>
+          <p:nvPr>
+            <p:ph type="dt" sz="half" idx="10"/>
+          </p:nvPr>
+        </p:nvSpPr>
+        <p:spPr/>
+        <p:txBody>
+          <a:bodyPr/>
+          <a:lstStyle/>
+          <a:p>
+            <a:fld id="{F04372A4-148D-814C-AC5A-344975EB4FCE}" type="datetime5">
+              <a:rPr lang="en-US" smtClean="0"/>
+              <a:t>28-Oct-25</a:t>
             </a:fld>
             <a:endParaRPr lang="en-US"/>
           </a:p>
@@ -11929,7 +14097,10 @@
           <a:bodyPr/>
           <a:lstStyle/>
           <a:p>
-            <a:endParaRPr lang="en-US"/>
+            <a:r>
+              <a:rPr lang="en-US"/>
+              <a:t>© Steve Beaty and others as cited</a:t>
+            </a:r>
           </a:p>
         </p:txBody>
       </p:sp>
@@ -11957,6 +14128,35 @@
             <a:fld id="{62CBAC88-EF5B-3148-888C-824478CD1B05}" type="slidenum">
               <a:rPr lang="en-US" smtClean="0"/>
               <a:t>46</a:t>
+            </a:fld>
+            <a:endParaRPr lang="en-US"/>
+          </a:p>
+        </p:txBody>
+      </p:sp>
+      <p:sp>
+        <p:nvSpPr>
+          <p:cNvPr id="7" name="Date Placeholder 6">
+            <a:extLst>
+              <a:ext uri="{FF2B5EF4-FFF2-40B4-BE49-F238E27FC236}">
+                <a16:creationId xmlns:a16="http://schemas.microsoft.com/office/drawing/2014/main" id="{E14A0489-CEAA-248A-AE25-AFBF17BED088}"/>
+              </a:ext>
+            </a:extLst>
+          </p:cNvPr>
+          <p:cNvSpPr>
+            <a:spLocks noGrp="1"/>
+          </p:cNvSpPr>
+          <p:nvPr>
+            <p:ph type="dt" sz="half" idx="10"/>
+          </p:nvPr>
+        </p:nvSpPr>
+        <p:spPr/>
+        <p:txBody>
+          <a:bodyPr/>
+          <a:lstStyle/>
+          <a:p>
+            <a:fld id="{5DAA0823-BE8A-6341-8413-2CF5840475D1}" type="datetime5">
+              <a:rPr lang="en-US" smtClean="0"/>
+              <a:t>28-Oct-25</a:t>
             </a:fld>
             <a:endParaRPr lang="en-US"/>
           </a:p>
@@ -12113,7 +14313,10 @@
           <a:bodyPr/>
           <a:lstStyle/>
           <a:p>
-            <a:endParaRPr lang="en-US"/>
+            <a:r>
+              <a:rPr lang="en-US"/>
+              <a:t>© Steve Beaty and others as cited</a:t>
+            </a:r>
           </a:p>
         </p:txBody>
       </p:sp>
@@ -12141,6 +14344,35 @@
             <a:fld id="{62CBAC88-EF5B-3148-888C-824478CD1B05}" type="slidenum">
               <a:rPr lang="en-US" smtClean="0"/>
               <a:t>47</a:t>
+            </a:fld>
+            <a:endParaRPr lang="en-US"/>
+          </a:p>
+        </p:txBody>
+      </p:sp>
+      <p:sp>
+        <p:nvSpPr>
+          <p:cNvPr id="7" name="Date Placeholder 6">
+            <a:extLst>
+              <a:ext uri="{FF2B5EF4-FFF2-40B4-BE49-F238E27FC236}">
+                <a16:creationId xmlns:a16="http://schemas.microsoft.com/office/drawing/2014/main" id="{E4901D72-B443-2660-CBD6-22396C37B453}"/>
+              </a:ext>
+            </a:extLst>
+          </p:cNvPr>
+          <p:cNvSpPr>
+            <a:spLocks noGrp="1"/>
+          </p:cNvSpPr>
+          <p:nvPr>
+            <p:ph type="dt" sz="half" idx="10"/>
+          </p:nvPr>
+        </p:nvSpPr>
+        <p:spPr/>
+        <p:txBody>
+          <a:bodyPr/>
+          <a:lstStyle/>
+          <a:p>
+            <a:fld id="{BEA5676E-5E7B-1845-B5EB-A601497F53B4}" type="datetime5">
+              <a:rPr lang="en-US" smtClean="0"/>
+              <a:t>28-Oct-25</a:t>
             </a:fld>
             <a:endParaRPr lang="en-US"/>
           </a:p>
@@ -12354,7 +14586,10 @@
           <a:bodyPr/>
           <a:lstStyle/>
           <a:p>
-            <a:endParaRPr lang="en-US"/>
+            <a:r>
+              <a:rPr lang="en-US"/>
+              <a:t>© Steve Beaty and others as cited</a:t>
+            </a:r>
           </a:p>
         </p:txBody>
       </p:sp>
@@ -12382,6 +14617,35 @@
             <a:fld id="{62CBAC88-EF5B-3148-888C-824478CD1B05}" type="slidenum">
               <a:rPr lang="en-US" smtClean="0"/>
               <a:t>48</a:t>
+            </a:fld>
+            <a:endParaRPr lang="en-US"/>
+          </a:p>
+        </p:txBody>
+      </p:sp>
+      <p:sp>
+        <p:nvSpPr>
+          <p:cNvPr id="7" name="Date Placeholder 6">
+            <a:extLst>
+              <a:ext uri="{FF2B5EF4-FFF2-40B4-BE49-F238E27FC236}">
+                <a16:creationId xmlns:a16="http://schemas.microsoft.com/office/drawing/2014/main" id="{DACECB07-7DD6-C769-09C8-A23A26771E59}"/>
+              </a:ext>
+            </a:extLst>
+          </p:cNvPr>
+          <p:cNvSpPr>
+            <a:spLocks noGrp="1"/>
+          </p:cNvSpPr>
+          <p:nvPr>
+            <p:ph type="dt" sz="half" idx="10"/>
+          </p:nvPr>
+        </p:nvSpPr>
+        <p:spPr/>
+        <p:txBody>
+          <a:bodyPr/>
+          <a:lstStyle/>
+          <a:p>
+            <a:fld id="{85C56534-930D-9443-9AEF-A9E1EF9E2C02}" type="datetime5">
+              <a:rPr lang="en-US" smtClean="0"/>
+              <a:t>28-Oct-25</a:t>
             </a:fld>
             <a:endParaRPr lang="en-US"/>
           </a:p>
@@ -12569,7 +14833,10 @@
           <a:bodyPr/>
           <a:lstStyle/>
           <a:p>
-            <a:endParaRPr lang="en-US"/>
+            <a:r>
+              <a:rPr lang="en-US"/>
+              <a:t>© Steve Beaty and others as cited</a:t>
+            </a:r>
           </a:p>
         </p:txBody>
       </p:sp>
@@ -12597,6 +14864,35 @@
             <a:fld id="{62CBAC88-EF5B-3148-888C-824478CD1B05}" type="slidenum">
               <a:rPr lang="en-US" smtClean="0"/>
               <a:t>49</a:t>
+            </a:fld>
+            <a:endParaRPr lang="en-US"/>
+          </a:p>
+        </p:txBody>
+      </p:sp>
+      <p:sp>
+        <p:nvSpPr>
+          <p:cNvPr id="7" name="Date Placeholder 6">
+            <a:extLst>
+              <a:ext uri="{FF2B5EF4-FFF2-40B4-BE49-F238E27FC236}">
+                <a16:creationId xmlns:a16="http://schemas.microsoft.com/office/drawing/2014/main" id="{512CDE1A-1A06-DA6A-1E9D-B16B59315512}"/>
+              </a:ext>
+            </a:extLst>
+          </p:cNvPr>
+          <p:cNvSpPr>
+            <a:spLocks noGrp="1"/>
+          </p:cNvSpPr>
+          <p:nvPr>
+            <p:ph type="dt" sz="half" idx="10"/>
+          </p:nvPr>
+        </p:nvSpPr>
+        <p:spPr/>
+        <p:txBody>
+          <a:bodyPr/>
+          <a:lstStyle/>
+          <a:p>
+            <a:fld id="{8C6433A7-47A8-0E4C-A4AB-23827F12FB38}" type="datetime5">
+              <a:rPr lang="en-US" smtClean="0"/>
+              <a:t>28-Oct-25</a:t>
             </a:fld>
             <a:endParaRPr lang="en-US"/>
           </a:p>
@@ -12751,7 +15047,10 @@
           <a:bodyPr/>
           <a:lstStyle/>
           <a:p>
-            <a:endParaRPr lang="en-US"/>
+            <a:r>
+              <a:rPr lang="en-US"/>
+              <a:t>© Steve Beaty and others as cited</a:t>
+            </a:r>
           </a:p>
         </p:txBody>
       </p:sp>
@@ -12779,6 +15078,35 @@
             <a:fld id="{62CBAC88-EF5B-3148-888C-824478CD1B05}" type="slidenum">
               <a:rPr lang="en-US" smtClean="0"/>
               <a:t>5</a:t>
+            </a:fld>
+            <a:endParaRPr lang="en-US"/>
+          </a:p>
+        </p:txBody>
+      </p:sp>
+      <p:sp>
+        <p:nvSpPr>
+          <p:cNvPr id="7" name="Date Placeholder 6">
+            <a:extLst>
+              <a:ext uri="{FF2B5EF4-FFF2-40B4-BE49-F238E27FC236}">
+                <a16:creationId xmlns:a16="http://schemas.microsoft.com/office/drawing/2014/main" id="{62786F6E-5D11-C631-F462-09EB756FEB3B}"/>
+              </a:ext>
+            </a:extLst>
+          </p:cNvPr>
+          <p:cNvSpPr>
+            <a:spLocks noGrp="1"/>
+          </p:cNvSpPr>
+          <p:nvPr>
+            <p:ph type="dt" sz="half" idx="10"/>
+          </p:nvPr>
+        </p:nvSpPr>
+        <p:spPr/>
+        <p:txBody>
+          <a:bodyPr/>
+          <a:lstStyle/>
+          <a:p>
+            <a:fld id="{FE48365E-C25A-BD44-B535-AB4E07360761}" type="datetime5">
+              <a:rPr lang="en-US" smtClean="0"/>
+              <a:t>28-Oct-25</a:t>
             </a:fld>
             <a:endParaRPr lang="en-US"/>
           </a:p>
@@ -13024,7 +15352,10 @@
           <a:bodyPr/>
           <a:lstStyle/>
           <a:p>
-            <a:endParaRPr lang="en-US"/>
+            <a:r>
+              <a:rPr lang="en-US"/>
+              <a:t>© Steve Beaty and others as cited</a:t>
+            </a:r>
           </a:p>
         </p:txBody>
       </p:sp>
@@ -13052,6 +15383,35 @@
             <a:fld id="{62CBAC88-EF5B-3148-888C-824478CD1B05}" type="slidenum">
               <a:rPr lang="en-US" smtClean="0"/>
               <a:t>50</a:t>
+            </a:fld>
+            <a:endParaRPr lang="en-US"/>
+          </a:p>
+        </p:txBody>
+      </p:sp>
+      <p:sp>
+        <p:nvSpPr>
+          <p:cNvPr id="7" name="Date Placeholder 6">
+            <a:extLst>
+              <a:ext uri="{FF2B5EF4-FFF2-40B4-BE49-F238E27FC236}">
+                <a16:creationId xmlns:a16="http://schemas.microsoft.com/office/drawing/2014/main" id="{F82471F0-E19B-D190-BE76-25140F61362F}"/>
+              </a:ext>
+            </a:extLst>
+          </p:cNvPr>
+          <p:cNvSpPr>
+            <a:spLocks noGrp="1"/>
+          </p:cNvSpPr>
+          <p:nvPr>
+            <p:ph type="dt" sz="half" idx="10"/>
+          </p:nvPr>
+        </p:nvSpPr>
+        <p:spPr/>
+        <p:txBody>
+          <a:bodyPr/>
+          <a:lstStyle/>
+          <a:p>
+            <a:fld id="{92589934-1A55-5446-A98E-0C0C010596F5}" type="datetime5">
+              <a:rPr lang="en-US" smtClean="0"/>
+              <a:t>28-Oct-25</a:t>
             </a:fld>
             <a:endParaRPr lang="en-US"/>
           </a:p>
@@ -13214,7 +15574,10 @@
           <a:bodyPr/>
           <a:lstStyle/>
           <a:p>
-            <a:endParaRPr lang="en-US"/>
+            <a:r>
+              <a:rPr lang="en-US"/>
+              <a:t>© Steve Beaty and others as cited</a:t>
+            </a:r>
           </a:p>
         </p:txBody>
       </p:sp>
@@ -13242,6 +15605,35 @@
             <a:fld id="{62CBAC88-EF5B-3148-888C-824478CD1B05}" type="slidenum">
               <a:rPr lang="en-US" smtClean="0"/>
               <a:t>51</a:t>
+            </a:fld>
+            <a:endParaRPr lang="en-US"/>
+          </a:p>
+        </p:txBody>
+      </p:sp>
+      <p:sp>
+        <p:nvSpPr>
+          <p:cNvPr id="7" name="Date Placeholder 6">
+            <a:extLst>
+              <a:ext uri="{FF2B5EF4-FFF2-40B4-BE49-F238E27FC236}">
+                <a16:creationId xmlns:a16="http://schemas.microsoft.com/office/drawing/2014/main" id="{D761CE81-106D-E2D5-75DB-4BDAC6E2164B}"/>
+              </a:ext>
+            </a:extLst>
+          </p:cNvPr>
+          <p:cNvSpPr>
+            <a:spLocks noGrp="1"/>
+          </p:cNvSpPr>
+          <p:nvPr>
+            <p:ph type="dt" sz="half" idx="10"/>
+          </p:nvPr>
+        </p:nvSpPr>
+        <p:spPr/>
+        <p:txBody>
+          <a:bodyPr/>
+          <a:lstStyle/>
+          <a:p>
+            <a:fld id="{F31DB80B-8CB8-2646-AF6A-94F15B451640}" type="datetime5">
+              <a:rPr lang="en-US" smtClean="0"/>
+              <a:t>28-Oct-25</a:t>
             </a:fld>
             <a:endParaRPr lang="en-US"/>
           </a:p>
@@ -13505,7 +15897,10 @@
           <a:bodyPr/>
           <a:lstStyle/>
           <a:p>
-            <a:endParaRPr lang="en-US"/>
+            <a:r>
+              <a:rPr lang="en-US"/>
+              <a:t>© Steve Beaty and others as cited</a:t>
+            </a:r>
           </a:p>
         </p:txBody>
       </p:sp>
@@ -13533,6 +15928,35 @@
             <a:fld id="{62CBAC88-EF5B-3148-888C-824478CD1B05}" type="slidenum">
               <a:rPr lang="en-US" smtClean="0"/>
               <a:t>52</a:t>
+            </a:fld>
+            <a:endParaRPr lang="en-US"/>
+          </a:p>
+        </p:txBody>
+      </p:sp>
+      <p:sp>
+        <p:nvSpPr>
+          <p:cNvPr id="7" name="Date Placeholder 6">
+            <a:extLst>
+              <a:ext uri="{FF2B5EF4-FFF2-40B4-BE49-F238E27FC236}">
+                <a16:creationId xmlns:a16="http://schemas.microsoft.com/office/drawing/2014/main" id="{60CF3A09-AB8D-C7AE-77BB-72D2912FD175}"/>
+              </a:ext>
+            </a:extLst>
+          </p:cNvPr>
+          <p:cNvSpPr>
+            <a:spLocks noGrp="1"/>
+          </p:cNvSpPr>
+          <p:nvPr>
+            <p:ph type="dt" sz="half" idx="10"/>
+          </p:nvPr>
+        </p:nvSpPr>
+        <p:spPr/>
+        <p:txBody>
+          <a:bodyPr/>
+          <a:lstStyle/>
+          <a:p>
+            <a:fld id="{FB942D24-AEF9-AC4C-A4F0-38DA28EBD6A1}" type="datetime5">
+              <a:rPr lang="en-US" smtClean="0"/>
+              <a:t>28-Oct-25</a:t>
             </a:fld>
             <a:endParaRPr lang="en-US"/>
           </a:p>
@@ -13719,7 +16143,10 @@
           <a:bodyPr/>
           <a:lstStyle/>
           <a:p>
-            <a:endParaRPr lang="en-US"/>
+            <a:r>
+              <a:rPr lang="en-US"/>
+              <a:t>© Steve Beaty and others as cited</a:t>
+            </a:r>
           </a:p>
         </p:txBody>
       </p:sp>
@@ -13747,6 +16174,35 @@
             <a:fld id="{62CBAC88-EF5B-3148-888C-824478CD1B05}" type="slidenum">
               <a:rPr lang="en-US" smtClean="0"/>
               <a:t>53</a:t>
+            </a:fld>
+            <a:endParaRPr lang="en-US"/>
+          </a:p>
+        </p:txBody>
+      </p:sp>
+      <p:sp>
+        <p:nvSpPr>
+          <p:cNvPr id="7" name="Date Placeholder 6">
+            <a:extLst>
+              <a:ext uri="{FF2B5EF4-FFF2-40B4-BE49-F238E27FC236}">
+                <a16:creationId xmlns:a16="http://schemas.microsoft.com/office/drawing/2014/main" id="{F66371A8-A358-D018-9D7E-958C6EB8DE8A}"/>
+              </a:ext>
+            </a:extLst>
+          </p:cNvPr>
+          <p:cNvSpPr>
+            <a:spLocks noGrp="1"/>
+          </p:cNvSpPr>
+          <p:nvPr>
+            <p:ph type="dt" sz="half" idx="10"/>
+          </p:nvPr>
+        </p:nvSpPr>
+        <p:spPr/>
+        <p:txBody>
+          <a:bodyPr/>
+          <a:lstStyle/>
+          <a:p>
+            <a:fld id="{518EF62C-B5CA-2041-BB9D-9D838BAB96EB}" type="datetime5">
+              <a:rPr lang="en-US" smtClean="0"/>
+              <a:t>28-Oct-25</a:t>
             </a:fld>
             <a:endParaRPr lang="en-US"/>
           </a:p>
@@ -13904,7 +16360,10 @@
           <a:bodyPr/>
           <a:lstStyle/>
           <a:p>
-            <a:endParaRPr lang="en-US"/>
+            <a:r>
+              <a:rPr lang="en-US"/>
+              <a:t>© Steve Beaty and others as cited</a:t>
+            </a:r>
           </a:p>
         </p:txBody>
       </p:sp>
@@ -13932,6 +16391,35 @@
             <a:fld id="{62CBAC88-EF5B-3148-888C-824478CD1B05}" type="slidenum">
               <a:rPr lang="en-US" smtClean="0"/>
               <a:t>54</a:t>
+            </a:fld>
+            <a:endParaRPr lang="en-US"/>
+          </a:p>
+        </p:txBody>
+      </p:sp>
+      <p:sp>
+        <p:nvSpPr>
+          <p:cNvPr id="7" name="Date Placeholder 6">
+            <a:extLst>
+              <a:ext uri="{FF2B5EF4-FFF2-40B4-BE49-F238E27FC236}">
+                <a16:creationId xmlns:a16="http://schemas.microsoft.com/office/drawing/2014/main" id="{F1D75AAC-DEAF-5E9D-41A3-8169834E4681}"/>
+              </a:ext>
+            </a:extLst>
+          </p:cNvPr>
+          <p:cNvSpPr>
+            <a:spLocks noGrp="1"/>
+          </p:cNvSpPr>
+          <p:nvPr>
+            <p:ph type="dt" sz="half" idx="10"/>
+          </p:nvPr>
+        </p:nvSpPr>
+        <p:spPr/>
+        <p:txBody>
+          <a:bodyPr/>
+          <a:lstStyle/>
+          <a:p>
+            <a:fld id="{C5206D2D-090F-F844-9C7C-F80226B8D598}" type="datetime5">
+              <a:rPr lang="en-US" smtClean="0"/>
+              <a:t>28-Oct-25</a:t>
             </a:fld>
             <a:endParaRPr lang="en-US"/>
           </a:p>
@@ -14094,7 +16582,10 @@
           <a:bodyPr/>
           <a:lstStyle/>
           <a:p>
-            <a:endParaRPr lang="en-US"/>
+            <a:r>
+              <a:rPr lang="en-US"/>
+              <a:t>© Steve Beaty and others as cited</a:t>
+            </a:r>
           </a:p>
         </p:txBody>
       </p:sp>
@@ -14122,6 +16613,35 @@
             <a:fld id="{62CBAC88-EF5B-3148-888C-824478CD1B05}" type="slidenum">
               <a:rPr lang="en-US" smtClean="0"/>
               <a:t>55</a:t>
+            </a:fld>
+            <a:endParaRPr lang="en-US"/>
+          </a:p>
+        </p:txBody>
+      </p:sp>
+      <p:sp>
+        <p:nvSpPr>
+          <p:cNvPr id="7" name="Date Placeholder 6">
+            <a:extLst>
+              <a:ext uri="{FF2B5EF4-FFF2-40B4-BE49-F238E27FC236}">
+                <a16:creationId xmlns:a16="http://schemas.microsoft.com/office/drawing/2014/main" id="{D2B18922-DB0C-C055-BB7E-04EB3D2A36BD}"/>
+              </a:ext>
+            </a:extLst>
+          </p:cNvPr>
+          <p:cNvSpPr>
+            <a:spLocks noGrp="1"/>
+          </p:cNvSpPr>
+          <p:nvPr>
+            <p:ph type="dt" sz="half" idx="10"/>
+          </p:nvPr>
+        </p:nvSpPr>
+        <p:spPr/>
+        <p:txBody>
+          <a:bodyPr/>
+          <a:lstStyle/>
+          <a:p>
+            <a:fld id="{D19DCA0D-DF2D-7F43-B2C0-D9FE4F57E4F6}" type="datetime5">
+              <a:rPr lang="en-US" smtClean="0"/>
+              <a:t>28-Oct-25</a:t>
             </a:fld>
             <a:endParaRPr lang="en-US"/>
           </a:p>
@@ -14374,7 +16894,10 @@
           <a:bodyPr/>
           <a:lstStyle/>
           <a:p>
-            <a:endParaRPr lang="en-US"/>
+            <a:r>
+              <a:rPr lang="en-US"/>
+              <a:t>© Steve Beaty and others as cited</a:t>
+            </a:r>
           </a:p>
         </p:txBody>
       </p:sp>
@@ -14402,6 +16925,35 @@
             <a:fld id="{62CBAC88-EF5B-3148-888C-824478CD1B05}" type="slidenum">
               <a:rPr lang="en-US" smtClean="0"/>
               <a:t>56</a:t>
+            </a:fld>
+            <a:endParaRPr lang="en-US"/>
+          </a:p>
+        </p:txBody>
+      </p:sp>
+      <p:sp>
+        <p:nvSpPr>
+          <p:cNvPr id="7" name="Date Placeholder 6">
+            <a:extLst>
+              <a:ext uri="{FF2B5EF4-FFF2-40B4-BE49-F238E27FC236}">
+                <a16:creationId xmlns:a16="http://schemas.microsoft.com/office/drawing/2014/main" id="{FF995DF1-6F24-0995-D599-D19C0F64AD19}"/>
+              </a:ext>
+            </a:extLst>
+          </p:cNvPr>
+          <p:cNvSpPr>
+            <a:spLocks noGrp="1"/>
+          </p:cNvSpPr>
+          <p:nvPr>
+            <p:ph type="dt" sz="half" idx="10"/>
+          </p:nvPr>
+        </p:nvSpPr>
+        <p:spPr/>
+        <p:txBody>
+          <a:bodyPr/>
+          <a:lstStyle/>
+          <a:p>
+            <a:fld id="{1CD96339-8FB9-FD41-A5AC-44DD3E48F30C}" type="datetime5">
+              <a:rPr lang="en-US" smtClean="0"/>
+              <a:t>28-Oct-25</a:t>
             </a:fld>
             <a:endParaRPr lang="en-US"/>
           </a:p>
@@ -14581,7 +17133,10 @@
           <a:bodyPr/>
           <a:lstStyle/>
           <a:p>
-            <a:endParaRPr lang="en-US"/>
+            <a:r>
+              <a:rPr lang="en-US"/>
+              <a:t>© Steve Beaty and others as cited</a:t>
+            </a:r>
           </a:p>
         </p:txBody>
       </p:sp>
@@ -14609,6 +17164,35 @@
             <a:fld id="{62CBAC88-EF5B-3148-888C-824478CD1B05}" type="slidenum">
               <a:rPr lang="en-US" smtClean="0"/>
               <a:t>57</a:t>
+            </a:fld>
+            <a:endParaRPr lang="en-US"/>
+          </a:p>
+        </p:txBody>
+      </p:sp>
+      <p:sp>
+        <p:nvSpPr>
+          <p:cNvPr id="7" name="Date Placeholder 6">
+            <a:extLst>
+              <a:ext uri="{FF2B5EF4-FFF2-40B4-BE49-F238E27FC236}">
+                <a16:creationId xmlns:a16="http://schemas.microsoft.com/office/drawing/2014/main" id="{1D9C4AE6-E858-D500-734F-D8A8EB53FBDB}"/>
+              </a:ext>
+            </a:extLst>
+          </p:cNvPr>
+          <p:cNvSpPr>
+            <a:spLocks noGrp="1"/>
+          </p:cNvSpPr>
+          <p:nvPr>
+            <p:ph type="dt" sz="half" idx="10"/>
+          </p:nvPr>
+        </p:nvSpPr>
+        <p:spPr/>
+        <p:txBody>
+          <a:bodyPr/>
+          <a:lstStyle/>
+          <a:p>
+            <a:fld id="{FE2001DF-606A-4A43-8592-17AED3BDE26A}" type="datetime5">
+              <a:rPr lang="en-US" smtClean="0"/>
+              <a:t>28-Oct-25</a:t>
             </a:fld>
             <a:endParaRPr lang="en-US"/>
           </a:p>
@@ -14768,7 +17352,10 @@
           <a:bodyPr/>
           <a:lstStyle/>
           <a:p>
-            <a:endParaRPr lang="en-US"/>
+            <a:r>
+              <a:rPr lang="en-US"/>
+              <a:t>© Steve Beaty and others as cited</a:t>
+            </a:r>
           </a:p>
         </p:txBody>
       </p:sp>
@@ -14796,6 +17383,35 @@
             <a:fld id="{62CBAC88-EF5B-3148-888C-824478CD1B05}" type="slidenum">
               <a:rPr lang="en-US" smtClean="0"/>
               <a:t>58</a:t>
+            </a:fld>
+            <a:endParaRPr lang="en-US"/>
+          </a:p>
+        </p:txBody>
+      </p:sp>
+      <p:sp>
+        <p:nvSpPr>
+          <p:cNvPr id="7" name="Date Placeholder 6">
+            <a:extLst>
+              <a:ext uri="{FF2B5EF4-FFF2-40B4-BE49-F238E27FC236}">
+                <a16:creationId xmlns:a16="http://schemas.microsoft.com/office/drawing/2014/main" id="{7F5067E5-2AA1-90BF-1796-F795E353F92E}"/>
+              </a:ext>
+            </a:extLst>
+          </p:cNvPr>
+          <p:cNvSpPr>
+            <a:spLocks noGrp="1"/>
+          </p:cNvSpPr>
+          <p:nvPr>
+            <p:ph type="dt" sz="half" idx="10"/>
+          </p:nvPr>
+        </p:nvSpPr>
+        <p:spPr/>
+        <p:txBody>
+          <a:bodyPr/>
+          <a:lstStyle/>
+          <a:p>
+            <a:fld id="{4F756082-DF7E-2748-9E6C-0962311EBA1D}" type="datetime5">
+              <a:rPr lang="en-US" smtClean="0"/>
+              <a:t>28-Oct-25</a:t>
             </a:fld>
             <a:endParaRPr lang="en-US"/>
           </a:p>
@@ -14955,7 +17571,10 @@
           <a:bodyPr/>
           <a:lstStyle/>
           <a:p>
-            <a:endParaRPr lang="en-US"/>
+            <a:r>
+              <a:rPr lang="en-US"/>
+              <a:t>© Steve Beaty and others as cited</a:t>
+            </a:r>
           </a:p>
         </p:txBody>
       </p:sp>
@@ -14983,6 +17602,35 @@
             <a:fld id="{62CBAC88-EF5B-3148-888C-824478CD1B05}" type="slidenum">
               <a:rPr lang="en-US" smtClean="0"/>
               <a:t>59</a:t>
+            </a:fld>
+            <a:endParaRPr lang="en-US"/>
+          </a:p>
+        </p:txBody>
+      </p:sp>
+      <p:sp>
+        <p:nvSpPr>
+          <p:cNvPr id="7" name="Date Placeholder 6">
+            <a:extLst>
+              <a:ext uri="{FF2B5EF4-FFF2-40B4-BE49-F238E27FC236}">
+                <a16:creationId xmlns:a16="http://schemas.microsoft.com/office/drawing/2014/main" id="{848FA5AD-D3DE-62C5-2ACE-92E56E3FFBF4}"/>
+              </a:ext>
+            </a:extLst>
+          </p:cNvPr>
+          <p:cNvSpPr>
+            <a:spLocks noGrp="1"/>
+          </p:cNvSpPr>
+          <p:nvPr>
+            <p:ph type="dt" sz="half" idx="10"/>
+          </p:nvPr>
+        </p:nvSpPr>
+        <p:spPr/>
+        <p:txBody>
+          <a:bodyPr/>
+          <a:lstStyle/>
+          <a:p>
+            <a:fld id="{5E8C4CA4-9A7D-FB4E-80CB-4C957092B356}" type="datetime5">
+              <a:rPr lang="en-US" smtClean="0"/>
+              <a:t>28-Oct-25</a:t>
             </a:fld>
             <a:endParaRPr lang="en-US"/>
           </a:p>
@@ -15142,7 +17790,10 @@
           <a:bodyPr/>
           <a:lstStyle/>
           <a:p>
-            <a:endParaRPr lang="en-US"/>
+            <a:r>
+              <a:rPr lang="en-US"/>
+              <a:t>© Steve Beaty and others as cited</a:t>
+            </a:r>
           </a:p>
         </p:txBody>
       </p:sp>
@@ -15170,6 +17821,35 @@
             <a:fld id="{62CBAC88-EF5B-3148-888C-824478CD1B05}" type="slidenum">
               <a:rPr lang="en-US" smtClean="0"/>
               <a:t>6</a:t>
+            </a:fld>
+            <a:endParaRPr lang="en-US"/>
+          </a:p>
+        </p:txBody>
+      </p:sp>
+      <p:sp>
+        <p:nvSpPr>
+          <p:cNvPr id="7" name="Date Placeholder 6">
+            <a:extLst>
+              <a:ext uri="{FF2B5EF4-FFF2-40B4-BE49-F238E27FC236}">
+                <a16:creationId xmlns:a16="http://schemas.microsoft.com/office/drawing/2014/main" id="{AC85741F-6A87-D2F6-6117-F6CA0B8FC34A}"/>
+              </a:ext>
+            </a:extLst>
+          </p:cNvPr>
+          <p:cNvSpPr>
+            <a:spLocks noGrp="1"/>
+          </p:cNvSpPr>
+          <p:nvPr>
+            <p:ph type="dt" sz="half" idx="10"/>
+          </p:nvPr>
+        </p:nvSpPr>
+        <p:spPr/>
+        <p:txBody>
+          <a:bodyPr/>
+          <a:lstStyle/>
+          <a:p>
+            <a:fld id="{90570CE3-E5A7-A341-AFCA-D4CC4AB55FEE}" type="datetime5">
+              <a:rPr lang="en-US" smtClean="0"/>
+              <a:t>28-Oct-25</a:t>
             </a:fld>
             <a:endParaRPr lang="en-US"/>
           </a:p>
@@ -15335,7 +18015,10 @@
           <a:bodyPr/>
           <a:lstStyle/>
           <a:p>
-            <a:endParaRPr lang="en-US"/>
+            <a:r>
+              <a:rPr lang="en-US"/>
+              <a:t>© Steve Beaty and others as cited</a:t>
+            </a:r>
           </a:p>
         </p:txBody>
       </p:sp>
@@ -15363,6 +18046,35 @@
             <a:fld id="{62CBAC88-EF5B-3148-888C-824478CD1B05}" type="slidenum">
               <a:rPr lang="en-US" smtClean="0"/>
               <a:t>60</a:t>
+            </a:fld>
+            <a:endParaRPr lang="en-US"/>
+          </a:p>
+        </p:txBody>
+      </p:sp>
+      <p:sp>
+        <p:nvSpPr>
+          <p:cNvPr id="7" name="Date Placeholder 6">
+            <a:extLst>
+              <a:ext uri="{FF2B5EF4-FFF2-40B4-BE49-F238E27FC236}">
+                <a16:creationId xmlns:a16="http://schemas.microsoft.com/office/drawing/2014/main" id="{D9E739C7-E199-E3DB-C2F8-D4EEA2E188FA}"/>
+              </a:ext>
+            </a:extLst>
+          </p:cNvPr>
+          <p:cNvSpPr>
+            <a:spLocks noGrp="1"/>
+          </p:cNvSpPr>
+          <p:nvPr>
+            <p:ph type="dt" sz="half" idx="10"/>
+          </p:nvPr>
+        </p:nvSpPr>
+        <p:spPr/>
+        <p:txBody>
+          <a:bodyPr/>
+          <a:lstStyle/>
+          <a:p>
+            <a:fld id="{0F13F11A-E5E7-7441-8B9B-B9AD1BDCA8E0}" type="datetime5">
+              <a:rPr lang="en-US" smtClean="0"/>
+              <a:t>28-Oct-25</a:t>
             </a:fld>
             <a:endParaRPr lang="en-US"/>
           </a:p>
@@ -15605,7 +18317,10 @@
           <a:bodyPr/>
           <a:lstStyle/>
           <a:p>
-            <a:endParaRPr lang="en-US"/>
+            <a:r>
+              <a:rPr lang="en-US"/>
+              <a:t>© Steve Beaty and others as cited</a:t>
+            </a:r>
           </a:p>
         </p:txBody>
       </p:sp>
@@ -15633,6 +18348,35 @@
             <a:fld id="{62CBAC88-EF5B-3148-888C-824478CD1B05}" type="slidenum">
               <a:rPr lang="en-US" smtClean="0"/>
               <a:t>61</a:t>
+            </a:fld>
+            <a:endParaRPr lang="en-US"/>
+          </a:p>
+        </p:txBody>
+      </p:sp>
+      <p:sp>
+        <p:nvSpPr>
+          <p:cNvPr id="7" name="Date Placeholder 6">
+            <a:extLst>
+              <a:ext uri="{FF2B5EF4-FFF2-40B4-BE49-F238E27FC236}">
+                <a16:creationId xmlns:a16="http://schemas.microsoft.com/office/drawing/2014/main" id="{0AF0144E-7D3D-1E99-0CEB-BAC7FDA060A0}"/>
+              </a:ext>
+            </a:extLst>
+          </p:cNvPr>
+          <p:cNvSpPr>
+            <a:spLocks noGrp="1"/>
+          </p:cNvSpPr>
+          <p:nvPr>
+            <p:ph type="dt" sz="half" idx="10"/>
+          </p:nvPr>
+        </p:nvSpPr>
+        <p:spPr/>
+        <p:txBody>
+          <a:bodyPr/>
+          <a:lstStyle/>
+          <a:p>
+            <a:fld id="{77C61401-1C60-6243-94F3-502972A47BC1}" type="datetime5">
+              <a:rPr lang="en-US" smtClean="0"/>
+              <a:t>28-Oct-25</a:t>
             </a:fld>
             <a:endParaRPr lang="en-US"/>
           </a:p>
@@ -15797,7 +18541,10 @@
           <a:bodyPr/>
           <a:lstStyle/>
           <a:p>
-            <a:endParaRPr lang="en-US"/>
+            <a:r>
+              <a:rPr lang="en-US"/>
+              <a:t>© Steve Beaty and others as cited</a:t>
+            </a:r>
           </a:p>
         </p:txBody>
       </p:sp>
@@ -15825,6 +18572,35 @@
             <a:fld id="{62CBAC88-EF5B-3148-888C-824478CD1B05}" type="slidenum">
               <a:rPr lang="en-US" smtClean="0"/>
               <a:t>62</a:t>
+            </a:fld>
+            <a:endParaRPr lang="en-US"/>
+          </a:p>
+        </p:txBody>
+      </p:sp>
+      <p:sp>
+        <p:nvSpPr>
+          <p:cNvPr id="7" name="Date Placeholder 6">
+            <a:extLst>
+              <a:ext uri="{FF2B5EF4-FFF2-40B4-BE49-F238E27FC236}">
+                <a16:creationId xmlns:a16="http://schemas.microsoft.com/office/drawing/2014/main" id="{E74517F0-BE7A-2143-A7BF-0E618DFEC124}"/>
+              </a:ext>
+            </a:extLst>
+          </p:cNvPr>
+          <p:cNvSpPr>
+            <a:spLocks noGrp="1"/>
+          </p:cNvSpPr>
+          <p:nvPr>
+            <p:ph type="dt" sz="half" idx="10"/>
+          </p:nvPr>
+        </p:nvSpPr>
+        <p:spPr/>
+        <p:txBody>
+          <a:bodyPr/>
+          <a:lstStyle/>
+          <a:p>
+            <a:fld id="{24B21688-43A1-9E40-B99C-09665BCD866A}" type="datetime5">
+              <a:rPr lang="en-US" smtClean="0"/>
+              <a:t>28-Oct-25</a:t>
             </a:fld>
             <a:endParaRPr lang="en-US"/>
           </a:p>
@@ -15978,7 +18754,10 @@
           <a:bodyPr/>
           <a:lstStyle/>
           <a:p>
-            <a:endParaRPr lang="en-US"/>
+            <a:r>
+              <a:rPr lang="en-US"/>
+              <a:t>© Steve Beaty and others as cited</a:t>
+            </a:r>
           </a:p>
         </p:txBody>
       </p:sp>
@@ -16006,6 +18785,35 @@
             <a:fld id="{62CBAC88-EF5B-3148-888C-824478CD1B05}" type="slidenum">
               <a:rPr lang="en-US" smtClean="0"/>
               <a:t>63</a:t>
+            </a:fld>
+            <a:endParaRPr lang="en-US"/>
+          </a:p>
+        </p:txBody>
+      </p:sp>
+      <p:sp>
+        <p:nvSpPr>
+          <p:cNvPr id="7" name="Date Placeholder 6">
+            <a:extLst>
+              <a:ext uri="{FF2B5EF4-FFF2-40B4-BE49-F238E27FC236}">
+                <a16:creationId xmlns:a16="http://schemas.microsoft.com/office/drawing/2014/main" id="{25C35762-E85F-91F5-AF7A-B0B9EF58A043}"/>
+              </a:ext>
+            </a:extLst>
+          </p:cNvPr>
+          <p:cNvSpPr>
+            <a:spLocks noGrp="1"/>
+          </p:cNvSpPr>
+          <p:nvPr>
+            <p:ph type="dt" sz="half" idx="10"/>
+          </p:nvPr>
+        </p:nvSpPr>
+        <p:spPr/>
+        <p:txBody>
+          <a:bodyPr/>
+          <a:lstStyle/>
+          <a:p>
+            <a:fld id="{2EACF658-CF45-DC48-B9F2-5526860EA20B}" type="datetime5">
+              <a:rPr lang="en-US" smtClean="0"/>
+              <a:t>28-Oct-25</a:t>
             </a:fld>
             <a:endParaRPr lang="en-US"/>
           </a:p>
@@ -16212,7 +19020,10 @@
           <a:bodyPr/>
           <a:lstStyle/>
           <a:p>
-            <a:endParaRPr lang="en-US"/>
+            <a:r>
+              <a:rPr lang="en-US"/>
+              <a:t>© Steve Beaty and others as cited</a:t>
+            </a:r>
           </a:p>
         </p:txBody>
       </p:sp>
@@ -16240,6 +19051,35 @@
             <a:fld id="{62CBAC88-EF5B-3148-888C-824478CD1B05}" type="slidenum">
               <a:rPr lang="en-US" smtClean="0"/>
               <a:t>64</a:t>
+            </a:fld>
+            <a:endParaRPr lang="en-US"/>
+          </a:p>
+        </p:txBody>
+      </p:sp>
+      <p:sp>
+        <p:nvSpPr>
+          <p:cNvPr id="7" name="Date Placeholder 6">
+            <a:extLst>
+              <a:ext uri="{FF2B5EF4-FFF2-40B4-BE49-F238E27FC236}">
+                <a16:creationId xmlns:a16="http://schemas.microsoft.com/office/drawing/2014/main" id="{BF0590F3-05DB-01B5-AB5B-80678EE463DD}"/>
+              </a:ext>
+            </a:extLst>
+          </p:cNvPr>
+          <p:cNvSpPr>
+            <a:spLocks noGrp="1"/>
+          </p:cNvSpPr>
+          <p:nvPr>
+            <p:ph type="dt" sz="half" idx="10"/>
+          </p:nvPr>
+        </p:nvSpPr>
+        <p:spPr/>
+        <p:txBody>
+          <a:bodyPr/>
+          <a:lstStyle/>
+          <a:p>
+            <a:fld id="{B65E434C-93F5-BD4A-A137-BD761AAC8857}" type="datetime5">
+              <a:rPr lang="en-US" smtClean="0"/>
+              <a:t>28-Oct-25</a:t>
             </a:fld>
             <a:endParaRPr lang="en-US"/>
           </a:p>
@@ -16441,7 +19281,10 @@
           <a:bodyPr/>
           <a:lstStyle/>
           <a:p>
-            <a:endParaRPr lang="en-US"/>
+            <a:r>
+              <a:rPr lang="en-US"/>
+              <a:t>© Steve Beaty and others as cited</a:t>
+            </a:r>
           </a:p>
         </p:txBody>
       </p:sp>
@@ -16469,6 +19312,35 @@
             <a:fld id="{62CBAC88-EF5B-3148-888C-824478CD1B05}" type="slidenum">
               <a:rPr lang="en-US" smtClean="0"/>
               <a:t>65</a:t>
+            </a:fld>
+            <a:endParaRPr lang="en-US"/>
+          </a:p>
+        </p:txBody>
+      </p:sp>
+      <p:sp>
+        <p:nvSpPr>
+          <p:cNvPr id="7" name="Date Placeholder 6">
+            <a:extLst>
+              <a:ext uri="{FF2B5EF4-FFF2-40B4-BE49-F238E27FC236}">
+                <a16:creationId xmlns:a16="http://schemas.microsoft.com/office/drawing/2014/main" id="{9A2BDD8D-0A3D-3350-1BC9-537FB62B44A8}"/>
+              </a:ext>
+            </a:extLst>
+          </p:cNvPr>
+          <p:cNvSpPr>
+            <a:spLocks noGrp="1"/>
+          </p:cNvSpPr>
+          <p:nvPr>
+            <p:ph type="dt" sz="half" idx="10"/>
+          </p:nvPr>
+        </p:nvSpPr>
+        <p:spPr/>
+        <p:txBody>
+          <a:bodyPr/>
+          <a:lstStyle/>
+          <a:p>
+            <a:fld id="{DFE09402-F84C-4C45-B643-B08938A9942D}" type="datetime5">
+              <a:rPr lang="en-US" smtClean="0"/>
+              <a:t>28-Oct-25</a:t>
             </a:fld>
             <a:endParaRPr lang="en-US"/>
           </a:p>
@@ -16665,7 +19537,10 @@
           <a:bodyPr/>
           <a:lstStyle/>
           <a:p>
-            <a:endParaRPr lang="en-US"/>
+            <a:r>
+              <a:rPr lang="en-US"/>
+              <a:t>© Steve Beaty and others as cited</a:t>
+            </a:r>
           </a:p>
         </p:txBody>
       </p:sp>
@@ -16693,6 +19568,35 @@
             <a:fld id="{62CBAC88-EF5B-3148-888C-824478CD1B05}" type="slidenum">
               <a:rPr lang="en-US" smtClean="0"/>
               <a:t>66</a:t>
+            </a:fld>
+            <a:endParaRPr lang="en-US"/>
+          </a:p>
+        </p:txBody>
+      </p:sp>
+      <p:sp>
+        <p:nvSpPr>
+          <p:cNvPr id="7" name="Date Placeholder 6">
+            <a:extLst>
+              <a:ext uri="{FF2B5EF4-FFF2-40B4-BE49-F238E27FC236}">
+                <a16:creationId xmlns:a16="http://schemas.microsoft.com/office/drawing/2014/main" id="{3863A576-230D-B785-D645-3219DF08892B}"/>
+              </a:ext>
+            </a:extLst>
+          </p:cNvPr>
+          <p:cNvSpPr>
+            <a:spLocks noGrp="1"/>
+          </p:cNvSpPr>
+          <p:nvPr>
+            <p:ph type="dt" sz="half" idx="10"/>
+          </p:nvPr>
+        </p:nvSpPr>
+        <p:spPr/>
+        <p:txBody>
+          <a:bodyPr/>
+          <a:lstStyle/>
+          <a:p>
+            <a:fld id="{73BE34C8-A550-EB41-BD53-F4F8E94A99FE}" type="datetime5">
+              <a:rPr lang="en-US" smtClean="0"/>
+              <a:t>28-Oct-25</a:t>
             </a:fld>
             <a:endParaRPr lang="en-US"/>
           </a:p>
@@ -16933,7 +19837,10 @@
           <a:bodyPr/>
           <a:lstStyle/>
           <a:p>
-            <a:endParaRPr lang="en-US"/>
+            <a:r>
+              <a:rPr lang="en-US"/>
+              <a:t>© Steve Beaty and others as cited</a:t>
+            </a:r>
           </a:p>
         </p:txBody>
       </p:sp>
@@ -16961,6 +19868,35 @@
             <a:fld id="{62CBAC88-EF5B-3148-888C-824478CD1B05}" type="slidenum">
               <a:rPr lang="en-US" smtClean="0"/>
               <a:t>67</a:t>
+            </a:fld>
+            <a:endParaRPr lang="en-US"/>
+          </a:p>
+        </p:txBody>
+      </p:sp>
+      <p:sp>
+        <p:nvSpPr>
+          <p:cNvPr id="7" name="Date Placeholder 6">
+            <a:extLst>
+              <a:ext uri="{FF2B5EF4-FFF2-40B4-BE49-F238E27FC236}">
+                <a16:creationId xmlns:a16="http://schemas.microsoft.com/office/drawing/2014/main" id="{B8EBCD1E-ABBF-FAF0-77CA-D4648828AE66}"/>
+              </a:ext>
+            </a:extLst>
+          </p:cNvPr>
+          <p:cNvSpPr>
+            <a:spLocks noGrp="1"/>
+          </p:cNvSpPr>
+          <p:nvPr>
+            <p:ph type="dt" sz="half" idx="10"/>
+          </p:nvPr>
+        </p:nvSpPr>
+        <p:spPr/>
+        <p:txBody>
+          <a:bodyPr/>
+          <a:lstStyle/>
+          <a:p>
+            <a:fld id="{C092998B-F0BE-B243-8379-C541DDDE14F4}" type="datetime5">
+              <a:rPr lang="en-US" smtClean="0"/>
+              <a:t>28-Oct-25</a:t>
             </a:fld>
             <a:endParaRPr lang="en-US"/>
           </a:p>
@@ -17134,7 +20070,10 @@
           <a:bodyPr/>
           <a:lstStyle/>
           <a:p>
-            <a:endParaRPr lang="en-US"/>
+            <a:r>
+              <a:rPr lang="en-US"/>
+              <a:t>© Steve Beaty and others as cited</a:t>
+            </a:r>
           </a:p>
         </p:txBody>
       </p:sp>
@@ -17162,6 +20101,35 @@
             <a:fld id="{62CBAC88-EF5B-3148-888C-824478CD1B05}" type="slidenum">
               <a:rPr lang="en-US" smtClean="0"/>
               <a:t>68</a:t>
+            </a:fld>
+            <a:endParaRPr lang="en-US"/>
+          </a:p>
+        </p:txBody>
+      </p:sp>
+      <p:sp>
+        <p:nvSpPr>
+          <p:cNvPr id="7" name="Date Placeholder 6">
+            <a:extLst>
+              <a:ext uri="{FF2B5EF4-FFF2-40B4-BE49-F238E27FC236}">
+                <a16:creationId xmlns:a16="http://schemas.microsoft.com/office/drawing/2014/main" id="{A4DBCED5-000F-F32F-871D-B126E563842D}"/>
+              </a:ext>
+            </a:extLst>
+          </p:cNvPr>
+          <p:cNvSpPr>
+            <a:spLocks noGrp="1"/>
+          </p:cNvSpPr>
+          <p:nvPr>
+            <p:ph type="dt" sz="half" idx="10"/>
+          </p:nvPr>
+        </p:nvSpPr>
+        <p:spPr/>
+        <p:txBody>
+          <a:bodyPr/>
+          <a:lstStyle/>
+          <a:p>
+            <a:fld id="{8F7190E5-A397-6F48-92AE-CB7D20AF2B51}" type="datetime5">
+              <a:rPr lang="en-US" smtClean="0"/>
+              <a:t>28-Oct-25</a:t>
             </a:fld>
             <a:endParaRPr lang="en-US"/>
           </a:p>
@@ -17336,7 +20304,10 @@
           <a:bodyPr/>
           <a:lstStyle/>
           <a:p>
-            <a:endParaRPr lang="en-US"/>
+            <a:r>
+              <a:rPr lang="en-US"/>
+              <a:t>© Steve Beaty and others as cited</a:t>
+            </a:r>
           </a:p>
         </p:txBody>
       </p:sp>
@@ -17364,6 +20335,35 @@
             <a:fld id="{62CBAC88-EF5B-3148-888C-824478CD1B05}" type="slidenum">
               <a:rPr lang="en-US" smtClean="0"/>
               <a:t>69</a:t>
+            </a:fld>
+            <a:endParaRPr lang="en-US"/>
+          </a:p>
+        </p:txBody>
+      </p:sp>
+      <p:sp>
+        <p:nvSpPr>
+          <p:cNvPr id="7" name="Date Placeholder 6">
+            <a:extLst>
+              <a:ext uri="{FF2B5EF4-FFF2-40B4-BE49-F238E27FC236}">
+                <a16:creationId xmlns:a16="http://schemas.microsoft.com/office/drawing/2014/main" id="{860E76AB-2E4C-44BB-30A9-D9D507F3D1CF}"/>
+              </a:ext>
+            </a:extLst>
+          </p:cNvPr>
+          <p:cNvSpPr>
+            <a:spLocks noGrp="1"/>
+          </p:cNvSpPr>
+          <p:nvPr>
+            <p:ph type="dt" sz="half" idx="10"/>
+          </p:nvPr>
+        </p:nvSpPr>
+        <p:spPr/>
+        <p:txBody>
+          <a:bodyPr/>
+          <a:lstStyle/>
+          <a:p>
+            <a:fld id="{B973F0D1-6192-A149-B1EA-499F2B432EBE}" type="datetime5">
+              <a:rPr lang="en-US" smtClean="0"/>
+              <a:t>28-Oct-25</a:t>
             </a:fld>
             <a:endParaRPr lang="en-US"/>
           </a:p>
@@ -17528,7 +20528,10 @@
           <a:bodyPr/>
           <a:lstStyle/>
           <a:p>
-            <a:endParaRPr lang="en-US"/>
+            <a:r>
+              <a:rPr lang="en-US"/>
+              <a:t>© Steve Beaty and others as cited</a:t>
+            </a:r>
           </a:p>
         </p:txBody>
       </p:sp>
@@ -17556,6 +20559,35 @@
             <a:fld id="{62CBAC88-EF5B-3148-888C-824478CD1B05}" type="slidenum">
               <a:rPr lang="en-US" smtClean="0"/>
               <a:t>7</a:t>
+            </a:fld>
+            <a:endParaRPr lang="en-US"/>
+          </a:p>
+        </p:txBody>
+      </p:sp>
+      <p:sp>
+        <p:nvSpPr>
+          <p:cNvPr id="7" name="Date Placeholder 6">
+            <a:extLst>
+              <a:ext uri="{FF2B5EF4-FFF2-40B4-BE49-F238E27FC236}">
+                <a16:creationId xmlns:a16="http://schemas.microsoft.com/office/drawing/2014/main" id="{38339254-ECFA-7898-95ED-67065308A0F9}"/>
+              </a:ext>
+            </a:extLst>
+          </p:cNvPr>
+          <p:cNvSpPr>
+            <a:spLocks noGrp="1"/>
+          </p:cNvSpPr>
+          <p:nvPr>
+            <p:ph type="dt" sz="half" idx="10"/>
+          </p:nvPr>
+        </p:nvSpPr>
+        <p:spPr/>
+        <p:txBody>
+          <a:bodyPr/>
+          <a:lstStyle/>
+          <a:p>
+            <a:fld id="{5F7D23F5-FA24-FF4C-8365-C840C2558681}" type="datetime5">
+              <a:rPr lang="en-US" smtClean="0"/>
+              <a:t>28-Oct-25</a:t>
             </a:fld>
             <a:endParaRPr lang="en-US"/>
           </a:p>
@@ -17711,7 +20743,10 @@
           <a:bodyPr/>
           <a:lstStyle/>
           <a:p>
-            <a:endParaRPr lang="en-US"/>
+            <a:r>
+              <a:rPr lang="en-US"/>
+              <a:t>© Steve Beaty and others as cited</a:t>
+            </a:r>
           </a:p>
         </p:txBody>
       </p:sp>
@@ -17739,6 +20774,35 @@
             <a:fld id="{62CBAC88-EF5B-3148-888C-824478CD1B05}" type="slidenum">
               <a:rPr lang="en-US" smtClean="0"/>
               <a:t>70</a:t>
+            </a:fld>
+            <a:endParaRPr lang="en-US"/>
+          </a:p>
+        </p:txBody>
+      </p:sp>
+      <p:sp>
+        <p:nvSpPr>
+          <p:cNvPr id="7" name="Date Placeholder 6">
+            <a:extLst>
+              <a:ext uri="{FF2B5EF4-FFF2-40B4-BE49-F238E27FC236}">
+                <a16:creationId xmlns:a16="http://schemas.microsoft.com/office/drawing/2014/main" id="{42983D1B-873D-54C7-105F-3B9549D5C81E}"/>
+              </a:ext>
+            </a:extLst>
+          </p:cNvPr>
+          <p:cNvSpPr>
+            <a:spLocks noGrp="1"/>
+          </p:cNvSpPr>
+          <p:nvPr>
+            <p:ph type="dt" sz="half" idx="10"/>
+          </p:nvPr>
+        </p:nvSpPr>
+        <p:spPr/>
+        <p:txBody>
+          <a:bodyPr/>
+          <a:lstStyle/>
+          <a:p>
+            <a:fld id="{D822B67A-F9FD-D242-A472-4F952EF5CF6D}" type="datetime5">
+              <a:rPr lang="en-US" smtClean="0"/>
+              <a:t>28-Oct-25</a:t>
             </a:fld>
             <a:endParaRPr lang="en-US"/>
           </a:p>
@@ -17930,7 +20994,10 @@
           <a:bodyPr/>
           <a:lstStyle/>
           <a:p>
-            <a:endParaRPr lang="en-US"/>
+            <a:r>
+              <a:rPr lang="en-US"/>
+              <a:t>© Steve Beaty and others as cited</a:t>
+            </a:r>
           </a:p>
         </p:txBody>
       </p:sp>
@@ -17958,6 +21025,35 @@
             <a:fld id="{62CBAC88-EF5B-3148-888C-824478CD1B05}" type="slidenum">
               <a:rPr lang="en-US" smtClean="0"/>
               <a:t>8</a:t>
+            </a:fld>
+            <a:endParaRPr lang="en-US"/>
+          </a:p>
+        </p:txBody>
+      </p:sp>
+      <p:sp>
+        <p:nvSpPr>
+          <p:cNvPr id="7" name="Date Placeholder 6">
+            <a:extLst>
+              <a:ext uri="{FF2B5EF4-FFF2-40B4-BE49-F238E27FC236}">
+                <a16:creationId xmlns:a16="http://schemas.microsoft.com/office/drawing/2014/main" id="{43BC54A7-92CA-8E7F-707C-6FF042D8455E}"/>
+              </a:ext>
+            </a:extLst>
+          </p:cNvPr>
+          <p:cNvSpPr>
+            <a:spLocks noGrp="1"/>
+          </p:cNvSpPr>
+          <p:nvPr>
+            <p:ph type="dt" sz="half" idx="10"/>
+          </p:nvPr>
+        </p:nvSpPr>
+        <p:spPr/>
+        <p:txBody>
+          <a:bodyPr/>
+          <a:lstStyle/>
+          <a:p>
+            <a:fld id="{A5FA7841-9393-7145-9103-3D607B9E53BB}" type="datetime5">
+              <a:rPr lang="en-US" smtClean="0"/>
+              <a:t>28-Oct-25</a:t>
             </a:fld>
             <a:endParaRPr lang="en-US"/>
           </a:p>
@@ -18188,7 +21284,10 @@
           <a:bodyPr/>
           <a:lstStyle/>
           <a:p>
-            <a:endParaRPr lang="en-US"/>
+            <a:r>
+              <a:rPr lang="en-US"/>
+              <a:t>© Steve Beaty and others as cited</a:t>
+            </a:r>
           </a:p>
         </p:txBody>
       </p:sp>
@@ -18216,6 +21315,35 @@
             <a:fld id="{62CBAC88-EF5B-3148-888C-824478CD1B05}" type="slidenum">
               <a:rPr lang="en-US" smtClean="0"/>
               <a:t>9</a:t>
+            </a:fld>
+            <a:endParaRPr lang="en-US"/>
+          </a:p>
+        </p:txBody>
+      </p:sp>
+      <p:sp>
+        <p:nvSpPr>
+          <p:cNvPr id="7" name="Date Placeholder 6">
+            <a:extLst>
+              <a:ext uri="{FF2B5EF4-FFF2-40B4-BE49-F238E27FC236}">
+                <a16:creationId xmlns:a16="http://schemas.microsoft.com/office/drawing/2014/main" id="{4F9DCF3D-0B24-BA59-8A17-7C826E1A80D6}"/>
+              </a:ext>
+            </a:extLst>
+          </p:cNvPr>
+          <p:cNvSpPr>
+            <a:spLocks noGrp="1"/>
+          </p:cNvSpPr>
+          <p:nvPr>
+            <p:ph type="dt" sz="half" idx="10"/>
+          </p:nvPr>
+        </p:nvSpPr>
+        <p:spPr/>
+        <p:txBody>
+          <a:bodyPr/>
+          <a:lstStyle/>
+          <a:p>
+            <a:fld id="{75C37B9F-0858-704F-B17D-B5F38B88B2D3}" type="datetime5">
+              <a:rPr lang="en-US" smtClean="0"/>
+              <a:t>28-Oct-25</a:t>
             </a:fld>
             <a:endParaRPr lang="en-US"/>
           </a:p>
